--- a/Introduction/ParisProject.pptx
+++ b/Introduction/ParisProject.pptx
@@ -8,6 +8,10 @@
     <p:sldId id="256" r:id="rId2"/>
     <p:sldId id="257" r:id="rId3"/>
     <p:sldId id="258" r:id="rId4"/>
+    <p:sldId id="259" r:id="rId5"/>
+    <p:sldId id="260" r:id="rId6"/>
+    <p:sldId id="261" r:id="rId7"/>
+    <p:sldId id="262" r:id="rId8"/>
   </p:sldIdLst>
   <p:sldSz cx="12192000" cy="6858000"/>
   <p:notesSz cx="6858000" cy="9144000"/>
@@ -106,7 +110,3433 @@
       </a:defRPr>
     </a:lvl9pPr>
   </p:defaultTextStyle>
+  <p:extLst>
+    <p:ext uri="{EFAFB233-063F-42B5-8137-9DF3F51BA10A}">
+      <p15:sldGuideLst xmlns:p15="http://schemas.microsoft.com/office/powerpoint/2012/main"/>
+    </p:ext>
+  </p:extLst>
 </p:presentation>
+</file>
+
+<file path=ppt/diagrams/colors1.xml><?xml version="1.0" encoding="utf-8"?>
+<dgm:colorsDef xmlns:dgm="http://schemas.openxmlformats.org/drawingml/2006/diagram" xmlns:a="http://schemas.openxmlformats.org/drawingml/2006/main" uniqueId="urn:microsoft.com/office/officeart/2005/8/colors/colorful1">
+  <dgm:title val=""/>
+  <dgm:desc val=""/>
+  <dgm:catLst>
+    <dgm:cat type="colorful" pri="10100"/>
+  </dgm:catLst>
+  <dgm:styleLbl name="node0">
+    <dgm:fillClrLst meth="repeat">
+      <a:schemeClr val="accent1"/>
+    </dgm:fillClrLst>
+    <dgm:linClrLst meth="repeat">
+      <a:schemeClr val="lt1"/>
+    </dgm:linClrLst>
+    <dgm:effectClrLst/>
+    <dgm:txLinClrLst/>
+    <dgm:txFillClrLst/>
+    <dgm:txEffectClrLst/>
+  </dgm:styleLbl>
+  <dgm:styleLbl name="node1">
+    <dgm:fillClrLst meth="repeat">
+      <a:schemeClr val="accent2"/>
+      <a:schemeClr val="accent3"/>
+      <a:schemeClr val="accent4"/>
+      <a:schemeClr val="accent5"/>
+      <a:schemeClr val="accent6"/>
+    </dgm:fillClrLst>
+    <dgm:linClrLst meth="repeat">
+      <a:schemeClr val="lt1"/>
+    </dgm:linClrLst>
+    <dgm:effectClrLst/>
+    <dgm:txLinClrLst/>
+    <dgm:txFillClrLst/>
+    <dgm:txEffectClrLst/>
+  </dgm:styleLbl>
+  <dgm:styleLbl name="alignNode1">
+    <dgm:fillClrLst meth="repeat">
+      <a:schemeClr val="accent2"/>
+      <a:schemeClr val="accent3"/>
+      <a:schemeClr val="accent4"/>
+      <a:schemeClr val="accent5"/>
+      <a:schemeClr val="accent6"/>
+    </dgm:fillClrLst>
+    <dgm:linClrLst meth="repeat">
+      <a:schemeClr val="accent2"/>
+      <a:schemeClr val="accent3"/>
+      <a:schemeClr val="accent4"/>
+      <a:schemeClr val="accent5"/>
+      <a:schemeClr val="accent6"/>
+    </dgm:linClrLst>
+    <dgm:effectClrLst/>
+    <dgm:txLinClrLst/>
+    <dgm:txFillClrLst/>
+    <dgm:txEffectClrLst/>
+  </dgm:styleLbl>
+  <dgm:styleLbl name="lnNode1">
+    <dgm:fillClrLst meth="repeat">
+      <a:schemeClr val="accent2"/>
+      <a:schemeClr val="accent3"/>
+      <a:schemeClr val="accent4"/>
+      <a:schemeClr val="accent5"/>
+      <a:schemeClr val="accent6"/>
+    </dgm:fillClrLst>
+    <dgm:linClrLst meth="repeat">
+      <a:schemeClr val="lt1"/>
+    </dgm:linClrLst>
+    <dgm:effectClrLst/>
+    <dgm:txLinClrLst/>
+    <dgm:txFillClrLst/>
+    <dgm:txEffectClrLst/>
+  </dgm:styleLbl>
+  <dgm:styleLbl name="vennNode1">
+    <dgm:fillClrLst meth="repeat">
+      <a:schemeClr val="accent2">
+        <a:alpha val="50000"/>
+      </a:schemeClr>
+      <a:schemeClr val="accent3">
+        <a:alpha val="50000"/>
+      </a:schemeClr>
+      <a:schemeClr val="accent4">
+        <a:alpha val="50000"/>
+      </a:schemeClr>
+      <a:schemeClr val="accent5">
+        <a:alpha val="50000"/>
+      </a:schemeClr>
+      <a:schemeClr val="accent6">
+        <a:alpha val="50000"/>
+      </a:schemeClr>
+    </dgm:fillClrLst>
+    <dgm:linClrLst meth="repeat">
+      <a:schemeClr val="lt1"/>
+    </dgm:linClrLst>
+    <dgm:effectClrLst/>
+    <dgm:txLinClrLst/>
+    <dgm:txFillClrLst/>
+    <dgm:txEffectClrLst/>
+  </dgm:styleLbl>
+  <dgm:styleLbl name="node2">
+    <dgm:fillClrLst>
+      <a:schemeClr val="accent2"/>
+    </dgm:fillClrLst>
+    <dgm:linClrLst meth="repeat">
+      <a:schemeClr val="lt1"/>
+    </dgm:linClrLst>
+    <dgm:effectClrLst/>
+    <dgm:txLinClrLst/>
+    <dgm:txFillClrLst/>
+    <dgm:txEffectClrLst/>
+  </dgm:styleLbl>
+  <dgm:styleLbl name="node3">
+    <dgm:fillClrLst>
+      <a:schemeClr val="accent3"/>
+    </dgm:fillClrLst>
+    <dgm:linClrLst meth="repeat">
+      <a:schemeClr val="lt1"/>
+    </dgm:linClrLst>
+    <dgm:effectClrLst/>
+    <dgm:txLinClrLst/>
+    <dgm:txFillClrLst/>
+    <dgm:txEffectClrLst/>
+  </dgm:styleLbl>
+  <dgm:styleLbl name="node4">
+    <dgm:fillClrLst>
+      <a:schemeClr val="accent4"/>
+    </dgm:fillClrLst>
+    <dgm:linClrLst meth="repeat">
+      <a:schemeClr val="lt1"/>
+    </dgm:linClrLst>
+    <dgm:effectClrLst/>
+    <dgm:txLinClrLst/>
+    <dgm:txFillClrLst/>
+    <dgm:txEffectClrLst/>
+  </dgm:styleLbl>
+  <dgm:styleLbl name="fgImgPlace1">
+    <dgm:fillClrLst meth="repeat">
+      <a:schemeClr val="accent2">
+        <a:tint val="50000"/>
+      </a:schemeClr>
+      <a:schemeClr val="accent3">
+        <a:tint val="50000"/>
+      </a:schemeClr>
+      <a:schemeClr val="accent4">
+        <a:tint val="50000"/>
+      </a:schemeClr>
+      <a:schemeClr val="accent5">
+        <a:tint val="50000"/>
+      </a:schemeClr>
+      <a:schemeClr val="accent6">
+        <a:tint val="50000"/>
+      </a:schemeClr>
+    </dgm:fillClrLst>
+    <dgm:linClrLst meth="repeat">
+      <a:schemeClr val="lt1"/>
+    </dgm:linClrLst>
+    <dgm:effectClrLst/>
+    <dgm:txLinClrLst/>
+    <dgm:txFillClrLst meth="repeat">
+      <a:schemeClr val="lt1"/>
+    </dgm:txFillClrLst>
+    <dgm:txEffectClrLst/>
+  </dgm:styleLbl>
+  <dgm:styleLbl name="alignImgPlace1">
+    <dgm:fillClrLst>
+      <a:schemeClr val="accent1">
+        <a:tint val="50000"/>
+      </a:schemeClr>
+      <a:schemeClr val="accent2">
+        <a:tint val="20000"/>
+      </a:schemeClr>
+    </dgm:fillClrLst>
+    <dgm:linClrLst meth="repeat">
+      <a:schemeClr val="lt1"/>
+    </dgm:linClrLst>
+    <dgm:effectClrLst/>
+    <dgm:txLinClrLst/>
+    <dgm:txFillClrLst meth="repeat">
+      <a:schemeClr val="lt1"/>
+    </dgm:txFillClrLst>
+    <dgm:txEffectClrLst/>
+  </dgm:styleLbl>
+  <dgm:styleLbl name="bgImgPlace1">
+    <dgm:fillClrLst>
+      <a:schemeClr val="accent1">
+        <a:tint val="50000"/>
+      </a:schemeClr>
+      <a:schemeClr val="accent2">
+        <a:tint val="20000"/>
+      </a:schemeClr>
+    </dgm:fillClrLst>
+    <dgm:linClrLst meth="repeat">
+      <a:schemeClr val="lt1"/>
+    </dgm:linClrLst>
+    <dgm:effectClrLst/>
+    <dgm:txLinClrLst/>
+    <dgm:txFillClrLst meth="repeat">
+      <a:schemeClr val="lt1"/>
+    </dgm:txFillClrLst>
+    <dgm:txEffectClrLst/>
+  </dgm:styleLbl>
+  <dgm:styleLbl name="sibTrans2D1">
+    <dgm:fillClrLst meth="repeat">
+      <a:schemeClr val="accent2"/>
+      <a:schemeClr val="accent3"/>
+      <a:schemeClr val="accent4"/>
+      <a:schemeClr val="accent5"/>
+      <a:schemeClr val="accent6"/>
+    </dgm:fillClrLst>
+    <dgm:linClrLst meth="cycle">
+      <a:schemeClr val="lt1"/>
+    </dgm:linClrLst>
+    <dgm:effectClrLst/>
+    <dgm:txLinClrLst/>
+    <dgm:txFillClrLst/>
+    <dgm:txEffectClrLst/>
+  </dgm:styleLbl>
+  <dgm:styleLbl name="fgSibTrans2D1">
+    <dgm:fillClrLst meth="repeat">
+      <a:schemeClr val="accent2"/>
+      <a:schemeClr val="accent3"/>
+      <a:schemeClr val="accent4"/>
+      <a:schemeClr val="accent5"/>
+      <a:schemeClr val="accent6"/>
+    </dgm:fillClrLst>
+    <dgm:linClrLst meth="cycle">
+      <a:schemeClr val="lt1"/>
+    </dgm:linClrLst>
+    <dgm:effectClrLst/>
+    <dgm:txLinClrLst/>
+    <dgm:txFillClrLst meth="repeat">
+      <a:schemeClr val="lt1"/>
+    </dgm:txFillClrLst>
+    <dgm:txEffectClrLst/>
+  </dgm:styleLbl>
+  <dgm:styleLbl name="bgSibTrans2D1">
+    <dgm:fillClrLst meth="repeat">
+      <a:schemeClr val="accent2"/>
+      <a:schemeClr val="accent3"/>
+      <a:schemeClr val="accent4"/>
+      <a:schemeClr val="accent5"/>
+      <a:schemeClr val="accent6"/>
+    </dgm:fillClrLst>
+    <dgm:linClrLst meth="cycle">
+      <a:schemeClr val="lt1"/>
+    </dgm:linClrLst>
+    <dgm:effectClrLst/>
+    <dgm:txLinClrLst/>
+    <dgm:txFillClrLst meth="repeat">
+      <a:schemeClr val="lt1"/>
+    </dgm:txFillClrLst>
+    <dgm:txEffectClrLst/>
+  </dgm:styleLbl>
+  <dgm:styleLbl name="sibTrans1D1">
+    <dgm:fillClrLst meth="repeat">
+      <a:schemeClr val="accent2"/>
+      <a:schemeClr val="accent3"/>
+      <a:schemeClr val="accent4"/>
+      <a:schemeClr val="accent5"/>
+      <a:schemeClr val="accent6"/>
+    </dgm:fillClrLst>
+    <dgm:linClrLst meth="repeat">
+      <a:schemeClr val="accent2"/>
+      <a:schemeClr val="accent3"/>
+      <a:schemeClr val="accent4"/>
+      <a:schemeClr val="accent5"/>
+      <a:schemeClr val="accent6"/>
+    </dgm:linClrLst>
+    <dgm:effectClrLst/>
+    <dgm:txLinClrLst/>
+    <dgm:txFillClrLst meth="repeat">
+      <a:schemeClr val="tx1"/>
+    </dgm:txFillClrLst>
+    <dgm:txEffectClrLst/>
+  </dgm:styleLbl>
+  <dgm:styleLbl name="callout">
+    <dgm:fillClrLst meth="repeat">
+      <a:schemeClr val="accent2"/>
+    </dgm:fillClrLst>
+    <dgm:linClrLst meth="repeat">
+      <a:schemeClr val="accent2">
+        <a:tint val="50000"/>
+      </a:schemeClr>
+    </dgm:linClrLst>
+    <dgm:effectClrLst/>
+    <dgm:txLinClrLst/>
+    <dgm:txFillClrLst meth="repeat">
+      <a:schemeClr val="tx1"/>
+    </dgm:txFillClrLst>
+    <dgm:txEffectClrLst/>
+  </dgm:styleLbl>
+  <dgm:styleLbl name="asst0">
+    <dgm:fillClrLst meth="repeat">
+      <a:schemeClr val="accent1"/>
+    </dgm:fillClrLst>
+    <dgm:linClrLst meth="repeat">
+      <a:schemeClr val="lt1"/>
+    </dgm:linClrLst>
+    <dgm:effectClrLst/>
+    <dgm:txLinClrLst/>
+    <dgm:txFillClrLst/>
+    <dgm:txEffectClrLst/>
+  </dgm:styleLbl>
+  <dgm:styleLbl name="asst1">
+    <dgm:fillClrLst meth="repeat">
+      <a:schemeClr val="accent2"/>
+    </dgm:fillClrLst>
+    <dgm:linClrLst meth="repeat">
+      <a:schemeClr val="lt1"/>
+    </dgm:linClrLst>
+    <dgm:effectClrLst/>
+    <dgm:txLinClrLst/>
+    <dgm:txFillClrLst/>
+    <dgm:txEffectClrLst/>
+  </dgm:styleLbl>
+  <dgm:styleLbl name="asst2">
+    <dgm:fillClrLst>
+      <a:schemeClr val="accent3"/>
+    </dgm:fillClrLst>
+    <dgm:linClrLst meth="repeat">
+      <a:schemeClr val="lt1"/>
+    </dgm:linClrLst>
+    <dgm:effectClrLst/>
+    <dgm:txLinClrLst/>
+    <dgm:txFillClrLst/>
+    <dgm:txEffectClrLst/>
+  </dgm:styleLbl>
+  <dgm:styleLbl name="asst3">
+    <dgm:fillClrLst>
+      <a:schemeClr val="accent4"/>
+    </dgm:fillClrLst>
+    <dgm:linClrLst meth="repeat">
+      <a:schemeClr val="lt1"/>
+    </dgm:linClrLst>
+    <dgm:effectClrLst/>
+    <dgm:txLinClrLst/>
+    <dgm:txFillClrLst/>
+    <dgm:txEffectClrLst/>
+  </dgm:styleLbl>
+  <dgm:styleLbl name="asst4">
+    <dgm:fillClrLst>
+      <a:schemeClr val="accent5"/>
+    </dgm:fillClrLst>
+    <dgm:linClrLst meth="repeat">
+      <a:schemeClr val="lt1"/>
+    </dgm:linClrLst>
+    <dgm:effectClrLst/>
+    <dgm:txLinClrLst/>
+    <dgm:txFillClrLst/>
+    <dgm:txEffectClrLst/>
+  </dgm:styleLbl>
+  <dgm:styleLbl name="parChTrans2D1">
+    <dgm:fillClrLst meth="repeat">
+      <a:schemeClr val="accent2"/>
+    </dgm:fillClrLst>
+    <dgm:linClrLst meth="repeat">
+      <a:schemeClr val="lt1"/>
+    </dgm:linClrLst>
+    <dgm:effectClrLst/>
+    <dgm:txLinClrLst/>
+    <dgm:txFillClrLst meth="repeat">
+      <a:schemeClr val="lt1"/>
+    </dgm:txFillClrLst>
+    <dgm:txEffectClrLst/>
+  </dgm:styleLbl>
+  <dgm:styleLbl name="parChTrans2D2">
+    <dgm:fillClrLst meth="repeat">
+      <a:schemeClr val="accent3"/>
+    </dgm:fillClrLst>
+    <dgm:linClrLst meth="repeat">
+      <a:schemeClr val="lt1"/>
+    </dgm:linClrLst>
+    <dgm:effectClrLst/>
+    <dgm:txLinClrLst/>
+    <dgm:txFillClrLst/>
+    <dgm:txEffectClrLst/>
+  </dgm:styleLbl>
+  <dgm:styleLbl name="parChTrans2D3">
+    <dgm:fillClrLst meth="repeat">
+      <a:schemeClr val="accent4"/>
+    </dgm:fillClrLst>
+    <dgm:linClrLst meth="repeat">
+      <a:schemeClr val="lt1"/>
+    </dgm:linClrLst>
+    <dgm:effectClrLst/>
+    <dgm:txLinClrLst/>
+    <dgm:txFillClrLst/>
+    <dgm:txEffectClrLst/>
+  </dgm:styleLbl>
+  <dgm:styleLbl name="parChTrans2D4">
+    <dgm:fillClrLst meth="repeat">
+      <a:schemeClr val="accent5"/>
+    </dgm:fillClrLst>
+    <dgm:linClrLst meth="repeat">
+      <a:schemeClr val="lt1"/>
+    </dgm:linClrLst>
+    <dgm:effectClrLst/>
+    <dgm:txLinClrLst/>
+    <dgm:txFillClrLst meth="repeat">
+      <a:schemeClr val="lt1"/>
+    </dgm:txFillClrLst>
+    <dgm:txEffectClrLst/>
+  </dgm:styleLbl>
+  <dgm:styleLbl name="parChTrans1D1">
+    <dgm:fillClrLst meth="repeat">
+      <a:schemeClr val="accent2"/>
+    </dgm:fillClrLst>
+    <dgm:linClrLst meth="repeat">
+      <a:schemeClr val="accent1"/>
+    </dgm:linClrLst>
+    <dgm:effectClrLst/>
+    <dgm:txLinClrLst/>
+    <dgm:txFillClrLst meth="repeat">
+      <a:schemeClr val="tx1"/>
+    </dgm:txFillClrLst>
+    <dgm:txEffectClrLst/>
+  </dgm:styleLbl>
+  <dgm:styleLbl name="parChTrans1D2">
+    <dgm:fillClrLst meth="repeat">
+      <a:schemeClr val="accent3">
+        <a:tint val="90000"/>
+      </a:schemeClr>
+    </dgm:fillClrLst>
+    <dgm:linClrLst meth="repeat">
+      <a:schemeClr val="accent2"/>
+    </dgm:linClrLst>
+    <dgm:effectClrLst/>
+    <dgm:txLinClrLst/>
+    <dgm:txFillClrLst meth="repeat">
+      <a:schemeClr val="tx1"/>
+    </dgm:txFillClrLst>
+    <dgm:txEffectClrLst/>
+  </dgm:styleLbl>
+  <dgm:styleLbl name="parChTrans1D3">
+    <dgm:fillClrLst meth="repeat">
+      <a:schemeClr val="accent4">
+        <a:tint val="70000"/>
+      </a:schemeClr>
+    </dgm:fillClrLst>
+    <dgm:linClrLst meth="repeat">
+      <a:schemeClr val="accent3"/>
+    </dgm:linClrLst>
+    <dgm:effectClrLst/>
+    <dgm:txLinClrLst/>
+    <dgm:txFillClrLst meth="repeat">
+      <a:schemeClr val="tx1"/>
+    </dgm:txFillClrLst>
+    <dgm:txEffectClrLst/>
+  </dgm:styleLbl>
+  <dgm:styleLbl name="parChTrans1D4">
+    <dgm:fillClrLst meth="repeat">
+      <a:schemeClr val="accent5">
+        <a:tint val="50000"/>
+      </a:schemeClr>
+    </dgm:fillClrLst>
+    <dgm:linClrLst meth="repeat">
+      <a:schemeClr val="accent4"/>
+    </dgm:linClrLst>
+    <dgm:effectClrLst/>
+    <dgm:txLinClrLst/>
+    <dgm:txFillClrLst meth="repeat">
+      <a:schemeClr val="tx1"/>
+    </dgm:txFillClrLst>
+    <dgm:txEffectClrLst/>
+  </dgm:styleLbl>
+  <dgm:styleLbl name="fgAcc1">
+    <dgm:fillClrLst meth="repeat">
+      <a:schemeClr val="lt1">
+        <a:alpha val="90000"/>
+      </a:schemeClr>
+    </dgm:fillClrLst>
+    <dgm:linClrLst meth="repeat">
+      <a:schemeClr val="accent2"/>
+      <a:schemeClr val="accent3"/>
+      <a:schemeClr val="accent4"/>
+      <a:schemeClr val="accent5"/>
+      <a:schemeClr val="accent6"/>
+    </dgm:linClrLst>
+    <dgm:effectClrLst/>
+    <dgm:txLinClrLst/>
+    <dgm:txFillClrLst meth="repeat">
+      <a:schemeClr val="dk1"/>
+    </dgm:txFillClrLst>
+    <dgm:txEffectClrLst/>
+  </dgm:styleLbl>
+  <dgm:styleLbl name="conFgAcc1">
+    <dgm:fillClrLst meth="repeat">
+      <a:schemeClr val="lt1">
+        <a:alpha val="90000"/>
+      </a:schemeClr>
+    </dgm:fillClrLst>
+    <dgm:linClrLst meth="repeat">
+      <a:schemeClr val="accent2"/>
+      <a:schemeClr val="accent3"/>
+      <a:schemeClr val="accent4"/>
+      <a:schemeClr val="accent5"/>
+      <a:schemeClr val="accent6"/>
+    </dgm:linClrLst>
+    <dgm:effectClrLst/>
+    <dgm:txLinClrLst/>
+    <dgm:txFillClrLst meth="repeat">
+      <a:schemeClr val="dk1"/>
+    </dgm:txFillClrLst>
+    <dgm:txEffectClrLst/>
+  </dgm:styleLbl>
+  <dgm:styleLbl name="alignAcc1">
+    <dgm:fillClrLst meth="repeat">
+      <a:schemeClr val="lt1">
+        <a:alpha val="90000"/>
+      </a:schemeClr>
+    </dgm:fillClrLst>
+    <dgm:linClrLst meth="repeat">
+      <a:schemeClr val="accent2"/>
+      <a:schemeClr val="accent3"/>
+      <a:schemeClr val="accent4"/>
+      <a:schemeClr val="accent5"/>
+      <a:schemeClr val="accent6"/>
+    </dgm:linClrLst>
+    <dgm:effectClrLst/>
+    <dgm:txLinClrLst/>
+    <dgm:txFillClrLst meth="repeat">
+      <a:schemeClr val="dk1"/>
+    </dgm:txFillClrLst>
+    <dgm:txEffectClrLst/>
+  </dgm:styleLbl>
+  <dgm:styleLbl name="trAlignAcc1">
+    <dgm:fillClrLst meth="repeat">
+      <a:schemeClr val="lt1">
+        <a:alpha val="40000"/>
+      </a:schemeClr>
+    </dgm:fillClrLst>
+    <dgm:linClrLst meth="repeat">
+      <a:schemeClr val="accent1"/>
+    </dgm:linClrLst>
+    <dgm:effectClrLst/>
+    <dgm:txLinClrLst/>
+    <dgm:txFillClrLst meth="repeat">
+      <a:schemeClr val="dk1"/>
+    </dgm:txFillClrLst>
+    <dgm:txEffectClrLst/>
+  </dgm:styleLbl>
+  <dgm:styleLbl name="bgAcc1">
+    <dgm:fillClrLst meth="repeat">
+      <a:schemeClr val="lt1">
+        <a:alpha val="90000"/>
+      </a:schemeClr>
+    </dgm:fillClrLst>
+    <dgm:linClrLst meth="repeat">
+      <a:schemeClr val="accent2"/>
+      <a:schemeClr val="accent3"/>
+      <a:schemeClr val="accent4"/>
+      <a:schemeClr val="accent5"/>
+      <a:schemeClr val="accent6"/>
+    </dgm:linClrLst>
+    <dgm:effectClrLst/>
+    <dgm:txLinClrLst/>
+    <dgm:txFillClrLst meth="repeat">
+      <a:schemeClr val="dk1"/>
+    </dgm:txFillClrLst>
+    <dgm:txEffectClrLst/>
+  </dgm:styleLbl>
+  <dgm:styleLbl name="solidFgAcc1">
+    <dgm:fillClrLst meth="repeat">
+      <a:schemeClr val="lt1"/>
+    </dgm:fillClrLst>
+    <dgm:linClrLst meth="repeat">
+      <a:schemeClr val="accent2"/>
+      <a:schemeClr val="accent3"/>
+      <a:schemeClr val="accent4"/>
+      <a:schemeClr val="accent5"/>
+      <a:schemeClr val="accent6"/>
+    </dgm:linClrLst>
+    <dgm:effectClrLst/>
+    <dgm:txLinClrLst/>
+    <dgm:txFillClrLst meth="repeat">
+      <a:schemeClr val="dk1"/>
+    </dgm:txFillClrLst>
+    <dgm:txEffectClrLst/>
+  </dgm:styleLbl>
+  <dgm:styleLbl name="solidAlignAcc1">
+    <dgm:fillClrLst meth="repeat">
+      <a:schemeClr val="lt1"/>
+    </dgm:fillClrLst>
+    <dgm:linClrLst meth="repeat">
+      <a:schemeClr val="accent2"/>
+      <a:schemeClr val="accent3"/>
+      <a:schemeClr val="accent4"/>
+      <a:schemeClr val="accent5"/>
+      <a:schemeClr val="accent6"/>
+    </dgm:linClrLst>
+    <dgm:effectClrLst/>
+    <dgm:txLinClrLst/>
+    <dgm:txFillClrLst meth="repeat">
+      <a:schemeClr val="dk1"/>
+    </dgm:txFillClrLst>
+    <dgm:txEffectClrLst/>
+  </dgm:styleLbl>
+  <dgm:styleLbl name="solidBgAcc1">
+    <dgm:fillClrLst meth="repeat">
+      <a:schemeClr val="lt1"/>
+    </dgm:fillClrLst>
+    <dgm:linClrLst meth="repeat">
+      <a:schemeClr val="accent2"/>
+      <a:schemeClr val="accent3"/>
+      <a:schemeClr val="accent4"/>
+      <a:schemeClr val="accent5"/>
+      <a:schemeClr val="accent6"/>
+    </dgm:linClrLst>
+    <dgm:effectClrLst/>
+    <dgm:txLinClrLst/>
+    <dgm:txFillClrLst meth="repeat">
+      <a:schemeClr val="dk1"/>
+    </dgm:txFillClrLst>
+    <dgm:txEffectClrLst/>
+  </dgm:styleLbl>
+  <dgm:styleLbl name="fgAccFollowNode1">
+    <dgm:fillClrLst meth="repeat">
+      <a:schemeClr val="accent2">
+        <a:tint val="40000"/>
+        <a:alpha val="90000"/>
+      </a:schemeClr>
+      <a:schemeClr val="accent3">
+        <a:tint val="40000"/>
+        <a:alpha val="90000"/>
+      </a:schemeClr>
+      <a:schemeClr val="accent4">
+        <a:tint val="40000"/>
+        <a:alpha val="90000"/>
+      </a:schemeClr>
+      <a:schemeClr val="accent5">
+        <a:tint val="40000"/>
+        <a:alpha val="90000"/>
+      </a:schemeClr>
+      <a:schemeClr val="accent6">
+        <a:tint val="40000"/>
+        <a:alpha val="90000"/>
+      </a:schemeClr>
+    </dgm:fillClrLst>
+    <dgm:linClrLst meth="repeat">
+      <a:schemeClr val="accent2">
+        <a:tint val="40000"/>
+        <a:alpha val="90000"/>
+      </a:schemeClr>
+      <a:schemeClr val="accent3">
+        <a:tint val="40000"/>
+        <a:alpha val="90000"/>
+      </a:schemeClr>
+      <a:schemeClr val="accent4">
+        <a:tint val="40000"/>
+        <a:alpha val="90000"/>
+      </a:schemeClr>
+      <a:schemeClr val="accent5">
+        <a:tint val="40000"/>
+        <a:alpha val="90000"/>
+      </a:schemeClr>
+      <a:schemeClr val="accent6">
+        <a:tint val="40000"/>
+        <a:alpha val="90000"/>
+      </a:schemeClr>
+    </dgm:linClrLst>
+    <dgm:effectClrLst/>
+    <dgm:txLinClrLst/>
+    <dgm:txFillClrLst meth="repeat">
+      <a:schemeClr val="dk1"/>
+    </dgm:txFillClrLst>
+    <dgm:txEffectClrLst/>
+  </dgm:styleLbl>
+  <dgm:styleLbl name="alignAccFollowNode1">
+    <dgm:fillClrLst meth="repeat">
+      <a:schemeClr val="accent2">
+        <a:tint val="40000"/>
+        <a:alpha val="90000"/>
+      </a:schemeClr>
+      <a:schemeClr val="accent3">
+        <a:tint val="40000"/>
+        <a:alpha val="90000"/>
+      </a:schemeClr>
+      <a:schemeClr val="accent4">
+        <a:tint val="40000"/>
+        <a:alpha val="90000"/>
+      </a:schemeClr>
+      <a:schemeClr val="accent5">
+        <a:tint val="40000"/>
+        <a:alpha val="90000"/>
+      </a:schemeClr>
+      <a:schemeClr val="accent6">
+        <a:tint val="40000"/>
+        <a:alpha val="90000"/>
+      </a:schemeClr>
+    </dgm:fillClrLst>
+    <dgm:linClrLst meth="repeat">
+      <a:schemeClr val="accent2">
+        <a:tint val="40000"/>
+        <a:alpha val="90000"/>
+      </a:schemeClr>
+      <a:schemeClr val="accent3">
+        <a:tint val="40000"/>
+        <a:alpha val="90000"/>
+      </a:schemeClr>
+      <a:schemeClr val="accent4">
+        <a:tint val="40000"/>
+        <a:alpha val="90000"/>
+      </a:schemeClr>
+      <a:schemeClr val="accent5">
+        <a:tint val="40000"/>
+        <a:alpha val="90000"/>
+      </a:schemeClr>
+      <a:schemeClr val="accent6">
+        <a:tint val="40000"/>
+        <a:alpha val="90000"/>
+      </a:schemeClr>
+    </dgm:linClrLst>
+    <dgm:effectClrLst/>
+    <dgm:txLinClrLst/>
+    <dgm:txFillClrLst meth="repeat">
+      <a:schemeClr val="dk1"/>
+    </dgm:txFillClrLst>
+    <dgm:txEffectClrLst/>
+  </dgm:styleLbl>
+  <dgm:styleLbl name="bgAccFollowNode1">
+    <dgm:fillClrLst meth="repeat">
+      <a:schemeClr val="accent2">
+        <a:tint val="40000"/>
+        <a:alpha val="90000"/>
+      </a:schemeClr>
+      <a:schemeClr val="accent3">
+        <a:tint val="40000"/>
+        <a:alpha val="90000"/>
+      </a:schemeClr>
+      <a:schemeClr val="accent4">
+        <a:tint val="40000"/>
+        <a:alpha val="90000"/>
+      </a:schemeClr>
+      <a:schemeClr val="accent5">
+        <a:tint val="40000"/>
+        <a:alpha val="90000"/>
+      </a:schemeClr>
+      <a:schemeClr val="accent6">
+        <a:tint val="40000"/>
+        <a:alpha val="90000"/>
+      </a:schemeClr>
+    </dgm:fillClrLst>
+    <dgm:linClrLst meth="repeat">
+      <a:schemeClr val="accent2">
+        <a:tint val="40000"/>
+        <a:alpha val="90000"/>
+      </a:schemeClr>
+      <a:schemeClr val="accent3">
+        <a:tint val="40000"/>
+        <a:alpha val="90000"/>
+      </a:schemeClr>
+      <a:schemeClr val="accent4">
+        <a:tint val="40000"/>
+        <a:alpha val="90000"/>
+      </a:schemeClr>
+      <a:schemeClr val="accent5">
+        <a:tint val="40000"/>
+        <a:alpha val="90000"/>
+      </a:schemeClr>
+      <a:schemeClr val="accent6">
+        <a:tint val="40000"/>
+        <a:alpha val="90000"/>
+      </a:schemeClr>
+    </dgm:linClrLst>
+    <dgm:effectClrLst/>
+    <dgm:txLinClrLst/>
+    <dgm:txFillClrLst meth="repeat">
+      <a:schemeClr val="dk1"/>
+    </dgm:txFillClrLst>
+    <dgm:txEffectClrLst/>
+  </dgm:styleLbl>
+  <dgm:styleLbl name="fgAcc0">
+    <dgm:fillClrLst meth="repeat">
+      <a:schemeClr val="lt1">
+        <a:alpha val="90000"/>
+      </a:schemeClr>
+    </dgm:fillClrLst>
+    <dgm:linClrLst>
+      <a:schemeClr val="accent1"/>
+    </dgm:linClrLst>
+    <dgm:effectClrLst/>
+    <dgm:txLinClrLst/>
+    <dgm:txFillClrLst meth="repeat">
+      <a:schemeClr val="dk1"/>
+    </dgm:txFillClrLst>
+    <dgm:txEffectClrLst/>
+  </dgm:styleLbl>
+  <dgm:styleLbl name="fgAcc2">
+    <dgm:fillClrLst meth="repeat">
+      <a:schemeClr val="lt1">
+        <a:alpha val="90000"/>
+      </a:schemeClr>
+    </dgm:fillClrLst>
+    <dgm:linClrLst>
+      <a:schemeClr val="accent2"/>
+    </dgm:linClrLst>
+    <dgm:effectClrLst/>
+    <dgm:txLinClrLst/>
+    <dgm:txFillClrLst meth="repeat">
+      <a:schemeClr val="dk1"/>
+    </dgm:txFillClrLst>
+    <dgm:txEffectClrLst/>
+  </dgm:styleLbl>
+  <dgm:styleLbl name="fgAcc3">
+    <dgm:fillClrLst meth="repeat">
+      <a:schemeClr val="lt1">
+        <a:alpha val="90000"/>
+      </a:schemeClr>
+    </dgm:fillClrLst>
+    <dgm:linClrLst>
+      <a:schemeClr val="accent3"/>
+    </dgm:linClrLst>
+    <dgm:effectClrLst/>
+    <dgm:txLinClrLst/>
+    <dgm:txFillClrLst meth="repeat">
+      <a:schemeClr val="dk1"/>
+    </dgm:txFillClrLst>
+    <dgm:txEffectClrLst/>
+  </dgm:styleLbl>
+  <dgm:styleLbl name="fgAcc4">
+    <dgm:fillClrLst meth="repeat">
+      <a:schemeClr val="lt1">
+        <a:alpha val="90000"/>
+      </a:schemeClr>
+    </dgm:fillClrLst>
+    <dgm:linClrLst>
+      <a:schemeClr val="accent4"/>
+    </dgm:linClrLst>
+    <dgm:effectClrLst/>
+    <dgm:txLinClrLst/>
+    <dgm:txFillClrLst meth="repeat">
+      <a:schemeClr val="dk1"/>
+    </dgm:txFillClrLst>
+    <dgm:txEffectClrLst/>
+  </dgm:styleLbl>
+  <dgm:styleLbl name="bgShp">
+    <dgm:fillClrLst meth="repeat">
+      <a:schemeClr val="accent2">
+        <a:tint val="40000"/>
+      </a:schemeClr>
+    </dgm:fillClrLst>
+    <dgm:linClrLst meth="repeat">
+      <a:schemeClr val="dk1"/>
+    </dgm:linClrLst>
+    <dgm:effectClrLst/>
+    <dgm:txLinClrLst/>
+    <dgm:txFillClrLst meth="repeat">
+      <a:schemeClr val="dk1"/>
+    </dgm:txFillClrLst>
+    <dgm:txEffectClrLst/>
+  </dgm:styleLbl>
+  <dgm:styleLbl name="dkBgShp">
+    <dgm:fillClrLst meth="repeat">
+      <a:schemeClr val="accent2">
+        <a:shade val="90000"/>
+      </a:schemeClr>
+    </dgm:fillClrLst>
+    <dgm:linClrLst meth="repeat">
+      <a:schemeClr val="dk1"/>
+    </dgm:linClrLst>
+    <dgm:effectClrLst/>
+    <dgm:txLinClrLst/>
+    <dgm:txFillClrLst meth="repeat">
+      <a:schemeClr val="lt1"/>
+    </dgm:txFillClrLst>
+    <dgm:txEffectClrLst/>
+  </dgm:styleLbl>
+  <dgm:styleLbl name="trBgShp">
+    <dgm:fillClrLst meth="repeat">
+      <a:schemeClr val="accent1">
+        <a:tint val="50000"/>
+        <a:alpha val="40000"/>
+      </a:schemeClr>
+    </dgm:fillClrLst>
+    <dgm:linClrLst meth="repeat">
+      <a:schemeClr val="accent2"/>
+    </dgm:linClrLst>
+    <dgm:effectClrLst/>
+    <dgm:txLinClrLst/>
+    <dgm:txFillClrLst meth="repeat">
+      <a:schemeClr val="lt1"/>
+    </dgm:txFillClrLst>
+    <dgm:txEffectClrLst/>
+  </dgm:styleLbl>
+  <dgm:styleLbl name="fgShp">
+    <dgm:fillClrLst meth="repeat">
+      <a:schemeClr val="accent2">
+        <a:tint val="40000"/>
+      </a:schemeClr>
+    </dgm:fillClrLst>
+    <dgm:linClrLst meth="repeat">
+      <a:schemeClr val="lt1"/>
+    </dgm:linClrLst>
+    <dgm:effectClrLst/>
+    <dgm:txLinClrLst/>
+    <dgm:txFillClrLst meth="repeat">
+      <a:schemeClr val="dk1"/>
+    </dgm:txFillClrLst>
+    <dgm:txEffectClrLst/>
+  </dgm:styleLbl>
+  <dgm:styleLbl name="revTx">
+    <dgm:fillClrLst meth="repeat">
+      <a:schemeClr val="lt1">
+        <a:alpha val="0"/>
+      </a:schemeClr>
+    </dgm:fillClrLst>
+    <dgm:linClrLst meth="repeat">
+      <a:schemeClr val="dk1">
+        <a:alpha val="0"/>
+      </a:schemeClr>
+    </dgm:linClrLst>
+    <dgm:effectClrLst/>
+    <dgm:txLinClrLst/>
+    <dgm:txFillClrLst meth="repeat">
+      <a:schemeClr val="tx1"/>
+    </dgm:txFillClrLst>
+    <dgm:txEffectClrLst/>
+  </dgm:styleLbl>
+</dgm:colorsDef>
+</file>
+
+<file path=ppt/diagrams/data1.xml><?xml version="1.0" encoding="utf-8"?>
+<dgm:dataModel xmlns:dgm="http://schemas.openxmlformats.org/drawingml/2006/diagram" xmlns:a="http://schemas.openxmlformats.org/drawingml/2006/main">
+  <dgm:ptLst>
+    <dgm:pt modelId="{CA384D9D-BA2C-47FC-B1CC-300E994C0AD1}" type="doc">
+      <dgm:prSet loTypeId="urn:microsoft.com/office/officeart/2016/7/layout/RepeatingBendingProcessNew" loCatId="process" qsTypeId="urn:microsoft.com/office/officeart/2005/8/quickstyle/simple1" qsCatId="simple" csTypeId="urn:microsoft.com/office/officeart/2005/8/colors/colorful1" csCatId="colorful"/>
+      <dgm:spPr/>
+      <dgm:t>
+        <a:bodyPr/>
+        <a:lstStyle/>
+        <a:p>
+          <a:endParaRPr lang="en-US"/>
+        </a:p>
+      </dgm:t>
+    </dgm:pt>
+    <dgm:pt modelId="{8E614F2B-0EEF-4D05-8061-B3418972A9D8}">
+      <dgm:prSet/>
+      <dgm:spPr/>
+      <dgm:t>
+        <a:bodyPr/>
+        <a:lstStyle/>
+        <a:p>
+          <a:r>
+            <a:rPr lang="en-US"/>
+            <a:t>Web scarping using Python requests and beautiful soup packages to extract the list of neighborhoods</a:t>
+          </a:r>
+        </a:p>
+      </dgm:t>
+    </dgm:pt>
+    <dgm:pt modelId="{74C4FCCA-1479-494E-9CF1-E22DA714FC13}" type="parTrans" cxnId="{08E08F81-DCE4-4E24-8452-FCEAC8266A5F}">
+      <dgm:prSet/>
+      <dgm:spPr/>
+      <dgm:t>
+        <a:bodyPr/>
+        <a:lstStyle/>
+        <a:p>
+          <a:endParaRPr lang="en-US"/>
+        </a:p>
+      </dgm:t>
+    </dgm:pt>
+    <dgm:pt modelId="{DCB73C97-E7F5-4679-A206-D26A5DDD72B9}" type="sibTrans" cxnId="{08E08F81-DCE4-4E24-8452-FCEAC8266A5F}">
+      <dgm:prSet/>
+      <dgm:spPr/>
+      <dgm:t>
+        <a:bodyPr/>
+        <a:lstStyle/>
+        <a:p>
+          <a:endParaRPr lang="en-US"/>
+        </a:p>
+      </dgm:t>
+    </dgm:pt>
+    <dgm:pt modelId="{B107B614-B3AF-4659-92BD-364D53978929}">
+      <dgm:prSet/>
+      <dgm:spPr/>
+      <dgm:t>
+        <a:bodyPr/>
+        <a:lstStyle/>
+        <a:p>
+          <a:r>
+            <a:rPr lang="en-US"/>
+            <a:t>Get the geographical coordinates in the form of latitude and longitude using Python Geocoder package </a:t>
+          </a:r>
+        </a:p>
+      </dgm:t>
+    </dgm:pt>
+    <dgm:pt modelId="{24120528-6F88-4009-BAE2-52191A3D4F26}" type="parTrans" cxnId="{CF42C621-9105-4E84-98C9-67F960D6D88E}">
+      <dgm:prSet/>
+      <dgm:spPr/>
+      <dgm:t>
+        <a:bodyPr/>
+        <a:lstStyle/>
+        <a:p>
+          <a:endParaRPr lang="en-US"/>
+        </a:p>
+      </dgm:t>
+    </dgm:pt>
+    <dgm:pt modelId="{18610AAD-CBBE-4C86-A6D3-B399302A43D6}" type="sibTrans" cxnId="{CF42C621-9105-4E84-98C9-67F960D6D88E}">
+      <dgm:prSet/>
+      <dgm:spPr/>
+      <dgm:t>
+        <a:bodyPr/>
+        <a:lstStyle/>
+        <a:p>
+          <a:endParaRPr lang="en-US"/>
+        </a:p>
+      </dgm:t>
+    </dgm:pt>
+    <dgm:pt modelId="{A2D55358-4600-4677-8F43-6F2BBB97384D}">
+      <dgm:prSet/>
+      <dgm:spPr/>
+      <dgm:t>
+        <a:bodyPr/>
+        <a:lstStyle/>
+        <a:p>
+          <a:r>
+            <a:rPr lang="en-US"/>
+            <a:t>Using Fourswaure API to get the venue data</a:t>
+          </a:r>
+        </a:p>
+      </dgm:t>
+    </dgm:pt>
+    <dgm:pt modelId="{AF867D6C-E03E-4960-B100-57B9DC1E6DBE}" type="parTrans" cxnId="{468F6140-5D7A-4449-84CC-42C2A88FCC9C}">
+      <dgm:prSet/>
+      <dgm:spPr/>
+      <dgm:t>
+        <a:bodyPr/>
+        <a:lstStyle/>
+        <a:p>
+          <a:endParaRPr lang="en-US"/>
+        </a:p>
+      </dgm:t>
+    </dgm:pt>
+    <dgm:pt modelId="{77134A3C-0D2D-4CD1-ACF3-56029340AE74}" type="sibTrans" cxnId="{468F6140-5D7A-4449-84CC-42C2A88FCC9C}">
+      <dgm:prSet/>
+      <dgm:spPr/>
+      <dgm:t>
+        <a:bodyPr/>
+        <a:lstStyle/>
+        <a:p>
+          <a:endParaRPr lang="en-US"/>
+        </a:p>
+      </dgm:t>
+    </dgm:pt>
+    <dgm:pt modelId="{26BE9ADE-AF08-44EA-88CF-92831307BD4A}">
+      <dgm:prSet/>
+      <dgm:spPr/>
+      <dgm:t>
+        <a:bodyPr/>
+        <a:lstStyle/>
+        <a:p>
+          <a:r>
+            <a:rPr lang="en-US"/>
+            <a:t>Analyze each neighborhood by grouping the rows by neighborhood and taking the mean of the frequency of occurrence of each venuw category</a:t>
+          </a:r>
+        </a:p>
+      </dgm:t>
+    </dgm:pt>
+    <dgm:pt modelId="{38D7D7F5-67D1-4CA4-B868-454A7AFF81AD}" type="parTrans" cxnId="{19617B2F-B2BD-46A3-A3E8-46AA12AAFDB4}">
+      <dgm:prSet/>
+      <dgm:spPr/>
+      <dgm:t>
+        <a:bodyPr/>
+        <a:lstStyle/>
+        <a:p>
+          <a:endParaRPr lang="en-US"/>
+        </a:p>
+      </dgm:t>
+    </dgm:pt>
+    <dgm:pt modelId="{A0236A24-E99B-4F7D-AB54-482DA47F472F}" type="sibTrans" cxnId="{19617B2F-B2BD-46A3-A3E8-46AA12AAFDB4}">
+      <dgm:prSet/>
+      <dgm:spPr/>
+      <dgm:t>
+        <a:bodyPr/>
+        <a:lstStyle/>
+        <a:p>
+          <a:endParaRPr lang="en-US"/>
+        </a:p>
+      </dgm:t>
+    </dgm:pt>
+    <dgm:pt modelId="{99241138-5B35-4B7E-BB95-CA07172D5A3C}">
+      <dgm:prSet/>
+      <dgm:spPr/>
+      <dgm:t>
+        <a:bodyPr/>
+        <a:lstStyle/>
+        <a:p>
+          <a:r>
+            <a:rPr lang="en-US"/>
+            <a:t>Filter venue category by Art Museum </a:t>
+          </a:r>
+        </a:p>
+      </dgm:t>
+    </dgm:pt>
+    <dgm:pt modelId="{0C7AA799-A6CE-4CCE-A32B-27788F68DAE8}" type="parTrans" cxnId="{65C706FB-37EC-46C2-84A8-4EFB988BDF62}">
+      <dgm:prSet/>
+      <dgm:spPr/>
+      <dgm:t>
+        <a:bodyPr/>
+        <a:lstStyle/>
+        <a:p>
+          <a:endParaRPr lang="en-US"/>
+        </a:p>
+      </dgm:t>
+    </dgm:pt>
+    <dgm:pt modelId="{493B0FE2-E3CF-4454-A40A-3F75A1DBFE31}" type="sibTrans" cxnId="{65C706FB-37EC-46C2-84A8-4EFB988BDF62}">
+      <dgm:prSet/>
+      <dgm:spPr/>
+      <dgm:t>
+        <a:bodyPr/>
+        <a:lstStyle/>
+        <a:p>
+          <a:endParaRPr lang="en-US"/>
+        </a:p>
+      </dgm:t>
+    </dgm:pt>
+    <dgm:pt modelId="{9FA193D0-7926-4C40-A7F7-AB0714F80CB4}">
+      <dgm:prSet/>
+      <dgm:spPr/>
+      <dgm:t>
+        <a:bodyPr/>
+        <a:lstStyle/>
+        <a:p>
+          <a:r>
+            <a:rPr lang="en-US"/>
+            <a:t>Perfom clustering on the data by using k-means clustering</a:t>
+          </a:r>
+        </a:p>
+      </dgm:t>
+    </dgm:pt>
+    <dgm:pt modelId="{ABF09FD7-F699-4B88-80A7-85046D9864F2}" type="parTrans" cxnId="{5349AD0D-8295-4524-8BFF-C26F3F7209F6}">
+      <dgm:prSet/>
+      <dgm:spPr/>
+      <dgm:t>
+        <a:bodyPr/>
+        <a:lstStyle/>
+        <a:p>
+          <a:endParaRPr lang="en-US"/>
+        </a:p>
+      </dgm:t>
+    </dgm:pt>
+    <dgm:pt modelId="{00614C3E-DB30-4270-8257-A1FBA57631F9}" type="sibTrans" cxnId="{5349AD0D-8295-4524-8BFF-C26F3F7209F6}">
+      <dgm:prSet/>
+      <dgm:spPr/>
+      <dgm:t>
+        <a:bodyPr/>
+        <a:lstStyle/>
+        <a:p>
+          <a:endParaRPr lang="en-US"/>
+        </a:p>
+      </dgm:t>
+    </dgm:pt>
+    <dgm:pt modelId="{F97E3C19-49D6-E24E-B3B7-0B7ACFCACB7C}" type="pres">
+      <dgm:prSet presAssocID="{CA384D9D-BA2C-47FC-B1CC-300E994C0AD1}" presName="Name0" presStyleCnt="0">
+        <dgm:presLayoutVars>
+          <dgm:dir/>
+          <dgm:resizeHandles val="exact"/>
+        </dgm:presLayoutVars>
+      </dgm:prSet>
+      <dgm:spPr/>
+    </dgm:pt>
+    <dgm:pt modelId="{C3102AFB-6059-1C4C-BDFF-D02EDC480242}" type="pres">
+      <dgm:prSet presAssocID="{8E614F2B-0EEF-4D05-8061-B3418972A9D8}" presName="node" presStyleLbl="node1" presStyleIdx="0" presStyleCnt="6">
+        <dgm:presLayoutVars>
+          <dgm:bulletEnabled val="1"/>
+        </dgm:presLayoutVars>
+      </dgm:prSet>
+      <dgm:spPr/>
+    </dgm:pt>
+    <dgm:pt modelId="{B3C6B4D7-28DA-BF48-A28D-56F63E878A70}" type="pres">
+      <dgm:prSet presAssocID="{DCB73C97-E7F5-4679-A206-D26A5DDD72B9}" presName="sibTrans" presStyleLbl="sibTrans1D1" presStyleIdx="0" presStyleCnt="5"/>
+      <dgm:spPr/>
+    </dgm:pt>
+    <dgm:pt modelId="{01905DB1-F038-1A45-9A1E-AD5127F5EE20}" type="pres">
+      <dgm:prSet presAssocID="{DCB73C97-E7F5-4679-A206-D26A5DDD72B9}" presName="connectorText" presStyleLbl="sibTrans1D1" presStyleIdx="0" presStyleCnt="5"/>
+      <dgm:spPr/>
+    </dgm:pt>
+    <dgm:pt modelId="{4536AA54-713B-0043-90D3-7A8366DAFBB9}" type="pres">
+      <dgm:prSet presAssocID="{B107B614-B3AF-4659-92BD-364D53978929}" presName="node" presStyleLbl="node1" presStyleIdx="1" presStyleCnt="6">
+        <dgm:presLayoutVars>
+          <dgm:bulletEnabled val="1"/>
+        </dgm:presLayoutVars>
+      </dgm:prSet>
+      <dgm:spPr/>
+    </dgm:pt>
+    <dgm:pt modelId="{D1868D15-67A6-F142-BC55-205C9ABBA06D}" type="pres">
+      <dgm:prSet presAssocID="{18610AAD-CBBE-4C86-A6D3-B399302A43D6}" presName="sibTrans" presStyleLbl="sibTrans1D1" presStyleIdx="1" presStyleCnt="5"/>
+      <dgm:spPr/>
+    </dgm:pt>
+    <dgm:pt modelId="{76C58261-9D2E-1249-A041-88DE27C74E9D}" type="pres">
+      <dgm:prSet presAssocID="{18610AAD-CBBE-4C86-A6D3-B399302A43D6}" presName="connectorText" presStyleLbl="sibTrans1D1" presStyleIdx="1" presStyleCnt="5"/>
+      <dgm:spPr/>
+    </dgm:pt>
+    <dgm:pt modelId="{815FB9D7-D90B-5E41-8CAE-C53213CE8E56}" type="pres">
+      <dgm:prSet presAssocID="{A2D55358-4600-4677-8F43-6F2BBB97384D}" presName="node" presStyleLbl="node1" presStyleIdx="2" presStyleCnt="6">
+        <dgm:presLayoutVars>
+          <dgm:bulletEnabled val="1"/>
+        </dgm:presLayoutVars>
+      </dgm:prSet>
+      <dgm:spPr/>
+    </dgm:pt>
+    <dgm:pt modelId="{AD6E099A-60A8-3D42-8AB1-3170275A59F0}" type="pres">
+      <dgm:prSet presAssocID="{77134A3C-0D2D-4CD1-ACF3-56029340AE74}" presName="sibTrans" presStyleLbl="sibTrans1D1" presStyleIdx="2" presStyleCnt="5"/>
+      <dgm:spPr/>
+    </dgm:pt>
+    <dgm:pt modelId="{E1685B67-CE62-AA4A-B593-37C0FDB1D59A}" type="pres">
+      <dgm:prSet presAssocID="{77134A3C-0D2D-4CD1-ACF3-56029340AE74}" presName="connectorText" presStyleLbl="sibTrans1D1" presStyleIdx="2" presStyleCnt="5"/>
+      <dgm:spPr/>
+    </dgm:pt>
+    <dgm:pt modelId="{67558853-5CC5-A242-A1D6-9D36F51788E9}" type="pres">
+      <dgm:prSet presAssocID="{26BE9ADE-AF08-44EA-88CF-92831307BD4A}" presName="node" presStyleLbl="node1" presStyleIdx="3" presStyleCnt="6">
+        <dgm:presLayoutVars>
+          <dgm:bulletEnabled val="1"/>
+        </dgm:presLayoutVars>
+      </dgm:prSet>
+      <dgm:spPr/>
+    </dgm:pt>
+    <dgm:pt modelId="{D51BB3F3-3B85-E144-B332-51589B0E2698}" type="pres">
+      <dgm:prSet presAssocID="{A0236A24-E99B-4F7D-AB54-482DA47F472F}" presName="sibTrans" presStyleLbl="sibTrans1D1" presStyleIdx="3" presStyleCnt="5"/>
+      <dgm:spPr/>
+    </dgm:pt>
+    <dgm:pt modelId="{C17992E6-15CE-6B45-B806-50A76E2314C3}" type="pres">
+      <dgm:prSet presAssocID="{A0236A24-E99B-4F7D-AB54-482DA47F472F}" presName="connectorText" presStyleLbl="sibTrans1D1" presStyleIdx="3" presStyleCnt="5"/>
+      <dgm:spPr/>
+    </dgm:pt>
+    <dgm:pt modelId="{ACA6AFB0-EC52-3C4F-AE9A-AB83FEDD2A9A}" type="pres">
+      <dgm:prSet presAssocID="{99241138-5B35-4B7E-BB95-CA07172D5A3C}" presName="node" presStyleLbl="node1" presStyleIdx="4" presStyleCnt="6">
+        <dgm:presLayoutVars>
+          <dgm:bulletEnabled val="1"/>
+        </dgm:presLayoutVars>
+      </dgm:prSet>
+      <dgm:spPr/>
+    </dgm:pt>
+    <dgm:pt modelId="{1E3FA29A-F2A8-7446-B90C-F204B5CE8E2B}" type="pres">
+      <dgm:prSet presAssocID="{493B0FE2-E3CF-4454-A40A-3F75A1DBFE31}" presName="sibTrans" presStyleLbl="sibTrans1D1" presStyleIdx="4" presStyleCnt="5"/>
+      <dgm:spPr/>
+    </dgm:pt>
+    <dgm:pt modelId="{8B0BF41D-E463-9E49-BE76-F5CC93D013DD}" type="pres">
+      <dgm:prSet presAssocID="{493B0FE2-E3CF-4454-A40A-3F75A1DBFE31}" presName="connectorText" presStyleLbl="sibTrans1D1" presStyleIdx="4" presStyleCnt="5"/>
+      <dgm:spPr/>
+    </dgm:pt>
+    <dgm:pt modelId="{1D5C7B5D-365D-8E41-9FFA-94AC923246B7}" type="pres">
+      <dgm:prSet presAssocID="{9FA193D0-7926-4C40-A7F7-AB0714F80CB4}" presName="node" presStyleLbl="node1" presStyleIdx="5" presStyleCnt="6">
+        <dgm:presLayoutVars>
+          <dgm:bulletEnabled val="1"/>
+        </dgm:presLayoutVars>
+      </dgm:prSet>
+      <dgm:spPr/>
+    </dgm:pt>
+  </dgm:ptLst>
+  <dgm:cxnLst>
+    <dgm:cxn modelId="{9903B600-EE83-5644-9F27-66C58437C830}" type="presOf" srcId="{26BE9ADE-AF08-44EA-88CF-92831307BD4A}" destId="{67558853-5CC5-A242-A1D6-9D36F51788E9}" srcOrd="0" destOrd="0" presId="urn:microsoft.com/office/officeart/2016/7/layout/RepeatingBendingProcessNew"/>
+    <dgm:cxn modelId="{E0F5AC06-7989-B04A-9F8C-8A58B87289E6}" type="presOf" srcId="{DCB73C97-E7F5-4679-A206-D26A5DDD72B9}" destId="{B3C6B4D7-28DA-BF48-A28D-56F63E878A70}" srcOrd="0" destOrd="0" presId="urn:microsoft.com/office/officeart/2016/7/layout/RepeatingBendingProcessNew"/>
+    <dgm:cxn modelId="{0E1A2109-B004-7A43-A3A2-8F29FB9AD448}" type="presOf" srcId="{B107B614-B3AF-4659-92BD-364D53978929}" destId="{4536AA54-713B-0043-90D3-7A8366DAFBB9}" srcOrd="0" destOrd="0" presId="urn:microsoft.com/office/officeart/2016/7/layout/RepeatingBendingProcessNew"/>
+    <dgm:cxn modelId="{5349AD0D-8295-4524-8BFF-C26F3F7209F6}" srcId="{CA384D9D-BA2C-47FC-B1CC-300E994C0AD1}" destId="{9FA193D0-7926-4C40-A7F7-AB0714F80CB4}" srcOrd="5" destOrd="0" parTransId="{ABF09FD7-F699-4B88-80A7-85046D9864F2}" sibTransId="{00614C3E-DB30-4270-8257-A1FBA57631F9}"/>
+    <dgm:cxn modelId="{CF42C621-9105-4E84-98C9-67F960D6D88E}" srcId="{CA384D9D-BA2C-47FC-B1CC-300E994C0AD1}" destId="{B107B614-B3AF-4659-92BD-364D53978929}" srcOrd="1" destOrd="0" parTransId="{24120528-6F88-4009-BAE2-52191A3D4F26}" sibTransId="{18610AAD-CBBE-4C86-A6D3-B399302A43D6}"/>
+    <dgm:cxn modelId="{19617B2F-B2BD-46A3-A3E8-46AA12AAFDB4}" srcId="{CA384D9D-BA2C-47FC-B1CC-300E994C0AD1}" destId="{26BE9ADE-AF08-44EA-88CF-92831307BD4A}" srcOrd="3" destOrd="0" parTransId="{38D7D7F5-67D1-4CA4-B868-454A7AFF81AD}" sibTransId="{A0236A24-E99B-4F7D-AB54-482DA47F472F}"/>
+    <dgm:cxn modelId="{B24D9130-0BC4-434A-B73B-A6E24E40BD98}" type="presOf" srcId="{18610AAD-CBBE-4C86-A6D3-B399302A43D6}" destId="{76C58261-9D2E-1249-A041-88DE27C74E9D}" srcOrd="1" destOrd="0" presId="urn:microsoft.com/office/officeart/2016/7/layout/RepeatingBendingProcessNew"/>
+    <dgm:cxn modelId="{468F6140-5D7A-4449-84CC-42C2A88FCC9C}" srcId="{CA384D9D-BA2C-47FC-B1CC-300E994C0AD1}" destId="{A2D55358-4600-4677-8F43-6F2BBB97384D}" srcOrd="2" destOrd="0" parTransId="{AF867D6C-E03E-4960-B100-57B9DC1E6DBE}" sibTransId="{77134A3C-0D2D-4CD1-ACF3-56029340AE74}"/>
+    <dgm:cxn modelId="{13E9CB4D-AF91-A14C-807E-1C18FC315670}" type="presOf" srcId="{77134A3C-0D2D-4CD1-ACF3-56029340AE74}" destId="{AD6E099A-60A8-3D42-8AB1-3170275A59F0}" srcOrd="0" destOrd="0" presId="urn:microsoft.com/office/officeart/2016/7/layout/RepeatingBendingProcessNew"/>
+    <dgm:cxn modelId="{E2031453-32E2-FE42-BD8D-C0D8778EBF5E}" type="presOf" srcId="{493B0FE2-E3CF-4454-A40A-3F75A1DBFE31}" destId="{1E3FA29A-F2A8-7446-B90C-F204B5CE8E2B}" srcOrd="0" destOrd="0" presId="urn:microsoft.com/office/officeart/2016/7/layout/RepeatingBendingProcessNew"/>
+    <dgm:cxn modelId="{575A4764-9616-B04D-8875-DD4457DA24D4}" type="presOf" srcId="{CA384D9D-BA2C-47FC-B1CC-300E994C0AD1}" destId="{F97E3C19-49D6-E24E-B3B7-0B7ACFCACB7C}" srcOrd="0" destOrd="0" presId="urn:microsoft.com/office/officeart/2016/7/layout/RepeatingBendingProcessNew"/>
+    <dgm:cxn modelId="{2B5FD87A-26E6-E34D-9FFC-77A6D5326237}" type="presOf" srcId="{8E614F2B-0EEF-4D05-8061-B3418972A9D8}" destId="{C3102AFB-6059-1C4C-BDFF-D02EDC480242}" srcOrd="0" destOrd="0" presId="urn:microsoft.com/office/officeart/2016/7/layout/RepeatingBendingProcessNew"/>
+    <dgm:cxn modelId="{08E08F81-DCE4-4E24-8452-FCEAC8266A5F}" srcId="{CA384D9D-BA2C-47FC-B1CC-300E994C0AD1}" destId="{8E614F2B-0EEF-4D05-8061-B3418972A9D8}" srcOrd="0" destOrd="0" parTransId="{74C4FCCA-1479-494E-9CF1-E22DA714FC13}" sibTransId="{DCB73C97-E7F5-4679-A206-D26A5DDD72B9}"/>
+    <dgm:cxn modelId="{A8FA6B8B-19A6-914A-B1D7-2C1328E4CE5D}" type="presOf" srcId="{A2D55358-4600-4677-8F43-6F2BBB97384D}" destId="{815FB9D7-D90B-5E41-8CAE-C53213CE8E56}" srcOrd="0" destOrd="0" presId="urn:microsoft.com/office/officeart/2016/7/layout/RepeatingBendingProcessNew"/>
+    <dgm:cxn modelId="{AA70949C-B164-0B4E-937D-A02D4CCA2867}" type="presOf" srcId="{DCB73C97-E7F5-4679-A206-D26A5DDD72B9}" destId="{01905DB1-F038-1A45-9A1E-AD5127F5EE20}" srcOrd="1" destOrd="0" presId="urn:microsoft.com/office/officeart/2016/7/layout/RepeatingBendingProcessNew"/>
+    <dgm:cxn modelId="{36257CA2-D48C-4B41-A88A-DC8D58DAE77D}" type="presOf" srcId="{493B0FE2-E3CF-4454-A40A-3F75A1DBFE31}" destId="{8B0BF41D-E463-9E49-BE76-F5CC93D013DD}" srcOrd="1" destOrd="0" presId="urn:microsoft.com/office/officeart/2016/7/layout/RepeatingBendingProcessNew"/>
+    <dgm:cxn modelId="{E060BCA2-FA28-0149-84D4-98DE133E16B1}" type="presOf" srcId="{9FA193D0-7926-4C40-A7F7-AB0714F80CB4}" destId="{1D5C7B5D-365D-8E41-9FFA-94AC923246B7}" srcOrd="0" destOrd="0" presId="urn:microsoft.com/office/officeart/2016/7/layout/RepeatingBendingProcessNew"/>
+    <dgm:cxn modelId="{C9DAC6B3-DEB4-6342-B77C-6FD95FC7FF08}" type="presOf" srcId="{77134A3C-0D2D-4CD1-ACF3-56029340AE74}" destId="{E1685B67-CE62-AA4A-B593-37C0FDB1D59A}" srcOrd="1" destOrd="0" presId="urn:microsoft.com/office/officeart/2016/7/layout/RepeatingBendingProcessNew"/>
+    <dgm:cxn modelId="{F1CB05BE-BA49-454F-B490-40E161E65D26}" type="presOf" srcId="{A0236A24-E99B-4F7D-AB54-482DA47F472F}" destId="{D51BB3F3-3B85-E144-B332-51589B0E2698}" srcOrd="0" destOrd="0" presId="urn:microsoft.com/office/officeart/2016/7/layout/RepeatingBendingProcessNew"/>
+    <dgm:cxn modelId="{927E89E4-BEA5-A24E-979D-C78D75F7E24E}" type="presOf" srcId="{99241138-5B35-4B7E-BB95-CA07172D5A3C}" destId="{ACA6AFB0-EC52-3C4F-AE9A-AB83FEDD2A9A}" srcOrd="0" destOrd="0" presId="urn:microsoft.com/office/officeart/2016/7/layout/RepeatingBendingProcessNew"/>
+    <dgm:cxn modelId="{0D2015F4-067E-7B4C-BA4A-BFEE8AFA6243}" type="presOf" srcId="{A0236A24-E99B-4F7D-AB54-482DA47F472F}" destId="{C17992E6-15CE-6B45-B806-50A76E2314C3}" srcOrd="1" destOrd="0" presId="urn:microsoft.com/office/officeart/2016/7/layout/RepeatingBendingProcessNew"/>
+    <dgm:cxn modelId="{EE0445F6-EDB9-894D-8EEF-EEE1F8994AF0}" type="presOf" srcId="{18610AAD-CBBE-4C86-A6D3-B399302A43D6}" destId="{D1868D15-67A6-F142-BC55-205C9ABBA06D}" srcOrd="0" destOrd="0" presId="urn:microsoft.com/office/officeart/2016/7/layout/RepeatingBendingProcessNew"/>
+    <dgm:cxn modelId="{65C706FB-37EC-46C2-84A8-4EFB988BDF62}" srcId="{CA384D9D-BA2C-47FC-B1CC-300E994C0AD1}" destId="{99241138-5B35-4B7E-BB95-CA07172D5A3C}" srcOrd="4" destOrd="0" parTransId="{0C7AA799-A6CE-4CCE-A32B-27788F68DAE8}" sibTransId="{493B0FE2-E3CF-4454-A40A-3F75A1DBFE31}"/>
+    <dgm:cxn modelId="{F7ABE407-8236-AA44-9784-224F1C1B9D61}" type="presParOf" srcId="{F97E3C19-49D6-E24E-B3B7-0B7ACFCACB7C}" destId="{C3102AFB-6059-1C4C-BDFF-D02EDC480242}" srcOrd="0" destOrd="0" presId="urn:microsoft.com/office/officeart/2016/7/layout/RepeatingBendingProcessNew"/>
+    <dgm:cxn modelId="{90CBA038-173C-3C46-8961-BB95FD543CED}" type="presParOf" srcId="{F97E3C19-49D6-E24E-B3B7-0B7ACFCACB7C}" destId="{B3C6B4D7-28DA-BF48-A28D-56F63E878A70}" srcOrd="1" destOrd="0" presId="urn:microsoft.com/office/officeart/2016/7/layout/RepeatingBendingProcessNew"/>
+    <dgm:cxn modelId="{38B4C51E-DC4D-3349-936C-27A3BBBE3943}" type="presParOf" srcId="{B3C6B4D7-28DA-BF48-A28D-56F63E878A70}" destId="{01905DB1-F038-1A45-9A1E-AD5127F5EE20}" srcOrd="0" destOrd="0" presId="urn:microsoft.com/office/officeart/2016/7/layout/RepeatingBendingProcessNew"/>
+    <dgm:cxn modelId="{0422DD33-50F2-6A4F-B2D1-E465C4F21EE6}" type="presParOf" srcId="{F97E3C19-49D6-E24E-B3B7-0B7ACFCACB7C}" destId="{4536AA54-713B-0043-90D3-7A8366DAFBB9}" srcOrd="2" destOrd="0" presId="urn:microsoft.com/office/officeart/2016/7/layout/RepeatingBendingProcessNew"/>
+    <dgm:cxn modelId="{2145BE79-DF3A-E445-9BE4-5E8F25EE5543}" type="presParOf" srcId="{F97E3C19-49D6-E24E-B3B7-0B7ACFCACB7C}" destId="{D1868D15-67A6-F142-BC55-205C9ABBA06D}" srcOrd="3" destOrd="0" presId="urn:microsoft.com/office/officeart/2016/7/layout/RepeatingBendingProcessNew"/>
+    <dgm:cxn modelId="{20DA7A07-DADD-2E45-998B-3D32A4C8FF69}" type="presParOf" srcId="{D1868D15-67A6-F142-BC55-205C9ABBA06D}" destId="{76C58261-9D2E-1249-A041-88DE27C74E9D}" srcOrd="0" destOrd="0" presId="urn:microsoft.com/office/officeart/2016/7/layout/RepeatingBendingProcessNew"/>
+    <dgm:cxn modelId="{0D7135CE-565A-8F44-BC2F-E05634A94D3B}" type="presParOf" srcId="{F97E3C19-49D6-E24E-B3B7-0B7ACFCACB7C}" destId="{815FB9D7-D90B-5E41-8CAE-C53213CE8E56}" srcOrd="4" destOrd="0" presId="urn:microsoft.com/office/officeart/2016/7/layout/RepeatingBendingProcessNew"/>
+    <dgm:cxn modelId="{E23CD881-FBF8-5D45-90AC-2CA63B0DAC9B}" type="presParOf" srcId="{F97E3C19-49D6-E24E-B3B7-0B7ACFCACB7C}" destId="{AD6E099A-60A8-3D42-8AB1-3170275A59F0}" srcOrd="5" destOrd="0" presId="urn:microsoft.com/office/officeart/2016/7/layout/RepeatingBendingProcessNew"/>
+    <dgm:cxn modelId="{50538A89-35D3-F642-8502-53E7F36839D4}" type="presParOf" srcId="{AD6E099A-60A8-3D42-8AB1-3170275A59F0}" destId="{E1685B67-CE62-AA4A-B593-37C0FDB1D59A}" srcOrd="0" destOrd="0" presId="urn:microsoft.com/office/officeart/2016/7/layout/RepeatingBendingProcessNew"/>
+    <dgm:cxn modelId="{50DB77DD-6A02-A74F-93DF-17E82CB37C32}" type="presParOf" srcId="{F97E3C19-49D6-E24E-B3B7-0B7ACFCACB7C}" destId="{67558853-5CC5-A242-A1D6-9D36F51788E9}" srcOrd="6" destOrd="0" presId="urn:microsoft.com/office/officeart/2016/7/layout/RepeatingBendingProcessNew"/>
+    <dgm:cxn modelId="{A8793F07-4ED6-8B42-979A-8FCFE71F37E7}" type="presParOf" srcId="{F97E3C19-49D6-E24E-B3B7-0B7ACFCACB7C}" destId="{D51BB3F3-3B85-E144-B332-51589B0E2698}" srcOrd="7" destOrd="0" presId="urn:microsoft.com/office/officeart/2016/7/layout/RepeatingBendingProcessNew"/>
+    <dgm:cxn modelId="{235DC702-3908-424D-B913-ED64FFB8BB1D}" type="presParOf" srcId="{D51BB3F3-3B85-E144-B332-51589B0E2698}" destId="{C17992E6-15CE-6B45-B806-50A76E2314C3}" srcOrd="0" destOrd="0" presId="urn:microsoft.com/office/officeart/2016/7/layout/RepeatingBendingProcessNew"/>
+    <dgm:cxn modelId="{78E5B3CA-16FF-4A40-80EA-50CF1F5F2CA1}" type="presParOf" srcId="{F97E3C19-49D6-E24E-B3B7-0B7ACFCACB7C}" destId="{ACA6AFB0-EC52-3C4F-AE9A-AB83FEDD2A9A}" srcOrd="8" destOrd="0" presId="urn:microsoft.com/office/officeart/2016/7/layout/RepeatingBendingProcessNew"/>
+    <dgm:cxn modelId="{4A9D66A1-EB28-374D-B2F9-54D401C1B8E3}" type="presParOf" srcId="{F97E3C19-49D6-E24E-B3B7-0B7ACFCACB7C}" destId="{1E3FA29A-F2A8-7446-B90C-F204B5CE8E2B}" srcOrd="9" destOrd="0" presId="urn:microsoft.com/office/officeart/2016/7/layout/RepeatingBendingProcessNew"/>
+    <dgm:cxn modelId="{81FFDA02-FEFA-2C44-B90A-F1A28AE17D10}" type="presParOf" srcId="{1E3FA29A-F2A8-7446-B90C-F204B5CE8E2B}" destId="{8B0BF41D-E463-9E49-BE76-F5CC93D013DD}" srcOrd="0" destOrd="0" presId="urn:microsoft.com/office/officeart/2016/7/layout/RepeatingBendingProcessNew"/>
+    <dgm:cxn modelId="{F9153A73-5AE1-B646-B6FD-EB8EC4677CF1}" type="presParOf" srcId="{F97E3C19-49D6-E24E-B3B7-0B7ACFCACB7C}" destId="{1D5C7B5D-365D-8E41-9FFA-94AC923246B7}" srcOrd="10" destOrd="0" presId="urn:microsoft.com/office/officeart/2016/7/layout/RepeatingBendingProcessNew"/>
+  </dgm:cxnLst>
+  <dgm:bg/>
+  <dgm:whole/>
+  <dgm:extLst>
+    <a:ext uri="http://schemas.microsoft.com/office/drawing/2008/diagram">
+      <dsp:dataModelExt xmlns:dsp="http://schemas.microsoft.com/office/drawing/2008/diagram" relId="rId6" minVer="http://schemas.openxmlformats.org/drawingml/2006/diagram"/>
+    </a:ext>
+  </dgm:extLst>
+</dgm:dataModel>
+</file>
+
+<file path=ppt/diagrams/drawing1.xml><?xml version="1.0" encoding="utf-8"?>
+<dsp:drawing xmlns:dgm="http://schemas.openxmlformats.org/drawingml/2006/diagram" xmlns:dsp="http://schemas.microsoft.com/office/drawing/2008/diagram" xmlns:a="http://schemas.openxmlformats.org/drawingml/2006/main">
+  <dsp:spTree>
+    <dsp:nvGrpSpPr>
+      <dsp:cNvPr id="0" name=""/>
+      <dsp:cNvGrpSpPr/>
+    </dsp:nvGrpSpPr>
+    <dsp:grpSpPr/>
+    <dsp:sp modelId="{B3C6B4D7-28DA-BF48-A28D-56F63E878A70}">
+      <dsp:nvSpPr>
+        <dsp:cNvPr id="0" name=""/>
+        <dsp:cNvSpPr/>
+      </dsp:nvSpPr>
+      <dsp:spPr>
+        <a:xfrm>
+          <a:off x="2867243" y="693467"/>
+          <a:ext cx="535042" cy="91440"/>
+        </a:xfrm>
+        <a:custGeom>
+          <a:avLst/>
+          <a:gdLst/>
+          <a:ahLst/>
+          <a:cxnLst/>
+          <a:rect l="0" t="0" r="0" b="0"/>
+          <a:pathLst>
+            <a:path>
+              <a:moveTo>
+                <a:pt x="0" y="45720"/>
+              </a:moveTo>
+              <a:lnTo>
+                <a:pt x="535042" y="45720"/>
+              </a:lnTo>
+            </a:path>
+          </a:pathLst>
+        </a:custGeom>
+        <a:noFill/>
+        <a:ln w="6350" cap="flat" cmpd="sng" algn="ctr">
+          <a:solidFill>
+            <a:schemeClr val="accent2">
+              <a:hueOff val="0"/>
+              <a:satOff val="0"/>
+              <a:lumOff val="0"/>
+              <a:alphaOff val="0"/>
+            </a:schemeClr>
+          </a:solidFill>
+          <a:prstDash val="solid"/>
+          <a:miter lim="800000"/>
+          <a:tailEnd type="arrow"/>
+        </a:ln>
+        <a:effectLst/>
+      </dsp:spPr>
+      <dsp:style>
+        <a:lnRef idx="1">
+          <a:scrgbClr r="0" g="0" b="0"/>
+        </a:lnRef>
+        <a:fillRef idx="0">
+          <a:scrgbClr r="0" g="0" b="0"/>
+        </a:fillRef>
+        <a:effectRef idx="0">
+          <a:scrgbClr r="0" g="0" b="0"/>
+        </a:effectRef>
+        <a:fontRef idx="minor"/>
+      </dsp:style>
+      <dsp:txBody>
+        <a:bodyPr spcFirstLastPara="0" vert="horz" wrap="square" lIns="12700" tIns="0" rIns="12700" bIns="0" numCol="1" spcCol="1270" anchor="ctr" anchorCtr="0">
+          <a:noAutofit/>
+        </a:bodyPr>
+        <a:lstStyle/>
+        <a:p>
+          <a:pPr marL="0" lvl="0" indent="0" algn="ctr" defTabSz="222250">
+            <a:lnSpc>
+              <a:spcPct val="90000"/>
+            </a:lnSpc>
+            <a:spcBef>
+              <a:spcPct val="0"/>
+            </a:spcBef>
+            <a:spcAft>
+              <a:spcPct val="35000"/>
+            </a:spcAft>
+            <a:buNone/>
+          </a:pPr>
+          <a:endParaRPr lang="en-US" sz="500" kern="1200"/>
+        </a:p>
+      </dsp:txBody>
+      <dsp:txXfrm>
+        <a:off x="3120623" y="736358"/>
+        <a:ext cx="28282" cy="5656"/>
+      </dsp:txXfrm>
+    </dsp:sp>
+    <dsp:sp modelId="{C3102AFB-6059-1C4C-BDFF-D02EDC480242}">
+      <dsp:nvSpPr>
+        <dsp:cNvPr id="0" name=""/>
+        <dsp:cNvSpPr/>
+      </dsp:nvSpPr>
+      <dsp:spPr>
+        <a:xfrm>
+          <a:off x="409726" y="1392"/>
+          <a:ext cx="2459316" cy="1475589"/>
+        </a:xfrm>
+        <a:prstGeom prst="rect">
+          <a:avLst/>
+        </a:prstGeom>
+        <a:solidFill>
+          <a:schemeClr val="accent2">
+            <a:hueOff val="0"/>
+            <a:satOff val="0"/>
+            <a:lumOff val="0"/>
+            <a:alphaOff val="0"/>
+          </a:schemeClr>
+        </a:solidFill>
+        <a:ln w="12700" cap="flat" cmpd="sng" algn="ctr">
+          <a:solidFill>
+            <a:schemeClr val="lt1">
+              <a:hueOff val="0"/>
+              <a:satOff val="0"/>
+              <a:lumOff val="0"/>
+              <a:alphaOff val="0"/>
+            </a:schemeClr>
+          </a:solidFill>
+          <a:prstDash val="solid"/>
+          <a:miter lim="800000"/>
+        </a:ln>
+        <a:effectLst/>
+      </dsp:spPr>
+      <dsp:style>
+        <a:lnRef idx="2">
+          <a:scrgbClr r="0" g="0" b="0"/>
+        </a:lnRef>
+        <a:fillRef idx="1">
+          <a:scrgbClr r="0" g="0" b="0"/>
+        </a:fillRef>
+        <a:effectRef idx="0">
+          <a:scrgbClr r="0" g="0" b="0"/>
+        </a:effectRef>
+        <a:fontRef idx="minor">
+          <a:schemeClr val="lt1"/>
+        </a:fontRef>
+      </dsp:style>
+      <dsp:txBody>
+        <a:bodyPr spcFirstLastPara="0" vert="horz" wrap="square" lIns="120509" tIns="126495" rIns="120509" bIns="126495" numCol="1" spcCol="1270" anchor="ctr" anchorCtr="0">
+          <a:noAutofit/>
+        </a:bodyPr>
+        <a:lstStyle/>
+        <a:p>
+          <a:pPr marL="0" lvl="0" indent="0" algn="ctr" defTabSz="577850">
+            <a:lnSpc>
+              <a:spcPct val="90000"/>
+            </a:lnSpc>
+            <a:spcBef>
+              <a:spcPct val="0"/>
+            </a:spcBef>
+            <a:spcAft>
+              <a:spcPct val="35000"/>
+            </a:spcAft>
+            <a:buNone/>
+          </a:pPr>
+          <a:r>
+            <a:rPr lang="en-US" sz="1300" kern="1200"/>
+            <a:t>Web scarping using Python requests and beautiful soup packages to extract the list of neighborhoods</a:t>
+          </a:r>
+        </a:p>
+      </dsp:txBody>
+      <dsp:txXfrm>
+        <a:off x="409726" y="1392"/>
+        <a:ext cx="2459316" cy="1475589"/>
+      </dsp:txXfrm>
+    </dsp:sp>
+    <dsp:sp modelId="{D1868D15-67A6-F142-BC55-205C9ABBA06D}">
+      <dsp:nvSpPr>
+        <dsp:cNvPr id="0" name=""/>
+        <dsp:cNvSpPr/>
+      </dsp:nvSpPr>
+      <dsp:spPr>
+        <a:xfrm>
+          <a:off x="1639385" y="1475181"/>
+          <a:ext cx="3024958" cy="535042"/>
+        </a:xfrm>
+        <a:custGeom>
+          <a:avLst/>
+          <a:gdLst/>
+          <a:ahLst/>
+          <a:cxnLst/>
+          <a:rect l="0" t="0" r="0" b="0"/>
+          <a:pathLst>
+            <a:path>
+              <a:moveTo>
+                <a:pt x="3024958" y="0"/>
+              </a:moveTo>
+              <a:lnTo>
+                <a:pt x="3024958" y="284621"/>
+              </a:lnTo>
+              <a:lnTo>
+                <a:pt x="0" y="284621"/>
+              </a:lnTo>
+              <a:lnTo>
+                <a:pt x="0" y="535042"/>
+              </a:lnTo>
+            </a:path>
+          </a:pathLst>
+        </a:custGeom>
+        <a:noFill/>
+        <a:ln w="6350" cap="flat" cmpd="sng" algn="ctr">
+          <a:solidFill>
+            <a:schemeClr val="accent3">
+              <a:hueOff val="0"/>
+              <a:satOff val="0"/>
+              <a:lumOff val="0"/>
+              <a:alphaOff val="0"/>
+            </a:schemeClr>
+          </a:solidFill>
+          <a:prstDash val="solid"/>
+          <a:miter lim="800000"/>
+          <a:tailEnd type="arrow"/>
+        </a:ln>
+        <a:effectLst/>
+      </dsp:spPr>
+      <dsp:style>
+        <a:lnRef idx="1">
+          <a:scrgbClr r="0" g="0" b="0"/>
+        </a:lnRef>
+        <a:fillRef idx="0">
+          <a:scrgbClr r="0" g="0" b="0"/>
+        </a:fillRef>
+        <a:effectRef idx="0">
+          <a:scrgbClr r="0" g="0" b="0"/>
+        </a:effectRef>
+        <a:fontRef idx="minor"/>
+      </dsp:style>
+      <dsp:txBody>
+        <a:bodyPr spcFirstLastPara="0" vert="horz" wrap="square" lIns="12700" tIns="0" rIns="12700" bIns="0" numCol="1" spcCol="1270" anchor="ctr" anchorCtr="0">
+          <a:noAutofit/>
+        </a:bodyPr>
+        <a:lstStyle/>
+        <a:p>
+          <a:pPr marL="0" lvl="0" indent="0" algn="ctr" defTabSz="222250">
+            <a:lnSpc>
+              <a:spcPct val="90000"/>
+            </a:lnSpc>
+            <a:spcBef>
+              <a:spcPct val="0"/>
+            </a:spcBef>
+            <a:spcAft>
+              <a:spcPct val="35000"/>
+            </a:spcAft>
+            <a:buNone/>
+          </a:pPr>
+          <a:endParaRPr lang="en-US" sz="500" kern="1200"/>
+        </a:p>
+      </dsp:txBody>
+      <dsp:txXfrm>
+        <a:off x="3074929" y="1739875"/>
+        <a:ext cx="153869" cy="5656"/>
+      </dsp:txXfrm>
+    </dsp:sp>
+    <dsp:sp modelId="{4536AA54-713B-0043-90D3-7A8366DAFBB9}">
+      <dsp:nvSpPr>
+        <dsp:cNvPr id="0" name=""/>
+        <dsp:cNvSpPr/>
+      </dsp:nvSpPr>
+      <dsp:spPr>
+        <a:xfrm>
+          <a:off x="3434685" y="1392"/>
+          <a:ext cx="2459316" cy="1475589"/>
+        </a:xfrm>
+        <a:prstGeom prst="rect">
+          <a:avLst/>
+        </a:prstGeom>
+        <a:solidFill>
+          <a:schemeClr val="accent3">
+            <a:hueOff val="0"/>
+            <a:satOff val="0"/>
+            <a:lumOff val="0"/>
+            <a:alphaOff val="0"/>
+          </a:schemeClr>
+        </a:solidFill>
+        <a:ln w="12700" cap="flat" cmpd="sng" algn="ctr">
+          <a:solidFill>
+            <a:schemeClr val="lt1">
+              <a:hueOff val="0"/>
+              <a:satOff val="0"/>
+              <a:lumOff val="0"/>
+              <a:alphaOff val="0"/>
+            </a:schemeClr>
+          </a:solidFill>
+          <a:prstDash val="solid"/>
+          <a:miter lim="800000"/>
+        </a:ln>
+        <a:effectLst/>
+      </dsp:spPr>
+      <dsp:style>
+        <a:lnRef idx="2">
+          <a:scrgbClr r="0" g="0" b="0"/>
+        </a:lnRef>
+        <a:fillRef idx="1">
+          <a:scrgbClr r="0" g="0" b="0"/>
+        </a:fillRef>
+        <a:effectRef idx="0">
+          <a:scrgbClr r="0" g="0" b="0"/>
+        </a:effectRef>
+        <a:fontRef idx="minor">
+          <a:schemeClr val="lt1"/>
+        </a:fontRef>
+      </dsp:style>
+      <dsp:txBody>
+        <a:bodyPr spcFirstLastPara="0" vert="horz" wrap="square" lIns="120509" tIns="126495" rIns="120509" bIns="126495" numCol="1" spcCol="1270" anchor="ctr" anchorCtr="0">
+          <a:noAutofit/>
+        </a:bodyPr>
+        <a:lstStyle/>
+        <a:p>
+          <a:pPr marL="0" lvl="0" indent="0" algn="ctr" defTabSz="577850">
+            <a:lnSpc>
+              <a:spcPct val="90000"/>
+            </a:lnSpc>
+            <a:spcBef>
+              <a:spcPct val="0"/>
+            </a:spcBef>
+            <a:spcAft>
+              <a:spcPct val="35000"/>
+            </a:spcAft>
+            <a:buNone/>
+          </a:pPr>
+          <a:r>
+            <a:rPr lang="en-US" sz="1300" kern="1200"/>
+            <a:t>Get the geographical coordinates in the form of latitude and longitude using Python Geocoder package </a:t>
+          </a:r>
+        </a:p>
+      </dsp:txBody>
+      <dsp:txXfrm>
+        <a:off x="3434685" y="1392"/>
+        <a:ext cx="2459316" cy="1475589"/>
+      </dsp:txXfrm>
+    </dsp:sp>
+    <dsp:sp modelId="{AD6E099A-60A8-3D42-8AB1-3170275A59F0}">
+      <dsp:nvSpPr>
+        <dsp:cNvPr id="0" name=""/>
+        <dsp:cNvSpPr/>
+      </dsp:nvSpPr>
+      <dsp:spPr>
+        <a:xfrm>
+          <a:off x="2867243" y="2734699"/>
+          <a:ext cx="535042" cy="91440"/>
+        </a:xfrm>
+        <a:custGeom>
+          <a:avLst/>
+          <a:gdLst/>
+          <a:ahLst/>
+          <a:cxnLst/>
+          <a:rect l="0" t="0" r="0" b="0"/>
+          <a:pathLst>
+            <a:path>
+              <a:moveTo>
+                <a:pt x="0" y="45720"/>
+              </a:moveTo>
+              <a:lnTo>
+                <a:pt x="535042" y="45720"/>
+              </a:lnTo>
+            </a:path>
+          </a:pathLst>
+        </a:custGeom>
+        <a:noFill/>
+        <a:ln w="6350" cap="flat" cmpd="sng" algn="ctr">
+          <a:solidFill>
+            <a:schemeClr val="accent4">
+              <a:hueOff val="0"/>
+              <a:satOff val="0"/>
+              <a:lumOff val="0"/>
+              <a:alphaOff val="0"/>
+            </a:schemeClr>
+          </a:solidFill>
+          <a:prstDash val="solid"/>
+          <a:miter lim="800000"/>
+          <a:tailEnd type="arrow"/>
+        </a:ln>
+        <a:effectLst/>
+      </dsp:spPr>
+      <dsp:style>
+        <a:lnRef idx="1">
+          <a:scrgbClr r="0" g="0" b="0"/>
+        </a:lnRef>
+        <a:fillRef idx="0">
+          <a:scrgbClr r="0" g="0" b="0"/>
+        </a:fillRef>
+        <a:effectRef idx="0">
+          <a:scrgbClr r="0" g="0" b="0"/>
+        </a:effectRef>
+        <a:fontRef idx="minor"/>
+      </dsp:style>
+      <dsp:txBody>
+        <a:bodyPr spcFirstLastPara="0" vert="horz" wrap="square" lIns="12700" tIns="0" rIns="12700" bIns="0" numCol="1" spcCol="1270" anchor="ctr" anchorCtr="0">
+          <a:noAutofit/>
+        </a:bodyPr>
+        <a:lstStyle/>
+        <a:p>
+          <a:pPr marL="0" lvl="0" indent="0" algn="ctr" defTabSz="222250">
+            <a:lnSpc>
+              <a:spcPct val="90000"/>
+            </a:lnSpc>
+            <a:spcBef>
+              <a:spcPct val="0"/>
+            </a:spcBef>
+            <a:spcAft>
+              <a:spcPct val="35000"/>
+            </a:spcAft>
+            <a:buNone/>
+          </a:pPr>
+          <a:endParaRPr lang="en-US" sz="500" kern="1200"/>
+        </a:p>
+      </dsp:txBody>
+      <dsp:txXfrm>
+        <a:off x="3120623" y="2777591"/>
+        <a:ext cx="28282" cy="5656"/>
+      </dsp:txXfrm>
+    </dsp:sp>
+    <dsp:sp modelId="{815FB9D7-D90B-5E41-8CAE-C53213CE8E56}">
+      <dsp:nvSpPr>
+        <dsp:cNvPr id="0" name=""/>
+        <dsp:cNvSpPr/>
+      </dsp:nvSpPr>
+      <dsp:spPr>
+        <a:xfrm>
+          <a:off x="409726" y="2042624"/>
+          <a:ext cx="2459316" cy="1475589"/>
+        </a:xfrm>
+        <a:prstGeom prst="rect">
+          <a:avLst/>
+        </a:prstGeom>
+        <a:solidFill>
+          <a:schemeClr val="accent4">
+            <a:hueOff val="0"/>
+            <a:satOff val="0"/>
+            <a:lumOff val="0"/>
+            <a:alphaOff val="0"/>
+          </a:schemeClr>
+        </a:solidFill>
+        <a:ln w="12700" cap="flat" cmpd="sng" algn="ctr">
+          <a:solidFill>
+            <a:schemeClr val="lt1">
+              <a:hueOff val="0"/>
+              <a:satOff val="0"/>
+              <a:lumOff val="0"/>
+              <a:alphaOff val="0"/>
+            </a:schemeClr>
+          </a:solidFill>
+          <a:prstDash val="solid"/>
+          <a:miter lim="800000"/>
+        </a:ln>
+        <a:effectLst/>
+      </dsp:spPr>
+      <dsp:style>
+        <a:lnRef idx="2">
+          <a:scrgbClr r="0" g="0" b="0"/>
+        </a:lnRef>
+        <a:fillRef idx="1">
+          <a:scrgbClr r="0" g="0" b="0"/>
+        </a:fillRef>
+        <a:effectRef idx="0">
+          <a:scrgbClr r="0" g="0" b="0"/>
+        </a:effectRef>
+        <a:fontRef idx="minor">
+          <a:schemeClr val="lt1"/>
+        </a:fontRef>
+      </dsp:style>
+      <dsp:txBody>
+        <a:bodyPr spcFirstLastPara="0" vert="horz" wrap="square" lIns="120509" tIns="126495" rIns="120509" bIns="126495" numCol="1" spcCol="1270" anchor="ctr" anchorCtr="0">
+          <a:noAutofit/>
+        </a:bodyPr>
+        <a:lstStyle/>
+        <a:p>
+          <a:pPr marL="0" lvl="0" indent="0" algn="ctr" defTabSz="577850">
+            <a:lnSpc>
+              <a:spcPct val="90000"/>
+            </a:lnSpc>
+            <a:spcBef>
+              <a:spcPct val="0"/>
+            </a:spcBef>
+            <a:spcAft>
+              <a:spcPct val="35000"/>
+            </a:spcAft>
+            <a:buNone/>
+          </a:pPr>
+          <a:r>
+            <a:rPr lang="en-US" sz="1300" kern="1200"/>
+            <a:t>Using Fourswaure API to get the venue data</a:t>
+          </a:r>
+        </a:p>
+      </dsp:txBody>
+      <dsp:txXfrm>
+        <a:off x="409726" y="2042624"/>
+        <a:ext cx="2459316" cy="1475589"/>
+      </dsp:txXfrm>
+    </dsp:sp>
+    <dsp:sp modelId="{D51BB3F3-3B85-E144-B332-51589B0E2698}">
+      <dsp:nvSpPr>
+        <dsp:cNvPr id="0" name=""/>
+        <dsp:cNvSpPr/>
+      </dsp:nvSpPr>
+      <dsp:spPr>
+        <a:xfrm>
+          <a:off x="1639385" y="3516414"/>
+          <a:ext cx="3024958" cy="535042"/>
+        </a:xfrm>
+        <a:custGeom>
+          <a:avLst/>
+          <a:gdLst/>
+          <a:ahLst/>
+          <a:cxnLst/>
+          <a:rect l="0" t="0" r="0" b="0"/>
+          <a:pathLst>
+            <a:path>
+              <a:moveTo>
+                <a:pt x="3024958" y="0"/>
+              </a:moveTo>
+              <a:lnTo>
+                <a:pt x="3024958" y="284621"/>
+              </a:lnTo>
+              <a:lnTo>
+                <a:pt x="0" y="284621"/>
+              </a:lnTo>
+              <a:lnTo>
+                <a:pt x="0" y="535042"/>
+              </a:lnTo>
+            </a:path>
+          </a:pathLst>
+        </a:custGeom>
+        <a:noFill/>
+        <a:ln w="6350" cap="flat" cmpd="sng" algn="ctr">
+          <a:solidFill>
+            <a:schemeClr val="accent5">
+              <a:hueOff val="0"/>
+              <a:satOff val="0"/>
+              <a:lumOff val="0"/>
+              <a:alphaOff val="0"/>
+            </a:schemeClr>
+          </a:solidFill>
+          <a:prstDash val="solid"/>
+          <a:miter lim="800000"/>
+          <a:tailEnd type="arrow"/>
+        </a:ln>
+        <a:effectLst/>
+      </dsp:spPr>
+      <dsp:style>
+        <a:lnRef idx="1">
+          <a:scrgbClr r="0" g="0" b="0"/>
+        </a:lnRef>
+        <a:fillRef idx="0">
+          <a:scrgbClr r="0" g="0" b="0"/>
+        </a:fillRef>
+        <a:effectRef idx="0">
+          <a:scrgbClr r="0" g="0" b="0"/>
+        </a:effectRef>
+        <a:fontRef idx="minor"/>
+      </dsp:style>
+      <dsp:txBody>
+        <a:bodyPr spcFirstLastPara="0" vert="horz" wrap="square" lIns="12700" tIns="0" rIns="12700" bIns="0" numCol="1" spcCol="1270" anchor="ctr" anchorCtr="0">
+          <a:noAutofit/>
+        </a:bodyPr>
+        <a:lstStyle/>
+        <a:p>
+          <a:pPr marL="0" lvl="0" indent="0" algn="ctr" defTabSz="222250">
+            <a:lnSpc>
+              <a:spcPct val="90000"/>
+            </a:lnSpc>
+            <a:spcBef>
+              <a:spcPct val="0"/>
+            </a:spcBef>
+            <a:spcAft>
+              <a:spcPct val="35000"/>
+            </a:spcAft>
+            <a:buNone/>
+          </a:pPr>
+          <a:endParaRPr lang="en-US" sz="500" kern="1200"/>
+        </a:p>
+      </dsp:txBody>
+      <dsp:txXfrm>
+        <a:off x="3074929" y="3781107"/>
+        <a:ext cx="153869" cy="5656"/>
+      </dsp:txXfrm>
+    </dsp:sp>
+    <dsp:sp modelId="{67558853-5CC5-A242-A1D6-9D36F51788E9}">
+      <dsp:nvSpPr>
+        <dsp:cNvPr id="0" name=""/>
+        <dsp:cNvSpPr/>
+      </dsp:nvSpPr>
+      <dsp:spPr>
+        <a:xfrm>
+          <a:off x="3434685" y="2042624"/>
+          <a:ext cx="2459316" cy="1475589"/>
+        </a:xfrm>
+        <a:prstGeom prst="rect">
+          <a:avLst/>
+        </a:prstGeom>
+        <a:solidFill>
+          <a:schemeClr val="accent5">
+            <a:hueOff val="0"/>
+            <a:satOff val="0"/>
+            <a:lumOff val="0"/>
+            <a:alphaOff val="0"/>
+          </a:schemeClr>
+        </a:solidFill>
+        <a:ln w="12700" cap="flat" cmpd="sng" algn="ctr">
+          <a:solidFill>
+            <a:schemeClr val="lt1">
+              <a:hueOff val="0"/>
+              <a:satOff val="0"/>
+              <a:lumOff val="0"/>
+              <a:alphaOff val="0"/>
+            </a:schemeClr>
+          </a:solidFill>
+          <a:prstDash val="solid"/>
+          <a:miter lim="800000"/>
+        </a:ln>
+        <a:effectLst/>
+      </dsp:spPr>
+      <dsp:style>
+        <a:lnRef idx="2">
+          <a:scrgbClr r="0" g="0" b="0"/>
+        </a:lnRef>
+        <a:fillRef idx="1">
+          <a:scrgbClr r="0" g="0" b="0"/>
+        </a:fillRef>
+        <a:effectRef idx="0">
+          <a:scrgbClr r="0" g="0" b="0"/>
+        </a:effectRef>
+        <a:fontRef idx="minor">
+          <a:schemeClr val="lt1"/>
+        </a:fontRef>
+      </dsp:style>
+      <dsp:txBody>
+        <a:bodyPr spcFirstLastPara="0" vert="horz" wrap="square" lIns="120509" tIns="126495" rIns="120509" bIns="126495" numCol="1" spcCol="1270" anchor="ctr" anchorCtr="0">
+          <a:noAutofit/>
+        </a:bodyPr>
+        <a:lstStyle/>
+        <a:p>
+          <a:pPr marL="0" lvl="0" indent="0" algn="ctr" defTabSz="577850">
+            <a:lnSpc>
+              <a:spcPct val="90000"/>
+            </a:lnSpc>
+            <a:spcBef>
+              <a:spcPct val="0"/>
+            </a:spcBef>
+            <a:spcAft>
+              <a:spcPct val="35000"/>
+            </a:spcAft>
+            <a:buNone/>
+          </a:pPr>
+          <a:r>
+            <a:rPr lang="en-US" sz="1300" kern="1200"/>
+            <a:t>Analyze each neighborhood by grouping the rows by neighborhood and taking the mean of the frequency of occurrence of each venuw category</a:t>
+          </a:r>
+        </a:p>
+      </dsp:txBody>
+      <dsp:txXfrm>
+        <a:off x="3434685" y="2042624"/>
+        <a:ext cx="2459316" cy="1475589"/>
+      </dsp:txXfrm>
+    </dsp:sp>
+    <dsp:sp modelId="{1E3FA29A-F2A8-7446-B90C-F204B5CE8E2B}">
+      <dsp:nvSpPr>
+        <dsp:cNvPr id="0" name=""/>
+        <dsp:cNvSpPr/>
+      </dsp:nvSpPr>
+      <dsp:spPr>
+        <a:xfrm>
+          <a:off x="2867243" y="4775931"/>
+          <a:ext cx="535042" cy="91440"/>
+        </a:xfrm>
+        <a:custGeom>
+          <a:avLst/>
+          <a:gdLst/>
+          <a:ahLst/>
+          <a:cxnLst/>
+          <a:rect l="0" t="0" r="0" b="0"/>
+          <a:pathLst>
+            <a:path>
+              <a:moveTo>
+                <a:pt x="0" y="45720"/>
+              </a:moveTo>
+              <a:lnTo>
+                <a:pt x="535042" y="45720"/>
+              </a:lnTo>
+            </a:path>
+          </a:pathLst>
+        </a:custGeom>
+        <a:noFill/>
+        <a:ln w="6350" cap="flat" cmpd="sng" algn="ctr">
+          <a:solidFill>
+            <a:schemeClr val="accent6">
+              <a:hueOff val="0"/>
+              <a:satOff val="0"/>
+              <a:lumOff val="0"/>
+              <a:alphaOff val="0"/>
+            </a:schemeClr>
+          </a:solidFill>
+          <a:prstDash val="solid"/>
+          <a:miter lim="800000"/>
+          <a:tailEnd type="arrow"/>
+        </a:ln>
+        <a:effectLst/>
+      </dsp:spPr>
+      <dsp:style>
+        <a:lnRef idx="1">
+          <a:scrgbClr r="0" g="0" b="0"/>
+        </a:lnRef>
+        <a:fillRef idx="0">
+          <a:scrgbClr r="0" g="0" b="0"/>
+        </a:fillRef>
+        <a:effectRef idx="0">
+          <a:scrgbClr r="0" g="0" b="0"/>
+        </a:effectRef>
+        <a:fontRef idx="minor"/>
+      </dsp:style>
+      <dsp:txBody>
+        <a:bodyPr spcFirstLastPara="0" vert="horz" wrap="square" lIns="12700" tIns="0" rIns="12700" bIns="0" numCol="1" spcCol="1270" anchor="ctr" anchorCtr="0">
+          <a:noAutofit/>
+        </a:bodyPr>
+        <a:lstStyle/>
+        <a:p>
+          <a:pPr marL="0" lvl="0" indent="0" algn="ctr" defTabSz="222250">
+            <a:lnSpc>
+              <a:spcPct val="90000"/>
+            </a:lnSpc>
+            <a:spcBef>
+              <a:spcPct val="0"/>
+            </a:spcBef>
+            <a:spcAft>
+              <a:spcPct val="35000"/>
+            </a:spcAft>
+            <a:buNone/>
+          </a:pPr>
+          <a:endParaRPr lang="en-US" sz="500" kern="1200"/>
+        </a:p>
+      </dsp:txBody>
+      <dsp:txXfrm>
+        <a:off x="3120623" y="4818823"/>
+        <a:ext cx="28282" cy="5656"/>
+      </dsp:txXfrm>
+    </dsp:sp>
+    <dsp:sp modelId="{ACA6AFB0-EC52-3C4F-AE9A-AB83FEDD2A9A}">
+      <dsp:nvSpPr>
+        <dsp:cNvPr id="0" name=""/>
+        <dsp:cNvSpPr/>
+      </dsp:nvSpPr>
+      <dsp:spPr>
+        <a:xfrm>
+          <a:off x="409726" y="4083857"/>
+          <a:ext cx="2459316" cy="1475589"/>
+        </a:xfrm>
+        <a:prstGeom prst="rect">
+          <a:avLst/>
+        </a:prstGeom>
+        <a:solidFill>
+          <a:schemeClr val="accent6">
+            <a:hueOff val="0"/>
+            <a:satOff val="0"/>
+            <a:lumOff val="0"/>
+            <a:alphaOff val="0"/>
+          </a:schemeClr>
+        </a:solidFill>
+        <a:ln w="12700" cap="flat" cmpd="sng" algn="ctr">
+          <a:solidFill>
+            <a:schemeClr val="lt1">
+              <a:hueOff val="0"/>
+              <a:satOff val="0"/>
+              <a:lumOff val="0"/>
+              <a:alphaOff val="0"/>
+            </a:schemeClr>
+          </a:solidFill>
+          <a:prstDash val="solid"/>
+          <a:miter lim="800000"/>
+        </a:ln>
+        <a:effectLst/>
+      </dsp:spPr>
+      <dsp:style>
+        <a:lnRef idx="2">
+          <a:scrgbClr r="0" g="0" b="0"/>
+        </a:lnRef>
+        <a:fillRef idx="1">
+          <a:scrgbClr r="0" g="0" b="0"/>
+        </a:fillRef>
+        <a:effectRef idx="0">
+          <a:scrgbClr r="0" g="0" b="0"/>
+        </a:effectRef>
+        <a:fontRef idx="minor">
+          <a:schemeClr val="lt1"/>
+        </a:fontRef>
+      </dsp:style>
+      <dsp:txBody>
+        <a:bodyPr spcFirstLastPara="0" vert="horz" wrap="square" lIns="120509" tIns="126495" rIns="120509" bIns="126495" numCol="1" spcCol="1270" anchor="ctr" anchorCtr="0">
+          <a:noAutofit/>
+        </a:bodyPr>
+        <a:lstStyle/>
+        <a:p>
+          <a:pPr marL="0" lvl="0" indent="0" algn="ctr" defTabSz="577850">
+            <a:lnSpc>
+              <a:spcPct val="90000"/>
+            </a:lnSpc>
+            <a:spcBef>
+              <a:spcPct val="0"/>
+            </a:spcBef>
+            <a:spcAft>
+              <a:spcPct val="35000"/>
+            </a:spcAft>
+            <a:buNone/>
+          </a:pPr>
+          <a:r>
+            <a:rPr lang="en-US" sz="1300" kern="1200"/>
+            <a:t>Filter venue category by Art Museum </a:t>
+          </a:r>
+        </a:p>
+      </dsp:txBody>
+      <dsp:txXfrm>
+        <a:off x="409726" y="4083857"/>
+        <a:ext cx="2459316" cy="1475589"/>
+      </dsp:txXfrm>
+    </dsp:sp>
+    <dsp:sp modelId="{1D5C7B5D-365D-8E41-9FFA-94AC923246B7}">
+      <dsp:nvSpPr>
+        <dsp:cNvPr id="0" name=""/>
+        <dsp:cNvSpPr/>
+      </dsp:nvSpPr>
+      <dsp:spPr>
+        <a:xfrm>
+          <a:off x="3434685" y="4083857"/>
+          <a:ext cx="2459316" cy="1475589"/>
+        </a:xfrm>
+        <a:prstGeom prst="rect">
+          <a:avLst/>
+        </a:prstGeom>
+        <a:solidFill>
+          <a:schemeClr val="accent2">
+            <a:hueOff val="0"/>
+            <a:satOff val="0"/>
+            <a:lumOff val="0"/>
+            <a:alphaOff val="0"/>
+          </a:schemeClr>
+        </a:solidFill>
+        <a:ln w="12700" cap="flat" cmpd="sng" algn="ctr">
+          <a:solidFill>
+            <a:schemeClr val="lt1">
+              <a:hueOff val="0"/>
+              <a:satOff val="0"/>
+              <a:lumOff val="0"/>
+              <a:alphaOff val="0"/>
+            </a:schemeClr>
+          </a:solidFill>
+          <a:prstDash val="solid"/>
+          <a:miter lim="800000"/>
+        </a:ln>
+        <a:effectLst/>
+      </dsp:spPr>
+      <dsp:style>
+        <a:lnRef idx="2">
+          <a:scrgbClr r="0" g="0" b="0"/>
+        </a:lnRef>
+        <a:fillRef idx="1">
+          <a:scrgbClr r="0" g="0" b="0"/>
+        </a:fillRef>
+        <a:effectRef idx="0">
+          <a:scrgbClr r="0" g="0" b="0"/>
+        </a:effectRef>
+        <a:fontRef idx="minor">
+          <a:schemeClr val="lt1"/>
+        </a:fontRef>
+      </dsp:style>
+      <dsp:txBody>
+        <a:bodyPr spcFirstLastPara="0" vert="horz" wrap="square" lIns="120509" tIns="126495" rIns="120509" bIns="126495" numCol="1" spcCol="1270" anchor="ctr" anchorCtr="0">
+          <a:noAutofit/>
+        </a:bodyPr>
+        <a:lstStyle/>
+        <a:p>
+          <a:pPr marL="0" lvl="0" indent="0" algn="ctr" defTabSz="577850">
+            <a:lnSpc>
+              <a:spcPct val="90000"/>
+            </a:lnSpc>
+            <a:spcBef>
+              <a:spcPct val="0"/>
+            </a:spcBef>
+            <a:spcAft>
+              <a:spcPct val="35000"/>
+            </a:spcAft>
+            <a:buNone/>
+          </a:pPr>
+          <a:r>
+            <a:rPr lang="en-US" sz="1300" kern="1200"/>
+            <a:t>Perfom clustering on the data by using k-means clustering</a:t>
+          </a:r>
+        </a:p>
+      </dsp:txBody>
+      <dsp:txXfrm>
+        <a:off x="3434685" y="4083857"/>
+        <a:ext cx="2459316" cy="1475589"/>
+      </dsp:txXfrm>
+    </dsp:sp>
+  </dsp:spTree>
+</dsp:drawing>
+</file>
+
+<file path=ppt/diagrams/layout1.xml><?xml version="1.0" encoding="utf-8"?>
+<dgm:layoutDef xmlns:dgm="http://schemas.openxmlformats.org/drawingml/2006/diagram" xmlns:a="http://schemas.openxmlformats.org/drawingml/2006/main" uniqueId="urn:microsoft.com/office/officeart/2016/7/layout/RepeatingBendingProcessNew">
+  <dgm:title val="Repeating Bending Process New"/>
+  <dgm:desc val=""/>
+  <dgm:catLst>
+    <dgm:cat type="process" pri="500"/>
+  </dgm:catLst>
+  <dgm:sampData>
+    <dgm:dataModel>
+      <dgm:ptLst>
+        <dgm:pt modelId="0" type="doc"/>
+        <dgm:pt modelId="1">
+          <dgm:prSet phldr="1"/>
+        </dgm:pt>
+        <dgm:pt modelId="2">
+          <dgm:prSet phldr="1"/>
+        </dgm:pt>
+        <dgm:pt modelId="3">
+          <dgm:prSet phldr="1"/>
+        </dgm:pt>
+        <dgm:pt modelId="4">
+          <dgm:prSet phldr="1"/>
+        </dgm:pt>
+        <dgm:pt modelId="5">
+          <dgm:prSet phldr="1"/>
+        </dgm:pt>
+      </dgm:ptLst>
+      <dgm:cxnLst>
+        <dgm:cxn modelId="7" srcId="0" destId="1" srcOrd="0" destOrd="0"/>
+        <dgm:cxn modelId="8" srcId="0" destId="2" srcOrd="1" destOrd="0"/>
+        <dgm:cxn modelId="9" srcId="0" destId="3" srcOrd="2" destOrd="0"/>
+        <dgm:cxn modelId="10" srcId="0" destId="4" srcOrd="3" destOrd="0"/>
+        <dgm:cxn modelId="11" srcId="0" destId="5" srcOrd="4" destOrd="0"/>
+      </dgm:cxnLst>
+      <dgm:bg/>
+      <dgm:whole/>
+    </dgm:dataModel>
+  </dgm:sampData>
+  <dgm:styleData>
+    <dgm:dataModel>
+      <dgm:ptLst>
+        <dgm:pt modelId="0" type="doc"/>
+        <dgm:pt modelId="1"/>
+        <dgm:pt modelId="2"/>
+      </dgm:ptLst>
+      <dgm:cxnLst>
+        <dgm:cxn modelId="3" srcId="0" destId="1" srcOrd="0" destOrd="0"/>
+        <dgm:cxn modelId="4" srcId="0" destId="2" srcOrd="1" destOrd="0"/>
+      </dgm:cxnLst>
+      <dgm:bg/>
+      <dgm:whole/>
+    </dgm:dataModel>
+  </dgm:styleData>
+  <dgm:clrData>
+    <dgm:dataModel>
+      <dgm:ptLst>
+        <dgm:pt modelId="0" type="doc"/>
+        <dgm:pt modelId="1"/>
+        <dgm:pt modelId="2"/>
+        <dgm:pt modelId="3"/>
+        <dgm:pt modelId="4"/>
+      </dgm:ptLst>
+      <dgm:cxnLst>
+        <dgm:cxn modelId="5" srcId="0" destId="1" srcOrd="0" destOrd="0"/>
+        <dgm:cxn modelId="6" srcId="0" destId="2" srcOrd="1" destOrd="0"/>
+        <dgm:cxn modelId="7" srcId="0" destId="3" srcOrd="2" destOrd="0"/>
+        <dgm:cxn modelId="8" srcId="0" destId="4" srcOrd="3" destOrd="0"/>
+      </dgm:cxnLst>
+      <dgm:bg/>
+      <dgm:whole/>
+    </dgm:dataModel>
+  </dgm:clrData>
+  <dgm:layoutNode name="Name0">
+    <dgm:varLst>
+      <dgm:dir/>
+      <dgm:resizeHandles val="exact"/>
+    </dgm:varLst>
+    <dgm:choose name="Name1">
+      <dgm:if name="Name2" axis="self" func="var" arg="dir" op="equ" val="norm">
+        <dgm:alg type="snake">
+          <dgm:param type="grDir" val="tL"/>
+          <dgm:param type="flowDir" val="row"/>
+          <dgm:param type="contDir" val="sameDir"/>
+          <dgm:param type="bkpt" val="endCnv"/>
+        </dgm:alg>
+      </dgm:if>
+      <dgm:else name="Name3">
+        <dgm:alg type="snake">
+          <dgm:param type="grDir" val="tR"/>
+          <dgm:param type="flowDir" val="row"/>
+          <dgm:param type="contDir" val="sameDir"/>
+          <dgm:param type="bkpt" val="endCnv"/>
+        </dgm:alg>
+      </dgm:else>
+    </dgm:choose>
+    <dgm:shape xmlns:r="http://schemas.openxmlformats.org/officeDocument/2006/relationships" r:blip="">
+      <dgm:adjLst/>
+    </dgm:shape>
+    <dgm:presOf/>
+    <dgm:constrLst>
+      <dgm:constr type="w" for="ch" ptType="node" refType="w"/>
+      <dgm:constr type="w" for="ch" forName="sibTrans" refType="w" refFor="ch" refPtType="node" op="equ" fact="0.23"/>
+      <dgm:constr type="sp" refType="w" refFor="ch" refForName="sibTrans" op="equ"/>
+      <dgm:constr type="userB" for="des" forName="connectorText" refType="sp"/>
+      <dgm:constr type="primFontSz" for="ch" ptType="node" op="equ" val="65"/>
+      <dgm:constr type="h" for="ch" ptType="sibTrans" op="equ"/>
+      <dgm:constr type="primFontSz" for="des" forName="connectorText" op="equ" val="55"/>
+      <dgm:constr type="primFontSz" for="des" forName="connectorText" refType="primFontSz" refFor="ch" refPtType="node" op="lte" fact="0.8"/>
+    </dgm:constrLst>
+    <dgm:ruleLst/>
+    <dgm:forEach name="nodesForEach" axis="ch" ptType="node">
+      <dgm:layoutNode name="node">
+        <dgm:varLst>
+          <dgm:bulletEnabled val="1"/>
+        </dgm:varLst>
+        <dgm:alg type="tx"/>
+        <dgm:shape xmlns:r="http://schemas.openxmlformats.org/officeDocument/2006/relationships" type="rect" r:blip="">
+          <dgm:adjLst/>
+        </dgm:shape>
+        <dgm:presOf axis="desOrSelf" ptType="node"/>
+        <dgm:constrLst>
+          <dgm:constr type="h" refType="w" fact="0.6"/>
+          <dgm:constr type="tMarg" refType="h" fact="0.243"/>
+          <dgm:constr type="bMarg" refType="h" fact="0.243"/>
+          <dgm:constr type="lMarg" refType="w" fact="0.1389"/>
+          <dgm:constr type="rMarg" refType="w" fact="0.1389"/>
+        </dgm:constrLst>
+        <dgm:ruleLst>
+          <dgm:rule type="primFontSz" val="12" fact="NaN" max="NaN"/>
+        </dgm:ruleLst>
+      </dgm:layoutNode>
+      <dgm:forEach name="sibTransForEach" axis="followSib" ptType="sibTrans" cnt="1">
+        <dgm:layoutNode name="sibTrans">
+          <dgm:choose name="Name4">
+            <dgm:if name="Name5" axis="self" func="var" arg="dir" op="equ" val="norm">
+              <dgm:alg type="conn">
+                <dgm:param type="connRout" val="bend"/>
+                <dgm:param type="dim" val="1D"/>
+                <dgm:param type="begPts" val="midR bCtr"/>
+                <dgm:param type="endPts" val="midL tCtr"/>
+              </dgm:alg>
+            </dgm:if>
+            <dgm:else name="Name6">
+              <dgm:alg type="conn">
+                <dgm:param type="connRout" val="bend"/>
+                <dgm:param type="dim" val="1D"/>
+                <dgm:param type="begPts" val="midL bCtr"/>
+                <dgm:param type="endPts" val="midR tCtr"/>
+              </dgm:alg>
+            </dgm:else>
+          </dgm:choose>
+          <dgm:shape xmlns:r="http://schemas.openxmlformats.org/officeDocument/2006/relationships" type="conn" r:blip="" zOrderOff="-2">
+            <dgm:adjLst/>
+          </dgm:shape>
+          <dgm:presOf axis="self"/>
+          <dgm:constrLst>
+            <dgm:constr type="begPad" val="-0.05"/>
+            <dgm:constr type="endPad" val="0.9"/>
+            <dgm:constr type="userA" for="ch" refType="connDist"/>
+          </dgm:constrLst>
+          <dgm:ruleLst/>
+          <dgm:layoutNode name="connectorText">
+            <dgm:alg type="tx">
+              <dgm:param type="autoTxRot" val="upr"/>
+            </dgm:alg>
+            <dgm:shape xmlns:r="http://schemas.openxmlformats.org/officeDocument/2006/relationships" type="rect" r:blip="" hideGeom="1">
+              <dgm:adjLst/>
+            </dgm:shape>
+            <dgm:presOf axis="self"/>
+            <dgm:constrLst>
+              <dgm:constr type="userA"/>
+              <dgm:constr type="userB"/>
+              <dgm:constr type="w" refType="userA" fact="0.05"/>
+              <dgm:constr type="h" refType="userB" fact="0.01"/>
+              <dgm:constr type="lMarg" val="1"/>
+              <dgm:constr type="rMarg" val="1"/>
+              <dgm:constr type="tMarg"/>
+              <dgm:constr type="bMarg"/>
+            </dgm:constrLst>
+            <dgm:ruleLst>
+              <dgm:rule type="w" val="NaN" fact="0.6" max="NaN"/>
+              <dgm:rule type="h" val="NaN" fact="0.6" max="NaN"/>
+              <dgm:rule type="primFontSz" val="5" fact="NaN" max="NaN"/>
+            </dgm:ruleLst>
+          </dgm:layoutNode>
+        </dgm:layoutNode>
+      </dgm:forEach>
+    </dgm:forEach>
+  </dgm:layoutNode>
+</dgm:layoutDef>
+</file>
+
+<file path=ppt/diagrams/quickStyle1.xml><?xml version="1.0" encoding="utf-8"?>
+<dgm:styleDef xmlns:dgm="http://schemas.openxmlformats.org/drawingml/2006/diagram" xmlns:a="http://schemas.openxmlformats.org/drawingml/2006/main" uniqueId="urn:microsoft.com/office/officeart/2005/8/quickstyle/simple1">
+  <dgm:title val=""/>
+  <dgm:desc val=""/>
+  <dgm:catLst>
+    <dgm:cat type="simple" pri="10100"/>
+  </dgm:catLst>
+  <dgm:scene3d>
+    <a:camera prst="orthographicFront"/>
+    <a:lightRig rig="threePt" dir="t"/>
+  </dgm:scene3d>
+  <dgm:styleLbl name="node0">
+    <dgm:scene3d>
+      <a:camera prst="orthographicFront"/>
+      <a:lightRig rig="threePt" dir="t"/>
+    </dgm:scene3d>
+    <dgm:sp3d/>
+    <dgm:txPr/>
+    <dgm:style>
+      <a:lnRef idx="2">
+        <a:scrgbClr r="0" g="0" b="0"/>
+      </a:lnRef>
+      <a:fillRef idx="1">
+        <a:scrgbClr r="0" g="0" b="0"/>
+      </a:fillRef>
+      <a:effectRef idx="0">
+        <a:scrgbClr r="0" g="0" b="0"/>
+      </a:effectRef>
+      <a:fontRef idx="minor">
+        <a:schemeClr val="lt1"/>
+      </a:fontRef>
+    </dgm:style>
+  </dgm:styleLbl>
+  <dgm:styleLbl name="lnNode1">
+    <dgm:scene3d>
+      <a:camera prst="orthographicFront"/>
+      <a:lightRig rig="threePt" dir="t"/>
+    </dgm:scene3d>
+    <dgm:sp3d/>
+    <dgm:txPr/>
+    <dgm:style>
+      <a:lnRef idx="2">
+        <a:scrgbClr r="0" g="0" b="0"/>
+      </a:lnRef>
+      <a:fillRef idx="1">
+        <a:scrgbClr r="0" g="0" b="0"/>
+      </a:fillRef>
+      <a:effectRef idx="0">
+        <a:scrgbClr r="0" g="0" b="0"/>
+      </a:effectRef>
+      <a:fontRef idx="minor">
+        <a:schemeClr val="lt1"/>
+      </a:fontRef>
+    </dgm:style>
+  </dgm:styleLbl>
+  <dgm:styleLbl name="vennNode1">
+    <dgm:scene3d>
+      <a:camera prst="orthographicFront"/>
+      <a:lightRig rig="threePt" dir="t"/>
+    </dgm:scene3d>
+    <dgm:sp3d/>
+    <dgm:txPr/>
+    <dgm:style>
+      <a:lnRef idx="2">
+        <a:scrgbClr r="0" g="0" b="0"/>
+      </a:lnRef>
+      <a:fillRef idx="1">
+        <a:scrgbClr r="0" g="0" b="0"/>
+      </a:fillRef>
+      <a:effectRef idx="0">
+        <a:scrgbClr r="0" g="0" b="0"/>
+      </a:effectRef>
+      <a:fontRef idx="minor">
+        <a:schemeClr val="tx1"/>
+      </a:fontRef>
+    </dgm:style>
+  </dgm:styleLbl>
+  <dgm:styleLbl name="alignNode1">
+    <dgm:scene3d>
+      <a:camera prst="orthographicFront"/>
+      <a:lightRig rig="threePt" dir="t"/>
+    </dgm:scene3d>
+    <dgm:sp3d/>
+    <dgm:txPr/>
+    <dgm:style>
+      <a:lnRef idx="2">
+        <a:scrgbClr r="0" g="0" b="0"/>
+      </a:lnRef>
+      <a:fillRef idx="1">
+        <a:scrgbClr r="0" g="0" b="0"/>
+      </a:fillRef>
+      <a:effectRef idx="0">
+        <a:scrgbClr r="0" g="0" b="0"/>
+      </a:effectRef>
+      <a:fontRef idx="minor">
+        <a:schemeClr val="lt1"/>
+      </a:fontRef>
+    </dgm:style>
+  </dgm:styleLbl>
+  <dgm:styleLbl name="node1">
+    <dgm:scene3d>
+      <a:camera prst="orthographicFront"/>
+      <a:lightRig rig="threePt" dir="t"/>
+    </dgm:scene3d>
+    <dgm:sp3d/>
+    <dgm:txPr/>
+    <dgm:style>
+      <a:lnRef idx="2">
+        <a:scrgbClr r="0" g="0" b="0"/>
+      </a:lnRef>
+      <a:fillRef idx="1">
+        <a:scrgbClr r="0" g="0" b="0"/>
+      </a:fillRef>
+      <a:effectRef idx="0">
+        <a:scrgbClr r="0" g="0" b="0"/>
+      </a:effectRef>
+      <a:fontRef idx="minor">
+        <a:schemeClr val="lt1"/>
+      </a:fontRef>
+    </dgm:style>
+  </dgm:styleLbl>
+  <dgm:styleLbl name="node2">
+    <dgm:scene3d>
+      <a:camera prst="orthographicFront"/>
+      <a:lightRig rig="threePt" dir="t"/>
+    </dgm:scene3d>
+    <dgm:sp3d/>
+    <dgm:txPr/>
+    <dgm:style>
+      <a:lnRef idx="2">
+        <a:scrgbClr r="0" g="0" b="0"/>
+      </a:lnRef>
+      <a:fillRef idx="1">
+        <a:scrgbClr r="0" g="0" b="0"/>
+      </a:fillRef>
+      <a:effectRef idx="0">
+        <a:scrgbClr r="0" g="0" b="0"/>
+      </a:effectRef>
+      <a:fontRef idx="minor">
+        <a:schemeClr val="lt1"/>
+      </a:fontRef>
+    </dgm:style>
+  </dgm:styleLbl>
+  <dgm:styleLbl name="node3">
+    <dgm:scene3d>
+      <a:camera prst="orthographicFront"/>
+      <a:lightRig rig="threePt" dir="t"/>
+    </dgm:scene3d>
+    <dgm:sp3d/>
+    <dgm:txPr/>
+    <dgm:style>
+      <a:lnRef idx="2">
+        <a:scrgbClr r="0" g="0" b="0"/>
+      </a:lnRef>
+      <a:fillRef idx="1">
+        <a:scrgbClr r="0" g="0" b="0"/>
+      </a:fillRef>
+      <a:effectRef idx="0">
+        <a:scrgbClr r="0" g="0" b="0"/>
+      </a:effectRef>
+      <a:fontRef idx="minor">
+        <a:schemeClr val="lt1"/>
+      </a:fontRef>
+    </dgm:style>
+  </dgm:styleLbl>
+  <dgm:styleLbl name="node4">
+    <dgm:scene3d>
+      <a:camera prst="orthographicFront"/>
+      <a:lightRig rig="threePt" dir="t"/>
+    </dgm:scene3d>
+    <dgm:sp3d/>
+    <dgm:txPr/>
+    <dgm:style>
+      <a:lnRef idx="2">
+        <a:scrgbClr r="0" g="0" b="0"/>
+      </a:lnRef>
+      <a:fillRef idx="1">
+        <a:scrgbClr r="0" g="0" b="0"/>
+      </a:fillRef>
+      <a:effectRef idx="0">
+        <a:scrgbClr r="0" g="0" b="0"/>
+      </a:effectRef>
+      <a:fontRef idx="minor">
+        <a:schemeClr val="lt1"/>
+      </a:fontRef>
+    </dgm:style>
+  </dgm:styleLbl>
+  <dgm:styleLbl name="fgImgPlace1">
+    <dgm:scene3d>
+      <a:camera prst="orthographicFront"/>
+      <a:lightRig rig="threePt" dir="t"/>
+    </dgm:scene3d>
+    <dgm:sp3d/>
+    <dgm:txPr/>
+    <dgm:style>
+      <a:lnRef idx="2">
+        <a:scrgbClr r="0" g="0" b="0"/>
+      </a:lnRef>
+      <a:fillRef idx="1">
+        <a:scrgbClr r="0" g="0" b="0"/>
+      </a:fillRef>
+      <a:effectRef idx="0">
+        <a:scrgbClr r="0" g="0" b="0"/>
+      </a:effectRef>
+      <a:fontRef idx="minor"/>
+    </dgm:style>
+  </dgm:styleLbl>
+  <dgm:styleLbl name="alignImgPlace1">
+    <dgm:scene3d>
+      <a:camera prst="orthographicFront"/>
+      <a:lightRig rig="threePt" dir="t"/>
+    </dgm:scene3d>
+    <dgm:sp3d/>
+    <dgm:txPr/>
+    <dgm:style>
+      <a:lnRef idx="2">
+        <a:scrgbClr r="0" g="0" b="0"/>
+      </a:lnRef>
+      <a:fillRef idx="1">
+        <a:scrgbClr r="0" g="0" b="0"/>
+      </a:fillRef>
+      <a:effectRef idx="0">
+        <a:scrgbClr r="0" g="0" b="0"/>
+      </a:effectRef>
+      <a:fontRef idx="minor"/>
+    </dgm:style>
+  </dgm:styleLbl>
+  <dgm:styleLbl name="bgImgPlace1">
+    <dgm:scene3d>
+      <a:camera prst="orthographicFront"/>
+      <a:lightRig rig="threePt" dir="t"/>
+    </dgm:scene3d>
+    <dgm:sp3d/>
+    <dgm:txPr/>
+    <dgm:style>
+      <a:lnRef idx="2">
+        <a:scrgbClr r="0" g="0" b="0"/>
+      </a:lnRef>
+      <a:fillRef idx="1">
+        <a:scrgbClr r="0" g="0" b="0"/>
+      </a:fillRef>
+      <a:effectRef idx="0">
+        <a:scrgbClr r="0" g="0" b="0"/>
+      </a:effectRef>
+      <a:fontRef idx="minor"/>
+    </dgm:style>
+  </dgm:styleLbl>
+  <dgm:styleLbl name="sibTrans2D1">
+    <dgm:scene3d>
+      <a:camera prst="orthographicFront"/>
+      <a:lightRig rig="threePt" dir="t"/>
+    </dgm:scene3d>
+    <dgm:sp3d/>
+    <dgm:txPr/>
+    <dgm:style>
+      <a:lnRef idx="0">
+        <a:scrgbClr r="0" g="0" b="0"/>
+      </a:lnRef>
+      <a:fillRef idx="1">
+        <a:scrgbClr r="0" g="0" b="0"/>
+      </a:fillRef>
+      <a:effectRef idx="0">
+        <a:scrgbClr r="0" g="0" b="0"/>
+      </a:effectRef>
+      <a:fontRef idx="minor">
+        <a:schemeClr val="lt1"/>
+      </a:fontRef>
+    </dgm:style>
+  </dgm:styleLbl>
+  <dgm:styleLbl name="fgSibTrans2D1">
+    <dgm:scene3d>
+      <a:camera prst="orthographicFront"/>
+      <a:lightRig rig="threePt" dir="t"/>
+    </dgm:scene3d>
+    <dgm:sp3d/>
+    <dgm:txPr/>
+    <dgm:style>
+      <a:lnRef idx="0">
+        <a:scrgbClr r="0" g="0" b="0"/>
+      </a:lnRef>
+      <a:fillRef idx="1">
+        <a:scrgbClr r="0" g="0" b="0"/>
+      </a:fillRef>
+      <a:effectRef idx="0">
+        <a:scrgbClr r="0" g="0" b="0"/>
+      </a:effectRef>
+      <a:fontRef idx="minor">
+        <a:schemeClr val="lt1"/>
+      </a:fontRef>
+    </dgm:style>
+  </dgm:styleLbl>
+  <dgm:styleLbl name="bgSibTrans2D1">
+    <dgm:scene3d>
+      <a:camera prst="orthographicFront"/>
+      <a:lightRig rig="threePt" dir="t"/>
+    </dgm:scene3d>
+    <dgm:sp3d/>
+    <dgm:txPr/>
+    <dgm:style>
+      <a:lnRef idx="0">
+        <a:scrgbClr r="0" g="0" b="0"/>
+      </a:lnRef>
+      <a:fillRef idx="1">
+        <a:scrgbClr r="0" g="0" b="0"/>
+      </a:fillRef>
+      <a:effectRef idx="0">
+        <a:scrgbClr r="0" g="0" b="0"/>
+      </a:effectRef>
+      <a:fontRef idx="minor">
+        <a:schemeClr val="lt1"/>
+      </a:fontRef>
+    </dgm:style>
+  </dgm:styleLbl>
+  <dgm:styleLbl name="sibTrans1D1">
+    <dgm:scene3d>
+      <a:camera prst="orthographicFront"/>
+      <a:lightRig rig="threePt" dir="t"/>
+    </dgm:scene3d>
+    <dgm:sp3d/>
+    <dgm:txPr/>
+    <dgm:style>
+      <a:lnRef idx="1">
+        <a:scrgbClr r="0" g="0" b="0"/>
+      </a:lnRef>
+      <a:fillRef idx="0">
+        <a:scrgbClr r="0" g="0" b="0"/>
+      </a:fillRef>
+      <a:effectRef idx="0">
+        <a:scrgbClr r="0" g="0" b="0"/>
+      </a:effectRef>
+      <a:fontRef idx="minor"/>
+    </dgm:style>
+  </dgm:styleLbl>
+  <dgm:styleLbl name="callout">
+    <dgm:scene3d>
+      <a:camera prst="orthographicFront"/>
+      <a:lightRig rig="threePt" dir="t"/>
+    </dgm:scene3d>
+    <dgm:sp3d/>
+    <dgm:txPr/>
+    <dgm:style>
+      <a:lnRef idx="2">
+        <a:scrgbClr r="0" g="0" b="0"/>
+      </a:lnRef>
+      <a:fillRef idx="1">
+        <a:scrgbClr r="0" g="0" b="0"/>
+      </a:fillRef>
+      <a:effectRef idx="0">
+        <a:scrgbClr r="0" g="0" b="0"/>
+      </a:effectRef>
+      <a:fontRef idx="minor"/>
+    </dgm:style>
+  </dgm:styleLbl>
+  <dgm:styleLbl name="asst0">
+    <dgm:scene3d>
+      <a:camera prst="orthographicFront"/>
+      <a:lightRig rig="threePt" dir="t"/>
+    </dgm:scene3d>
+    <dgm:sp3d/>
+    <dgm:txPr/>
+    <dgm:style>
+      <a:lnRef idx="2">
+        <a:scrgbClr r="0" g="0" b="0"/>
+      </a:lnRef>
+      <a:fillRef idx="1">
+        <a:scrgbClr r="0" g="0" b="0"/>
+      </a:fillRef>
+      <a:effectRef idx="0">
+        <a:scrgbClr r="0" g="0" b="0"/>
+      </a:effectRef>
+      <a:fontRef idx="minor">
+        <a:schemeClr val="lt1"/>
+      </a:fontRef>
+    </dgm:style>
+  </dgm:styleLbl>
+  <dgm:styleLbl name="asst1">
+    <dgm:scene3d>
+      <a:camera prst="orthographicFront"/>
+      <a:lightRig rig="threePt" dir="t"/>
+    </dgm:scene3d>
+    <dgm:sp3d/>
+    <dgm:txPr/>
+    <dgm:style>
+      <a:lnRef idx="2">
+        <a:scrgbClr r="0" g="0" b="0"/>
+      </a:lnRef>
+      <a:fillRef idx="1">
+        <a:scrgbClr r="0" g="0" b="0"/>
+      </a:fillRef>
+      <a:effectRef idx="0">
+        <a:scrgbClr r="0" g="0" b="0"/>
+      </a:effectRef>
+      <a:fontRef idx="minor">
+        <a:schemeClr val="lt1"/>
+      </a:fontRef>
+    </dgm:style>
+  </dgm:styleLbl>
+  <dgm:styleLbl name="asst2">
+    <dgm:scene3d>
+      <a:camera prst="orthographicFront"/>
+      <a:lightRig rig="threePt" dir="t"/>
+    </dgm:scene3d>
+    <dgm:sp3d/>
+    <dgm:txPr/>
+    <dgm:style>
+      <a:lnRef idx="2">
+        <a:scrgbClr r="0" g="0" b="0"/>
+      </a:lnRef>
+      <a:fillRef idx="1">
+        <a:scrgbClr r="0" g="0" b="0"/>
+      </a:fillRef>
+      <a:effectRef idx="0">
+        <a:scrgbClr r="0" g="0" b="0"/>
+      </a:effectRef>
+      <a:fontRef idx="minor">
+        <a:schemeClr val="lt1"/>
+      </a:fontRef>
+    </dgm:style>
+  </dgm:styleLbl>
+  <dgm:styleLbl name="asst3">
+    <dgm:scene3d>
+      <a:camera prst="orthographicFront"/>
+      <a:lightRig rig="threePt" dir="t"/>
+    </dgm:scene3d>
+    <dgm:sp3d/>
+    <dgm:txPr/>
+    <dgm:style>
+      <a:lnRef idx="2">
+        <a:scrgbClr r="0" g="0" b="0"/>
+      </a:lnRef>
+      <a:fillRef idx="1">
+        <a:scrgbClr r="0" g="0" b="0"/>
+      </a:fillRef>
+      <a:effectRef idx="0">
+        <a:scrgbClr r="0" g="0" b="0"/>
+      </a:effectRef>
+      <a:fontRef idx="minor">
+        <a:schemeClr val="lt1"/>
+      </a:fontRef>
+    </dgm:style>
+  </dgm:styleLbl>
+  <dgm:styleLbl name="asst4">
+    <dgm:scene3d>
+      <a:camera prst="orthographicFront"/>
+      <a:lightRig rig="threePt" dir="t"/>
+    </dgm:scene3d>
+    <dgm:sp3d/>
+    <dgm:txPr/>
+    <dgm:style>
+      <a:lnRef idx="2">
+        <a:scrgbClr r="0" g="0" b="0"/>
+      </a:lnRef>
+      <a:fillRef idx="1">
+        <a:scrgbClr r="0" g="0" b="0"/>
+      </a:fillRef>
+      <a:effectRef idx="0">
+        <a:scrgbClr r="0" g="0" b="0"/>
+      </a:effectRef>
+      <a:fontRef idx="minor">
+        <a:schemeClr val="lt1"/>
+      </a:fontRef>
+    </dgm:style>
+  </dgm:styleLbl>
+  <dgm:styleLbl name="parChTrans2D1">
+    <dgm:scene3d>
+      <a:camera prst="orthographicFront"/>
+      <a:lightRig rig="threePt" dir="t"/>
+    </dgm:scene3d>
+    <dgm:sp3d/>
+    <dgm:txPr/>
+    <dgm:style>
+      <a:lnRef idx="2">
+        <a:scrgbClr r="0" g="0" b="0"/>
+      </a:lnRef>
+      <a:fillRef idx="1">
+        <a:scrgbClr r="0" g="0" b="0"/>
+      </a:fillRef>
+      <a:effectRef idx="0">
+        <a:scrgbClr r="0" g="0" b="0"/>
+      </a:effectRef>
+      <a:fontRef idx="minor">
+        <a:schemeClr val="lt1"/>
+      </a:fontRef>
+    </dgm:style>
+  </dgm:styleLbl>
+  <dgm:styleLbl name="parChTrans2D2">
+    <dgm:scene3d>
+      <a:camera prst="orthographicFront"/>
+      <a:lightRig rig="threePt" dir="t"/>
+    </dgm:scene3d>
+    <dgm:sp3d/>
+    <dgm:txPr/>
+    <dgm:style>
+      <a:lnRef idx="2">
+        <a:scrgbClr r="0" g="0" b="0"/>
+      </a:lnRef>
+      <a:fillRef idx="1">
+        <a:scrgbClr r="0" g="0" b="0"/>
+      </a:fillRef>
+      <a:effectRef idx="0">
+        <a:scrgbClr r="0" g="0" b="0"/>
+      </a:effectRef>
+      <a:fontRef idx="minor">
+        <a:schemeClr val="lt1"/>
+      </a:fontRef>
+    </dgm:style>
+  </dgm:styleLbl>
+  <dgm:styleLbl name="parChTrans2D3">
+    <dgm:scene3d>
+      <a:camera prst="orthographicFront"/>
+      <a:lightRig rig="threePt" dir="t"/>
+    </dgm:scene3d>
+    <dgm:sp3d/>
+    <dgm:txPr/>
+    <dgm:style>
+      <a:lnRef idx="2">
+        <a:scrgbClr r="0" g="0" b="0"/>
+      </a:lnRef>
+      <a:fillRef idx="1">
+        <a:scrgbClr r="0" g="0" b="0"/>
+      </a:fillRef>
+      <a:effectRef idx="0">
+        <a:scrgbClr r="0" g="0" b="0"/>
+      </a:effectRef>
+      <a:fontRef idx="minor">
+        <a:schemeClr val="lt1"/>
+      </a:fontRef>
+    </dgm:style>
+  </dgm:styleLbl>
+  <dgm:styleLbl name="parChTrans2D4">
+    <dgm:scene3d>
+      <a:camera prst="orthographicFront"/>
+      <a:lightRig rig="threePt" dir="t"/>
+    </dgm:scene3d>
+    <dgm:sp3d/>
+    <dgm:txPr/>
+    <dgm:style>
+      <a:lnRef idx="2">
+        <a:scrgbClr r="0" g="0" b="0"/>
+      </a:lnRef>
+      <a:fillRef idx="1">
+        <a:scrgbClr r="0" g="0" b="0"/>
+      </a:fillRef>
+      <a:effectRef idx="0">
+        <a:scrgbClr r="0" g="0" b="0"/>
+      </a:effectRef>
+      <a:fontRef idx="minor">
+        <a:schemeClr val="lt1"/>
+      </a:fontRef>
+    </dgm:style>
+  </dgm:styleLbl>
+  <dgm:styleLbl name="parChTrans1D1">
+    <dgm:scene3d>
+      <a:camera prst="orthographicFront"/>
+      <a:lightRig rig="threePt" dir="t"/>
+    </dgm:scene3d>
+    <dgm:sp3d/>
+    <dgm:txPr/>
+    <dgm:style>
+      <a:lnRef idx="2">
+        <a:scrgbClr r="0" g="0" b="0"/>
+      </a:lnRef>
+      <a:fillRef idx="0">
+        <a:scrgbClr r="0" g="0" b="0"/>
+      </a:fillRef>
+      <a:effectRef idx="0">
+        <a:scrgbClr r="0" g="0" b="0"/>
+      </a:effectRef>
+      <a:fontRef idx="minor"/>
+    </dgm:style>
+  </dgm:styleLbl>
+  <dgm:styleLbl name="parChTrans1D2">
+    <dgm:scene3d>
+      <a:camera prst="orthographicFront"/>
+      <a:lightRig rig="threePt" dir="t"/>
+    </dgm:scene3d>
+    <dgm:sp3d/>
+    <dgm:txPr/>
+    <dgm:style>
+      <a:lnRef idx="2">
+        <a:scrgbClr r="0" g="0" b="0"/>
+      </a:lnRef>
+      <a:fillRef idx="0">
+        <a:scrgbClr r="0" g="0" b="0"/>
+      </a:fillRef>
+      <a:effectRef idx="0">
+        <a:scrgbClr r="0" g="0" b="0"/>
+      </a:effectRef>
+      <a:fontRef idx="minor"/>
+    </dgm:style>
+  </dgm:styleLbl>
+  <dgm:styleLbl name="parChTrans1D3">
+    <dgm:scene3d>
+      <a:camera prst="orthographicFront"/>
+      <a:lightRig rig="threePt" dir="t"/>
+    </dgm:scene3d>
+    <dgm:sp3d/>
+    <dgm:txPr/>
+    <dgm:style>
+      <a:lnRef idx="2">
+        <a:scrgbClr r="0" g="0" b="0"/>
+      </a:lnRef>
+      <a:fillRef idx="0">
+        <a:scrgbClr r="0" g="0" b="0"/>
+      </a:fillRef>
+      <a:effectRef idx="0">
+        <a:scrgbClr r="0" g="0" b="0"/>
+      </a:effectRef>
+      <a:fontRef idx="minor"/>
+    </dgm:style>
+  </dgm:styleLbl>
+  <dgm:styleLbl name="parChTrans1D4">
+    <dgm:scene3d>
+      <a:camera prst="orthographicFront"/>
+      <a:lightRig rig="threePt" dir="t"/>
+    </dgm:scene3d>
+    <dgm:sp3d/>
+    <dgm:txPr/>
+    <dgm:style>
+      <a:lnRef idx="2">
+        <a:scrgbClr r="0" g="0" b="0"/>
+      </a:lnRef>
+      <a:fillRef idx="0">
+        <a:scrgbClr r="0" g="0" b="0"/>
+      </a:fillRef>
+      <a:effectRef idx="0">
+        <a:scrgbClr r="0" g="0" b="0"/>
+      </a:effectRef>
+      <a:fontRef idx="minor"/>
+    </dgm:style>
+  </dgm:styleLbl>
+  <dgm:styleLbl name="fgAcc1">
+    <dgm:scene3d>
+      <a:camera prst="orthographicFront"/>
+      <a:lightRig rig="threePt" dir="t"/>
+    </dgm:scene3d>
+    <dgm:sp3d/>
+    <dgm:txPr/>
+    <dgm:style>
+      <a:lnRef idx="2">
+        <a:scrgbClr r="0" g="0" b="0"/>
+      </a:lnRef>
+      <a:fillRef idx="1">
+        <a:scrgbClr r="0" g="0" b="0"/>
+      </a:fillRef>
+      <a:effectRef idx="0">
+        <a:scrgbClr r="0" g="0" b="0"/>
+      </a:effectRef>
+      <a:fontRef idx="minor"/>
+    </dgm:style>
+  </dgm:styleLbl>
+  <dgm:styleLbl name="conFgAcc1">
+    <dgm:scene3d>
+      <a:camera prst="orthographicFront"/>
+      <a:lightRig rig="threePt" dir="t"/>
+    </dgm:scene3d>
+    <dgm:sp3d/>
+    <dgm:txPr/>
+    <dgm:style>
+      <a:lnRef idx="2">
+        <a:scrgbClr r="0" g="0" b="0"/>
+      </a:lnRef>
+      <a:fillRef idx="1">
+        <a:scrgbClr r="0" g="0" b="0"/>
+      </a:fillRef>
+      <a:effectRef idx="0">
+        <a:scrgbClr r="0" g="0" b="0"/>
+      </a:effectRef>
+      <a:fontRef idx="minor"/>
+    </dgm:style>
+  </dgm:styleLbl>
+  <dgm:styleLbl name="alignAcc1">
+    <dgm:scene3d>
+      <a:camera prst="orthographicFront"/>
+      <a:lightRig rig="threePt" dir="t"/>
+    </dgm:scene3d>
+    <dgm:sp3d/>
+    <dgm:txPr/>
+    <dgm:style>
+      <a:lnRef idx="2">
+        <a:scrgbClr r="0" g="0" b="0"/>
+      </a:lnRef>
+      <a:fillRef idx="1">
+        <a:scrgbClr r="0" g="0" b="0"/>
+      </a:fillRef>
+      <a:effectRef idx="0">
+        <a:scrgbClr r="0" g="0" b="0"/>
+      </a:effectRef>
+      <a:fontRef idx="minor"/>
+    </dgm:style>
+  </dgm:styleLbl>
+  <dgm:styleLbl name="trAlignAcc1">
+    <dgm:scene3d>
+      <a:camera prst="orthographicFront"/>
+      <a:lightRig rig="threePt" dir="t"/>
+    </dgm:scene3d>
+    <dgm:sp3d/>
+    <dgm:txPr/>
+    <dgm:style>
+      <a:lnRef idx="1">
+        <a:scrgbClr r="0" g="0" b="0"/>
+      </a:lnRef>
+      <a:fillRef idx="1">
+        <a:scrgbClr r="0" g="0" b="0"/>
+      </a:fillRef>
+      <a:effectRef idx="0">
+        <a:scrgbClr r="0" g="0" b="0"/>
+      </a:effectRef>
+      <a:fontRef idx="minor"/>
+    </dgm:style>
+  </dgm:styleLbl>
+  <dgm:styleLbl name="bgAcc1">
+    <dgm:scene3d>
+      <a:camera prst="orthographicFront"/>
+      <a:lightRig rig="threePt" dir="t"/>
+    </dgm:scene3d>
+    <dgm:sp3d/>
+    <dgm:txPr/>
+    <dgm:style>
+      <a:lnRef idx="2">
+        <a:scrgbClr r="0" g="0" b="0"/>
+      </a:lnRef>
+      <a:fillRef idx="1">
+        <a:scrgbClr r="0" g="0" b="0"/>
+      </a:fillRef>
+      <a:effectRef idx="0">
+        <a:scrgbClr r="0" g="0" b="0"/>
+      </a:effectRef>
+      <a:fontRef idx="minor"/>
+    </dgm:style>
+  </dgm:styleLbl>
+  <dgm:styleLbl name="solidFgAcc1">
+    <dgm:scene3d>
+      <a:camera prst="orthographicFront"/>
+      <a:lightRig rig="threePt" dir="t"/>
+    </dgm:scene3d>
+    <dgm:sp3d/>
+    <dgm:txPr/>
+    <dgm:style>
+      <a:lnRef idx="2">
+        <a:scrgbClr r="0" g="0" b="0"/>
+      </a:lnRef>
+      <a:fillRef idx="1">
+        <a:scrgbClr r="0" g="0" b="0"/>
+      </a:fillRef>
+      <a:effectRef idx="0">
+        <a:scrgbClr r="0" g="0" b="0"/>
+      </a:effectRef>
+      <a:fontRef idx="minor"/>
+    </dgm:style>
+  </dgm:styleLbl>
+  <dgm:styleLbl name="solidAlignAcc1">
+    <dgm:scene3d>
+      <a:camera prst="orthographicFront"/>
+      <a:lightRig rig="threePt" dir="t"/>
+    </dgm:scene3d>
+    <dgm:sp3d/>
+    <dgm:txPr/>
+    <dgm:style>
+      <a:lnRef idx="2">
+        <a:scrgbClr r="0" g="0" b="0"/>
+      </a:lnRef>
+      <a:fillRef idx="1">
+        <a:scrgbClr r="0" g="0" b="0"/>
+      </a:fillRef>
+      <a:effectRef idx="0">
+        <a:scrgbClr r="0" g="0" b="0"/>
+      </a:effectRef>
+      <a:fontRef idx="minor"/>
+    </dgm:style>
+  </dgm:styleLbl>
+  <dgm:styleLbl name="solidBgAcc1">
+    <dgm:scene3d>
+      <a:camera prst="orthographicFront"/>
+      <a:lightRig rig="threePt" dir="t"/>
+    </dgm:scene3d>
+    <dgm:sp3d/>
+    <dgm:txPr/>
+    <dgm:style>
+      <a:lnRef idx="2">
+        <a:scrgbClr r="0" g="0" b="0"/>
+      </a:lnRef>
+      <a:fillRef idx="1">
+        <a:scrgbClr r="0" g="0" b="0"/>
+      </a:fillRef>
+      <a:effectRef idx="0">
+        <a:scrgbClr r="0" g="0" b="0"/>
+      </a:effectRef>
+      <a:fontRef idx="minor"/>
+    </dgm:style>
+  </dgm:styleLbl>
+  <dgm:styleLbl name="fgAccFollowNode1">
+    <dgm:scene3d>
+      <a:camera prst="orthographicFront"/>
+      <a:lightRig rig="threePt" dir="t"/>
+    </dgm:scene3d>
+    <dgm:sp3d/>
+    <dgm:txPr/>
+    <dgm:style>
+      <a:lnRef idx="2">
+        <a:scrgbClr r="0" g="0" b="0"/>
+      </a:lnRef>
+      <a:fillRef idx="1">
+        <a:scrgbClr r="0" g="0" b="0"/>
+      </a:fillRef>
+      <a:effectRef idx="0">
+        <a:scrgbClr r="0" g="0" b="0"/>
+      </a:effectRef>
+      <a:fontRef idx="minor"/>
+    </dgm:style>
+  </dgm:styleLbl>
+  <dgm:styleLbl name="alignAccFollowNode1">
+    <dgm:scene3d>
+      <a:camera prst="orthographicFront"/>
+      <a:lightRig rig="threePt" dir="t"/>
+    </dgm:scene3d>
+    <dgm:sp3d/>
+    <dgm:txPr/>
+    <dgm:style>
+      <a:lnRef idx="2">
+        <a:scrgbClr r="0" g="0" b="0"/>
+      </a:lnRef>
+      <a:fillRef idx="1">
+        <a:scrgbClr r="0" g="0" b="0"/>
+      </a:fillRef>
+      <a:effectRef idx="0">
+        <a:scrgbClr r="0" g="0" b="0"/>
+      </a:effectRef>
+      <a:fontRef idx="minor"/>
+    </dgm:style>
+  </dgm:styleLbl>
+  <dgm:styleLbl name="bgAccFollowNode1">
+    <dgm:scene3d>
+      <a:camera prst="orthographicFront"/>
+      <a:lightRig rig="threePt" dir="t"/>
+    </dgm:scene3d>
+    <dgm:sp3d/>
+    <dgm:txPr/>
+    <dgm:style>
+      <a:lnRef idx="2">
+        <a:scrgbClr r="0" g="0" b="0"/>
+      </a:lnRef>
+      <a:fillRef idx="1">
+        <a:scrgbClr r="0" g="0" b="0"/>
+      </a:fillRef>
+      <a:effectRef idx="0">
+        <a:scrgbClr r="0" g="0" b="0"/>
+      </a:effectRef>
+      <a:fontRef idx="minor"/>
+    </dgm:style>
+  </dgm:styleLbl>
+  <dgm:styleLbl name="fgAcc0">
+    <dgm:scene3d>
+      <a:camera prst="orthographicFront"/>
+      <a:lightRig rig="threePt" dir="t"/>
+    </dgm:scene3d>
+    <dgm:sp3d/>
+    <dgm:txPr/>
+    <dgm:style>
+      <a:lnRef idx="2">
+        <a:scrgbClr r="0" g="0" b="0"/>
+      </a:lnRef>
+      <a:fillRef idx="1">
+        <a:scrgbClr r="0" g="0" b="0"/>
+      </a:fillRef>
+      <a:effectRef idx="0">
+        <a:scrgbClr r="0" g="0" b="0"/>
+      </a:effectRef>
+      <a:fontRef idx="minor"/>
+    </dgm:style>
+  </dgm:styleLbl>
+  <dgm:styleLbl name="fgAcc2">
+    <dgm:scene3d>
+      <a:camera prst="orthographicFront"/>
+      <a:lightRig rig="threePt" dir="t"/>
+    </dgm:scene3d>
+    <dgm:sp3d/>
+    <dgm:txPr/>
+    <dgm:style>
+      <a:lnRef idx="2">
+        <a:scrgbClr r="0" g="0" b="0"/>
+      </a:lnRef>
+      <a:fillRef idx="1">
+        <a:scrgbClr r="0" g="0" b="0"/>
+      </a:fillRef>
+      <a:effectRef idx="0">
+        <a:scrgbClr r="0" g="0" b="0"/>
+      </a:effectRef>
+      <a:fontRef idx="minor"/>
+    </dgm:style>
+  </dgm:styleLbl>
+  <dgm:styleLbl name="fgAcc3">
+    <dgm:scene3d>
+      <a:camera prst="orthographicFront"/>
+      <a:lightRig rig="threePt" dir="t"/>
+    </dgm:scene3d>
+    <dgm:sp3d/>
+    <dgm:txPr/>
+    <dgm:style>
+      <a:lnRef idx="2">
+        <a:scrgbClr r="0" g="0" b="0"/>
+      </a:lnRef>
+      <a:fillRef idx="1">
+        <a:scrgbClr r="0" g="0" b="0"/>
+      </a:fillRef>
+      <a:effectRef idx="0">
+        <a:scrgbClr r="0" g="0" b="0"/>
+      </a:effectRef>
+      <a:fontRef idx="minor"/>
+    </dgm:style>
+  </dgm:styleLbl>
+  <dgm:styleLbl name="fgAcc4">
+    <dgm:scene3d>
+      <a:camera prst="orthographicFront"/>
+      <a:lightRig rig="threePt" dir="t"/>
+    </dgm:scene3d>
+    <dgm:sp3d/>
+    <dgm:txPr/>
+    <dgm:style>
+      <a:lnRef idx="2">
+        <a:scrgbClr r="0" g="0" b="0"/>
+      </a:lnRef>
+      <a:fillRef idx="1">
+        <a:scrgbClr r="0" g="0" b="0"/>
+      </a:fillRef>
+      <a:effectRef idx="0">
+        <a:scrgbClr r="0" g="0" b="0"/>
+      </a:effectRef>
+      <a:fontRef idx="minor"/>
+    </dgm:style>
+  </dgm:styleLbl>
+  <dgm:styleLbl name="bgShp">
+    <dgm:scene3d>
+      <a:camera prst="orthographicFront"/>
+      <a:lightRig rig="threePt" dir="t"/>
+    </dgm:scene3d>
+    <dgm:sp3d/>
+    <dgm:txPr/>
+    <dgm:style>
+      <a:lnRef idx="0">
+        <a:scrgbClr r="0" g="0" b="0"/>
+      </a:lnRef>
+      <a:fillRef idx="1">
+        <a:scrgbClr r="0" g="0" b="0"/>
+      </a:fillRef>
+      <a:effectRef idx="0">
+        <a:scrgbClr r="0" g="0" b="0"/>
+      </a:effectRef>
+      <a:fontRef idx="minor"/>
+    </dgm:style>
+  </dgm:styleLbl>
+  <dgm:styleLbl name="dkBgShp">
+    <dgm:scene3d>
+      <a:camera prst="orthographicFront"/>
+      <a:lightRig rig="threePt" dir="t"/>
+    </dgm:scene3d>
+    <dgm:sp3d/>
+    <dgm:txPr/>
+    <dgm:style>
+      <a:lnRef idx="0">
+        <a:scrgbClr r="0" g="0" b="0"/>
+      </a:lnRef>
+      <a:fillRef idx="1">
+        <a:scrgbClr r="0" g="0" b="0"/>
+      </a:fillRef>
+      <a:effectRef idx="0">
+        <a:scrgbClr r="0" g="0" b="0"/>
+      </a:effectRef>
+      <a:fontRef idx="minor"/>
+    </dgm:style>
+  </dgm:styleLbl>
+  <dgm:styleLbl name="trBgShp">
+    <dgm:scene3d>
+      <a:camera prst="orthographicFront"/>
+      <a:lightRig rig="threePt" dir="t"/>
+    </dgm:scene3d>
+    <dgm:sp3d/>
+    <dgm:txPr/>
+    <dgm:style>
+      <a:lnRef idx="0">
+        <a:scrgbClr r="0" g="0" b="0"/>
+      </a:lnRef>
+      <a:fillRef idx="1">
+        <a:scrgbClr r="0" g="0" b="0"/>
+      </a:fillRef>
+      <a:effectRef idx="0">
+        <a:scrgbClr r="0" g="0" b="0"/>
+      </a:effectRef>
+      <a:fontRef idx="minor"/>
+    </dgm:style>
+  </dgm:styleLbl>
+  <dgm:styleLbl name="fgShp">
+    <dgm:scene3d>
+      <a:camera prst="orthographicFront"/>
+      <a:lightRig rig="threePt" dir="t"/>
+    </dgm:scene3d>
+    <dgm:sp3d/>
+    <dgm:txPr/>
+    <dgm:style>
+      <a:lnRef idx="2">
+        <a:scrgbClr r="0" g="0" b="0"/>
+      </a:lnRef>
+      <a:fillRef idx="1">
+        <a:scrgbClr r="0" g="0" b="0"/>
+      </a:fillRef>
+      <a:effectRef idx="0">
+        <a:scrgbClr r="0" g="0" b="0"/>
+      </a:effectRef>
+      <a:fontRef idx="minor"/>
+    </dgm:style>
+  </dgm:styleLbl>
+  <dgm:styleLbl name="revTx">
+    <dgm:scene3d>
+      <a:camera prst="orthographicFront"/>
+      <a:lightRig rig="threePt" dir="t"/>
+    </dgm:scene3d>
+    <dgm:sp3d/>
+    <dgm:txPr/>
+    <dgm:style>
+      <a:lnRef idx="0">
+        <a:scrgbClr r="0" g="0" b="0"/>
+      </a:lnRef>
+      <a:fillRef idx="0">
+        <a:scrgbClr r="0" g="0" b="0"/>
+      </a:fillRef>
+      <a:effectRef idx="0">
+        <a:scrgbClr r="0" g="0" b="0"/>
+      </a:effectRef>
+      <a:fontRef idx="minor"/>
+    </dgm:style>
+  </dgm:styleLbl>
+</dgm:styleDef>
 </file>
 
 <file path=ppt/slideLayouts/slideLayout1.xml><?xml version="1.0" encoding="utf-8"?>
@@ -6790,10 +10220,9 @@
           <a:lstStyle/>
           <a:p>
             <a:r>
-              <a:rPr lang="en-SA" sz="5100"/>
+              <a:rPr lang="en-SA" sz="5100" dirty="0"/>
               <a:t>OPENING A NEW ART MUSEUM IN PARIS, France </a:t>
             </a:r>
-            <a:endParaRPr lang="en-SA" sz="5100" dirty="0"/>
           </a:p>
         </p:txBody>
       </p:sp>
@@ -7546,6 +10975,3720 @@
       </p:grpSpPr>
       <p:sp useBgFill="1">
         <p:nvSpPr>
+          <p:cNvPr id="33" name="Rectangle 25">
+            <a:extLst>
+              <a:ext uri="{FF2B5EF4-FFF2-40B4-BE49-F238E27FC236}">
+                <a16:creationId xmlns:a16="http://schemas.microsoft.com/office/drawing/2014/main" id="{E92FEB64-6EEA-4759-B4A4-BD2C1E660BA8}"/>
+              </a:ext>
+              <a:ext uri="{C183D7F6-B498-43B3-948B-1728B52AA6E4}">
+                <adec:decorative xmlns:adec="http://schemas.microsoft.com/office/drawing/2017/decorative" val="1"/>
+              </a:ext>
+            </a:extLst>
+          </p:cNvPr>
+          <p:cNvSpPr>
+            <a:spLocks noGrp="1" noRot="1" noChangeAspect="1" noMove="1" noResize="1" noEditPoints="1" noAdjustHandles="1" noChangeArrowheads="1" noChangeShapeType="1" noTextEdit="1"/>
+          </p:cNvSpPr>
+          <p:nvPr>
+            <p:extLst>
+              <p:ext uri="{386F3935-93C4-4BCD-93E2-E3B085C9AB24}">
+                <p16:designElem xmlns:p16="http://schemas.microsoft.com/office/powerpoint/2015/main" val="1"/>
+              </p:ext>
+            </p:extLst>
+          </p:nvPr>
+        </p:nvSpPr>
+        <p:spPr>
+          <a:xfrm>
+            <a:off x="3048" y="0"/>
+            <a:ext cx="12188952" cy="6858000"/>
+          </a:xfrm>
+          <a:prstGeom prst="rect">
+            <a:avLst/>
+          </a:prstGeom>
+          <a:ln>
+            <a:noFill/>
+          </a:ln>
+        </p:spPr>
+        <p:style>
+          <a:lnRef idx="2">
+            <a:schemeClr val="accent1">
+              <a:shade val="50000"/>
+            </a:schemeClr>
+          </a:lnRef>
+          <a:fillRef idx="1">
+            <a:schemeClr val="accent1"/>
+          </a:fillRef>
+          <a:effectRef idx="0">
+            <a:schemeClr val="accent1"/>
+          </a:effectRef>
+          <a:fontRef idx="minor">
+            <a:schemeClr val="lt1"/>
+          </a:fontRef>
+        </p:style>
+        <p:txBody>
+          <a:bodyPr rtlCol="0" anchor="ctr"/>
+          <a:lstStyle/>
+          <a:p>
+            <a:pPr marL="0" marR="0" lvl="0" indent="0" algn="ctr" defTabSz="914400" rtl="0" eaLnBrk="1" fontAlgn="auto" latinLnBrk="0" hangingPunct="1">
+              <a:lnSpc>
+                <a:spcPct val="100000"/>
+              </a:lnSpc>
+              <a:spcBef>
+                <a:spcPts val="0"/>
+              </a:spcBef>
+              <a:spcAft>
+                <a:spcPts val="0"/>
+              </a:spcAft>
+              <a:buClrTx/>
+              <a:buSzTx/>
+              <a:buFontTx/>
+              <a:buNone/>
+              <a:tabLst/>
+              <a:defRPr/>
+            </a:pPr>
+            <a:endParaRPr kumimoji="0" lang="en-US" sz="1800" b="0" i="0" u="none" strike="noStrike" kern="1200" cap="none" spc="0" normalizeH="0" baseline="0" noProof="0">
+              <a:ln>
+                <a:noFill/>
+              </a:ln>
+              <a:solidFill>
+                <a:prstClr val="white"/>
+              </a:solidFill>
+              <a:effectLst/>
+              <a:uLnTx/>
+              <a:uFillTx/>
+              <a:latin typeface="Calibri" panose="020F0502020204030204"/>
+              <a:ea typeface="+mn-ea"/>
+              <a:cs typeface="+mn-cs"/>
+            </a:endParaRPr>
+          </a:p>
+        </p:txBody>
+      </p:sp>
+      <p:sp>
+        <p:nvSpPr>
+          <p:cNvPr id="35" name="Oval 27">
+            <a:extLst>
+              <a:ext uri="{FF2B5EF4-FFF2-40B4-BE49-F238E27FC236}">
+                <a16:creationId xmlns:a16="http://schemas.microsoft.com/office/drawing/2014/main" id="{B10BB131-AC8E-4A8E-A5D1-36260F720C3B}"/>
+              </a:ext>
+              <a:ext uri="{C183D7F6-B498-43B3-948B-1728B52AA6E4}">
+                <adec:decorative xmlns:adec="http://schemas.microsoft.com/office/drawing/2017/decorative" val="1"/>
+              </a:ext>
+            </a:extLst>
+          </p:cNvPr>
+          <p:cNvSpPr>
+            <a:spLocks noGrp="1" noRot="1" noChangeAspect="1" noMove="1" noResize="1" noEditPoints="1" noAdjustHandles="1" noChangeArrowheads="1" noChangeShapeType="1" noTextEdit="1"/>
+          </p:cNvSpPr>
+          <p:nvPr>
+            <p:extLst>
+              <p:ext uri="{386F3935-93C4-4BCD-93E2-E3B085C9AB24}">
+                <p16:designElem xmlns:p16="http://schemas.microsoft.com/office/powerpoint/2015/main" val="1"/>
+              </p:ext>
+            </p:extLst>
+          </p:nvPr>
+        </p:nvSpPr>
+        <p:spPr>
+          <a:xfrm>
+            <a:off x="707393" y="847600"/>
+            <a:ext cx="4619938" cy="4619938"/>
+          </a:xfrm>
+          <a:prstGeom prst="ellipse">
+            <a:avLst/>
+          </a:prstGeom>
+          <a:solidFill>
+            <a:schemeClr val="accent2"/>
+          </a:solidFill>
+          <a:ln>
+            <a:noFill/>
+          </a:ln>
+        </p:spPr>
+        <p:style>
+          <a:lnRef idx="2">
+            <a:schemeClr val="accent1">
+              <a:shade val="50000"/>
+            </a:schemeClr>
+          </a:lnRef>
+          <a:fillRef idx="1">
+            <a:schemeClr val="accent1"/>
+          </a:fillRef>
+          <a:effectRef idx="0">
+            <a:schemeClr val="accent1"/>
+          </a:effectRef>
+          <a:fontRef idx="minor">
+            <a:schemeClr val="lt1"/>
+          </a:fontRef>
+        </p:style>
+        <p:txBody>
+          <a:bodyPr rtlCol="0" anchor="ctr"/>
+          <a:lstStyle/>
+          <a:p>
+            <a:pPr marL="0" marR="0" lvl="0" indent="0" algn="ctr" defTabSz="914400" rtl="0" eaLnBrk="1" fontAlgn="auto" latinLnBrk="0" hangingPunct="1">
+              <a:lnSpc>
+                <a:spcPct val="100000"/>
+              </a:lnSpc>
+              <a:spcBef>
+                <a:spcPts val="0"/>
+              </a:spcBef>
+              <a:spcAft>
+                <a:spcPts val="0"/>
+              </a:spcAft>
+              <a:buClrTx/>
+              <a:buSzTx/>
+              <a:buFontTx/>
+              <a:buNone/>
+              <a:tabLst/>
+              <a:defRPr/>
+            </a:pPr>
+            <a:endParaRPr kumimoji="0" lang="en-US" sz="1800" b="0" i="0" u="none" strike="noStrike" kern="1200" cap="none" spc="0" normalizeH="0" baseline="0" noProof="0">
+              <a:ln>
+                <a:noFill/>
+              </a:ln>
+              <a:solidFill>
+                <a:prstClr val="white"/>
+              </a:solidFill>
+              <a:effectLst/>
+              <a:uLnTx/>
+              <a:uFillTx/>
+              <a:latin typeface="Calibri" panose="020F0502020204030204"/>
+              <a:ea typeface="+mn-ea"/>
+              <a:cs typeface="+mn-cs"/>
+            </a:endParaRPr>
+          </a:p>
+        </p:txBody>
+      </p:sp>
+      <p:sp>
+        <p:nvSpPr>
+          <p:cNvPr id="2" name="Title 1">
+            <a:extLst>
+              <a:ext uri="{FF2B5EF4-FFF2-40B4-BE49-F238E27FC236}">
+                <a16:creationId xmlns:a16="http://schemas.microsoft.com/office/drawing/2014/main" id="{ADAA6BD9-D484-904F-A29A-BB6C6D1F12ED}"/>
+              </a:ext>
+            </a:extLst>
+          </p:cNvPr>
+          <p:cNvSpPr>
+            <a:spLocks noGrp="1"/>
+          </p:cNvSpPr>
+          <p:nvPr>
+            <p:ph type="title"/>
+          </p:nvPr>
+        </p:nvSpPr>
+        <p:spPr>
+          <a:xfrm>
+            <a:off x="1389278" y="1233241"/>
+            <a:ext cx="3240506" cy="4064628"/>
+          </a:xfrm>
+        </p:spPr>
+        <p:txBody>
+          <a:bodyPr>
+            <a:normAutofit/>
+          </a:bodyPr>
+          <a:lstStyle/>
+          <a:p>
+            <a:r>
+              <a:rPr lang="en-SA">
+                <a:solidFill>
+                  <a:srgbClr val="FFFFFF"/>
+                </a:solidFill>
+              </a:rPr>
+              <a:t>Data</a:t>
+            </a:r>
+            <a:endParaRPr lang="en-SA" b="1">
+              <a:solidFill>
+                <a:srgbClr val="FFFFFF"/>
+              </a:solidFill>
+            </a:endParaRPr>
+          </a:p>
+        </p:txBody>
+      </p:sp>
+      <p:sp>
+        <p:nvSpPr>
+          <p:cNvPr id="37" name="Freeform: Shape 29">
+            <a:extLst>
+              <a:ext uri="{FF2B5EF4-FFF2-40B4-BE49-F238E27FC236}">
+                <a16:creationId xmlns:a16="http://schemas.microsoft.com/office/drawing/2014/main" id="{14847E93-7DC1-4D4B-8829-B19AA7137C50}"/>
+              </a:ext>
+              <a:ext uri="{C183D7F6-B498-43B3-948B-1728B52AA6E4}">
+                <adec:decorative xmlns:adec="http://schemas.microsoft.com/office/drawing/2017/decorative" val="1"/>
+              </a:ext>
+            </a:extLst>
+          </p:cNvPr>
+          <p:cNvSpPr>
+            <a:spLocks noGrp="1" noRot="1" noChangeAspect="1" noMove="1" noResize="1" noEditPoints="1" noAdjustHandles="1" noChangeArrowheads="1" noChangeShapeType="1" noTextEdit="1"/>
+          </p:cNvSpPr>
+          <p:nvPr>
+            <p:extLst>
+              <p:ext uri="{386F3935-93C4-4BCD-93E2-E3B085C9AB24}">
+                <p16:designElem xmlns:p16="http://schemas.microsoft.com/office/powerpoint/2015/main" val="1"/>
+              </p:ext>
+            </p:extLst>
+          </p:nvPr>
+        </p:nvSpPr>
+        <p:spPr>
+          <a:xfrm flipH="1">
+            <a:off x="530529" y="0"/>
+            <a:ext cx="1155142" cy="591009"/>
+          </a:xfrm>
+          <a:custGeom>
+            <a:avLst/>
+            <a:gdLst>
+              <a:gd name="connsiteX0" fmla="*/ 1355 w 1155142"/>
+              <a:gd name="connsiteY0" fmla="*/ 0 h 591009"/>
+              <a:gd name="connsiteX1" fmla="*/ 1153787 w 1155142"/>
+              <a:gd name="connsiteY1" fmla="*/ 0 h 591009"/>
+              <a:gd name="connsiteX2" fmla="*/ 1155142 w 1155142"/>
+              <a:gd name="connsiteY2" fmla="*/ 13438 h 591009"/>
+              <a:gd name="connsiteX3" fmla="*/ 577571 w 1155142"/>
+              <a:gd name="connsiteY3" fmla="*/ 591009 h 591009"/>
+              <a:gd name="connsiteX4" fmla="*/ 0 w 1155142"/>
+              <a:gd name="connsiteY4" fmla="*/ 13438 h 591009"/>
+            </a:gdLst>
+            <a:ahLst/>
+            <a:cxnLst>
+              <a:cxn ang="0">
+                <a:pos x="connsiteX0" y="connsiteY0"/>
+              </a:cxn>
+              <a:cxn ang="0">
+                <a:pos x="connsiteX1" y="connsiteY1"/>
+              </a:cxn>
+              <a:cxn ang="0">
+                <a:pos x="connsiteX2" y="connsiteY2"/>
+              </a:cxn>
+              <a:cxn ang="0">
+                <a:pos x="connsiteX3" y="connsiteY3"/>
+              </a:cxn>
+              <a:cxn ang="0">
+                <a:pos x="connsiteX4" y="connsiteY4"/>
+              </a:cxn>
+            </a:cxnLst>
+            <a:rect l="l" t="t" r="r" b="b"/>
+            <a:pathLst>
+              <a:path w="1155142" h="591009">
+                <a:moveTo>
+                  <a:pt x="1355" y="0"/>
+                </a:moveTo>
+                <a:lnTo>
+                  <a:pt x="1153787" y="0"/>
+                </a:lnTo>
+                <a:lnTo>
+                  <a:pt x="1155142" y="13438"/>
+                </a:lnTo>
+                <a:cubicBezTo>
+                  <a:pt x="1155142" y="332422"/>
+                  <a:pt x="896555" y="591009"/>
+                  <a:pt x="577571" y="591009"/>
+                </a:cubicBezTo>
+                <a:cubicBezTo>
+                  <a:pt x="258587" y="591009"/>
+                  <a:pt x="0" y="332422"/>
+                  <a:pt x="0" y="13438"/>
+                </a:cubicBezTo>
+                <a:close/>
+              </a:path>
+            </a:pathLst>
+          </a:custGeom>
+          <a:solidFill>
+            <a:schemeClr val="accent5"/>
+          </a:solidFill>
+          <a:ln>
+            <a:noFill/>
+          </a:ln>
+        </p:spPr>
+        <p:style>
+          <a:lnRef idx="2">
+            <a:schemeClr val="accent1">
+              <a:shade val="50000"/>
+            </a:schemeClr>
+          </a:lnRef>
+          <a:fillRef idx="1">
+            <a:schemeClr val="accent1"/>
+          </a:fillRef>
+          <a:effectRef idx="0">
+            <a:schemeClr val="accent1"/>
+          </a:effectRef>
+          <a:fontRef idx="minor">
+            <a:schemeClr val="lt1"/>
+          </a:fontRef>
+        </p:style>
+        <p:txBody>
+          <a:bodyPr wrap="square" rtlCol="0" anchor="ctr">
+            <a:noAutofit/>
+          </a:bodyPr>
+          <a:lstStyle/>
+          <a:p>
+            <a:pPr marL="0" marR="0" lvl="0" indent="0" algn="ctr" defTabSz="914400" rtl="0" eaLnBrk="1" fontAlgn="auto" latinLnBrk="0" hangingPunct="1">
+              <a:lnSpc>
+                <a:spcPct val="100000"/>
+              </a:lnSpc>
+              <a:spcBef>
+                <a:spcPts val="0"/>
+              </a:spcBef>
+              <a:spcAft>
+                <a:spcPts val="0"/>
+              </a:spcAft>
+              <a:buClrTx/>
+              <a:buSzTx/>
+              <a:buFontTx/>
+              <a:buNone/>
+              <a:tabLst/>
+              <a:defRPr/>
+            </a:pPr>
+            <a:endParaRPr kumimoji="0" lang="en-US" sz="1800" b="0" i="0" u="none" strike="noStrike" kern="1200" cap="none" spc="0" normalizeH="0" baseline="0" noProof="0">
+              <a:ln>
+                <a:noFill/>
+              </a:ln>
+              <a:solidFill>
+                <a:prstClr val="white"/>
+              </a:solidFill>
+              <a:effectLst/>
+              <a:uLnTx/>
+              <a:uFillTx/>
+              <a:latin typeface="Calibri" panose="020F0502020204030204"/>
+              <a:ea typeface="+mn-ea"/>
+              <a:cs typeface="+mn-cs"/>
+            </a:endParaRPr>
+          </a:p>
+        </p:txBody>
+      </p:sp>
+      <p:sp>
+        <p:nvSpPr>
+          <p:cNvPr id="32" name="Freeform: Shape 31">
+            <a:extLst>
+              <a:ext uri="{FF2B5EF4-FFF2-40B4-BE49-F238E27FC236}">
+                <a16:creationId xmlns:a16="http://schemas.microsoft.com/office/drawing/2014/main" id="{5566D6E1-03A1-4D73-A4E0-35D74D568A04}"/>
+              </a:ext>
+              <a:ext uri="{C183D7F6-B498-43B3-948B-1728B52AA6E4}">
+                <adec:decorative xmlns:adec="http://schemas.microsoft.com/office/drawing/2017/decorative" val="1"/>
+              </a:ext>
+            </a:extLst>
+          </p:cNvPr>
+          <p:cNvSpPr>
+            <a:spLocks noGrp="1" noRot="1" noChangeAspect="1" noMove="1" noResize="1" noEditPoints="1" noAdjustHandles="1" noChangeArrowheads="1" noChangeShapeType="1" noTextEdit="1"/>
+          </p:cNvSpPr>
+          <p:nvPr>
+            <p:extLst>
+              <p:ext uri="{386F3935-93C4-4BCD-93E2-E3B085C9AB24}">
+                <p16:designElem xmlns:p16="http://schemas.microsoft.com/office/powerpoint/2015/main" val="1"/>
+              </p:ext>
+            </p:extLst>
+          </p:nvPr>
+        </p:nvSpPr>
+        <p:spPr>
+          <a:xfrm flipH="1">
+            <a:off x="3961511" y="-1"/>
+            <a:ext cx="1737401" cy="959536"/>
+          </a:xfrm>
+          <a:custGeom>
+            <a:avLst/>
+            <a:gdLst>
+              <a:gd name="connsiteX0" fmla="*/ 0 w 1737401"/>
+              <a:gd name="connsiteY0" fmla="*/ 0 h 959536"/>
+              <a:gd name="connsiteX1" fmla="*/ 123825 w 1737401"/>
+              <a:gd name="connsiteY1" fmla="*/ 0 h 959536"/>
+              <a:gd name="connsiteX2" fmla="*/ 123825 w 1737401"/>
+              <a:gd name="connsiteY2" fmla="*/ 790277 h 959536"/>
+              <a:gd name="connsiteX3" fmla="*/ 1490095 w 1737401"/>
+              <a:gd name="connsiteY3" fmla="*/ 0 h 959536"/>
+              <a:gd name="connsiteX4" fmla="*/ 1737401 w 1737401"/>
+              <a:gd name="connsiteY4" fmla="*/ 0 h 959536"/>
+              <a:gd name="connsiteX5" fmla="*/ 92869 w 1737401"/>
+              <a:gd name="connsiteY5" fmla="*/ 951249 h 959536"/>
+              <a:gd name="connsiteX6" fmla="*/ 61913 w 1737401"/>
+              <a:gd name="connsiteY6" fmla="*/ 959536 h 959536"/>
+              <a:gd name="connsiteX7" fmla="*/ 0 w 1737401"/>
+              <a:gd name="connsiteY7" fmla="*/ 897624 h 959536"/>
+            </a:gdLst>
+            <a:ahLst/>
+            <a:cxnLst>
+              <a:cxn ang="0">
+                <a:pos x="connsiteX0" y="connsiteY0"/>
+              </a:cxn>
+              <a:cxn ang="0">
+                <a:pos x="connsiteX1" y="connsiteY1"/>
+              </a:cxn>
+              <a:cxn ang="0">
+                <a:pos x="connsiteX2" y="connsiteY2"/>
+              </a:cxn>
+              <a:cxn ang="0">
+                <a:pos x="connsiteX3" y="connsiteY3"/>
+              </a:cxn>
+              <a:cxn ang="0">
+                <a:pos x="connsiteX4" y="connsiteY4"/>
+              </a:cxn>
+              <a:cxn ang="0">
+                <a:pos x="connsiteX5" y="connsiteY5"/>
+              </a:cxn>
+              <a:cxn ang="0">
+                <a:pos x="connsiteX6" y="connsiteY6"/>
+              </a:cxn>
+              <a:cxn ang="0">
+                <a:pos x="connsiteX7" y="connsiteY7"/>
+              </a:cxn>
+            </a:cxnLst>
+            <a:rect l="l" t="t" r="r" b="b"/>
+            <a:pathLst>
+              <a:path w="1737401" h="959536">
+                <a:moveTo>
+                  <a:pt x="0" y="0"/>
+                </a:moveTo>
+                <a:lnTo>
+                  <a:pt x="123825" y="0"/>
+                </a:lnTo>
+                <a:lnTo>
+                  <a:pt x="123825" y="790277"/>
+                </a:lnTo>
+                <a:lnTo>
+                  <a:pt x="1490095" y="0"/>
+                </a:lnTo>
+                <a:lnTo>
+                  <a:pt x="1737401" y="0"/>
+                </a:lnTo>
+                <a:lnTo>
+                  <a:pt x="92869" y="951249"/>
+                </a:lnTo>
+                <a:cubicBezTo>
+                  <a:pt x="83458" y="956688"/>
+                  <a:pt x="72780" y="959546"/>
+                  <a:pt x="61913" y="959536"/>
+                </a:cubicBezTo>
+                <a:cubicBezTo>
+                  <a:pt x="27719" y="959536"/>
+                  <a:pt x="0" y="931818"/>
+                  <a:pt x="0" y="897624"/>
+                </a:cubicBezTo>
+                <a:close/>
+              </a:path>
+            </a:pathLst>
+          </a:custGeom>
+          <a:solidFill>
+            <a:schemeClr val="accent6"/>
+          </a:solidFill>
+          <a:ln w="9525" cap="flat">
+            <a:noFill/>
+            <a:prstDash val="solid"/>
+            <a:miter/>
+          </a:ln>
+        </p:spPr>
+        <p:txBody>
+          <a:bodyPr rtlCol="0" anchor="ctr"/>
+          <a:lstStyle/>
+          <a:p>
+            <a:pPr marL="0" marR="0" lvl="0" indent="0" algn="l" defTabSz="914400" rtl="0" eaLnBrk="1" fontAlgn="auto" latinLnBrk="0" hangingPunct="1">
+              <a:lnSpc>
+                <a:spcPct val="100000"/>
+              </a:lnSpc>
+              <a:spcBef>
+                <a:spcPts val="0"/>
+              </a:spcBef>
+              <a:spcAft>
+                <a:spcPts val="0"/>
+              </a:spcAft>
+              <a:buClrTx/>
+              <a:buSzTx/>
+              <a:buFontTx/>
+              <a:buNone/>
+              <a:tabLst/>
+              <a:defRPr/>
+            </a:pPr>
+            <a:endParaRPr kumimoji="0" lang="en-US" sz="1800" b="0" i="0" u="none" strike="noStrike" kern="1200" cap="none" spc="0" normalizeH="0" baseline="0" noProof="0">
+              <a:ln>
+                <a:noFill/>
+              </a:ln>
+              <a:solidFill>
+                <a:prstClr val="black"/>
+              </a:solidFill>
+              <a:effectLst/>
+              <a:uLnTx/>
+              <a:uFillTx/>
+              <a:latin typeface="Calibri" panose="020F0502020204030204"/>
+              <a:ea typeface="+mn-ea"/>
+              <a:cs typeface="+mn-cs"/>
+            </a:endParaRPr>
+          </a:p>
+        </p:txBody>
+      </p:sp>
+      <p:sp>
+        <p:nvSpPr>
+          <p:cNvPr id="34" name="Freeform: Shape 33">
+            <a:extLst>
+              <a:ext uri="{FF2B5EF4-FFF2-40B4-BE49-F238E27FC236}">
+                <a16:creationId xmlns:a16="http://schemas.microsoft.com/office/drawing/2014/main" id="{9F835A99-04AC-494A-A572-AFE8413CC938}"/>
+              </a:ext>
+              <a:ext uri="{C183D7F6-B498-43B3-948B-1728B52AA6E4}">
+                <adec:decorative xmlns:adec="http://schemas.microsoft.com/office/drawing/2017/decorative" val="1"/>
+              </a:ext>
+            </a:extLst>
+          </p:cNvPr>
+          <p:cNvSpPr>
+            <a:spLocks noGrp="1" noRot="1" noChangeAspect="1" noMove="1" noResize="1" noEditPoints="1" noAdjustHandles="1" noChangeArrowheads="1" noChangeShapeType="1" noTextEdit="1"/>
+          </p:cNvSpPr>
+          <p:nvPr>
+            <p:extLst>
+              <p:ext uri="{386F3935-93C4-4BCD-93E2-E3B085C9AB24}">
+                <p16:designElem xmlns:p16="http://schemas.microsoft.com/office/powerpoint/2015/main" val="1"/>
+              </p:ext>
+            </p:extLst>
+          </p:nvPr>
+        </p:nvSpPr>
+        <p:spPr>
+          <a:xfrm flipH="1">
+            <a:off x="0" y="2936831"/>
+            <a:ext cx="159741" cy="552996"/>
+          </a:xfrm>
+          <a:custGeom>
+            <a:avLst/>
+            <a:gdLst>
+              <a:gd name="connsiteX0" fmla="*/ 159741 w 159741"/>
+              <a:gd name="connsiteY0" fmla="*/ 0 h 552996"/>
+              <a:gd name="connsiteX1" fmla="*/ 159741 w 159741"/>
+              <a:gd name="connsiteY1" fmla="*/ 552996 h 552996"/>
+              <a:gd name="connsiteX2" fmla="*/ 141849 w 159741"/>
+              <a:gd name="connsiteY2" fmla="*/ 543285 h 552996"/>
+              <a:gd name="connsiteX3" fmla="*/ 0 w 159741"/>
+              <a:gd name="connsiteY3" fmla="*/ 276498 h 552996"/>
+              <a:gd name="connsiteX4" fmla="*/ 141849 w 159741"/>
+              <a:gd name="connsiteY4" fmla="*/ 9711 h 552996"/>
+            </a:gdLst>
+            <a:ahLst/>
+            <a:cxnLst>
+              <a:cxn ang="0">
+                <a:pos x="connsiteX0" y="connsiteY0"/>
+              </a:cxn>
+              <a:cxn ang="0">
+                <a:pos x="connsiteX1" y="connsiteY1"/>
+              </a:cxn>
+              <a:cxn ang="0">
+                <a:pos x="connsiteX2" y="connsiteY2"/>
+              </a:cxn>
+              <a:cxn ang="0">
+                <a:pos x="connsiteX3" y="connsiteY3"/>
+              </a:cxn>
+              <a:cxn ang="0">
+                <a:pos x="connsiteX4" y="connsiteY4"/>
+              </a:cxn>
+            </a:cxnLst>
+            <a:rect l="l" t="t" r="r" b="b"/>
+            <a:pathLst>
+              <a:path w="159741" h="552996">
+                <a:moveTo>
+                  <a:pt x="159741" y="0"/>
+                </a:moveTo>
+                <a:lnTo>
+                  <a:pt x="159741" y="552996"/>
+                </a:lnTo>
+                <a:lnTo>
+                  <a:pt x="141849" y="543285"/>
+                </a:lnTo>
+                <a:cubicBezTo>
+                  <a:pt x="56268" y="485467"/>
+                  <a:pt x="0" y="387554"/>
+                  <a:pt x="0" y="276498"/>
+                </a:cubicBezTo>
+                <a:cubicBezTo>
+                  <a:pt x="0" y="165443"/>
+                  <a:pt x="56268" y="67529"/>
+                  <a:pt x="141849" y="9711"/>
+                </a:cubicBezTo>
+                <a:close/>
+              </a:path>
+            </a:pathLst>
+          </a:custGeom>
+          <a:solidFill>
+            <a:schemeClr val="accent4"/>
+          </a:solidFill>
+          <a:ln w="127000">
+            <a:noFill/>
+          </a:ln>
+        </p:spPr>
+        <p:style>
+          <a:lnRef idx="2">
+            <a:schemeClr val="accent1">
+              <a:shade val="50000"/>
+            </a:schemeClr>
+          </a:lnRef>
+          <a:fillRef idx="1">
+            <a:schemeClr val="accent1"/>
+          </a:fillRef>
+          <a:effectRef idx="0">
+            <a:schemeClr val="accent1"/>
+          </a:effectRef>
+          <a:fontRef idx="minor">
+            <a:schemeClr val="lt1"/>
+          </a:fontRef>
+        </p:style>
+        <p:txBody>
+          <a:bodyPr wrap="square" rtlCol="0" anchor="ctr">
+            <a:noAutofit/>
+          </a:bodyPr>
+          <a:lstStyle/>
+          <a:p>
+            <a:pPr marL="0" marR="0" lvl="0" indent="0" algn="ctr" defTabSz="914400" rtl="0" eaLnBrk="1" fontAlgn="auto" latinLnBrk="0" hangingPunct="1">
+              <a:lnSpc>
+                <a:spcPct val="100000"/>
+              </a:lnSpc>
+              <a:spcBef>
+                <a:spcPts val="0"/>
+              </a:spcBef>
+              <a:spcAft>
+                <a:spcPts val="0"/>
+              </a:spcAft>
+              <a:buClrTx/>
+              <a:buSzTx/>
+              <a:buFontTx/>
+              <a:buNone/>
+              <a:tabLst/>
+              <a:defRPr/>
+            </a:pPr>
+            <a:endParaRPr kumimoji="0" lang="en-US" sz="1800" b="0" i="0" u="none" strike="noStrike" kern="1200" cap="none" spc="0" normalizeH="0" baseline="0" noProof="0">
+              <a:ln>
+                <a:noFill/>
+              </a:ln>
+              <a:solidFill>
+                <a:prstClr val="white"/>
+              </a:solidFill>
+              <a:effectLst/>
+              <a:uLnTx/>
+              <a:uFillTx/>
+              <a:latin typeface="Calibri" panose="020F0502020204030204"/>
+              <a:ea typeface="+mn-ea"/>
+              <a:cs typeface="+mn-cs"/>
+            </a:endParaRPr>
+          </a:p>
+        </p:txBody>
+      </p:sp>
+      <p:sp>
+        <p:nvSpPr>
+          <p:cNvPr id="3" name="Content Placeholder 2">
+            <a:extLst>
+              <a:ext uri="{FF2B5EF4-FFF2-40B4-BE49-F238E27FC236}">
+                <a16:creationId xmlns:a16="http://schemas.microsoft.com/office/drawing/2014/main" id="{A3CF7B54-AD13-9A4B-B8B6-E738C774DB8A}"/>
+              </a:ext>
+            </a:extLst>
+          </p:cNvPr>
+          <p:cNvSpPr>
+            <a:spLocks noGrp="1"/>
+          </p:cNvSpPr>
+          <p:nvPr>
+            <p:ph idx="1"/>
+          </p:nvPr>
+        </p:nvSpPr>
+        <p:spPr>
+          <a:xfrm>
+            <a:off x="6096000" y="820880"/>
+            <a:ext cx="5257799" cy="4889350"/>
+          </a:xfrm>
+        </p:spPr>
+        <p:txBody>
+          <a:bodyPr anchor="t">
+            <a:normAutofit/>
+          </a:bodyPr>
+          <a:lstStyle/>
+          <a:p>
+            <a:pPr marL="0" indent="0">
+              <a:buNone/>
+            </a:pPr>
+            <a:r>
+              <a:rPr lang="en-SA" sz="2000" b="1"/>
+              <a:t>Data required:</a:t>
+            </a:r>
+          </a:p>
+          <a:p>
+            <a:r>
+              <a:rPr lang="en-SA" sz="2000"/>
+              <a:t>List of neighborhoods in Paris, France</a:t>
+            </a:r>
+          </a:p>
+          <a:p>
+            <a:r>
+              <a:rPr lang="en-SA" sz="2000"/>
+              <a:t>Latitude and longitude coordinates of those neighborhoods</a:t>
+            </a:r>
+          </a:p>
+          <a:p>
+            <a:r>
+              <a:rPr lang="en-SA" sz="2000"/>
+              <a:t>Venue data, data realted to art museum</a:t>
+            </a:r>
+          </a:p>
+          <a:p>
+            <a:pPr marL="0" indent="0">
+              <a:buNone/>
+            </a:pPr>
+            <a:r>
+              <a:rPr lang="en-SA" sz="2000" b="1"/>
+              <a:t>Data sourced:</a:t>
+            </a:r>
+          </a:p>
+          <a:p>
+            <a:r>
+              <a:rPr lang="en-SA" sz="2000"/>
+              <a:t>Wikipedia page (</a:t>
+            </a:r>
+            <a:r>
+              <a:rPr lang="en-US" sz="2000">
+                <a:hlinkClick r:id="rId2"/>
+              </a:rPr>
+              <a:t>https://en.wikipedia.org/wiki/Category:Districts_of_Paris</a:t>
+            </a:r>
+            <a:r>
+              <a:rPr lang="en-US" sz="2000"/>
+              <a:t>) which contains lists of neighborhoods in Paris, France.</a:t>
+            </a:r>
+          </a:p>
+          <a:p>
+            <a:r>
+              <a:rPr lang="en-US" sz="2000"/>
+              <a:t>Python Geocoder package for latitude and longitude of the neighborhoods.</a:t>
+            </a:r>
+          </a:p>
+          <a:p>
+            <a:r>
+              <a:rPr lang="en-US" sz="2000"/>
+              <a:t>Foursquare API to get venue data for those neighborhoods.</a:t>
+            </a:r>
+          </a:p>
+          <a:p>
+            <a:endParaRPr lang="en-SA" sz="2000"/>
+          </a:p>
+        </p:txBody>
+      </p:sp>
+      <p:sp>
+        <p:nvSpPr>
+          <p:cNvPr id="36" name="Freeform: Shape 35">
+            <a:extLst>
+              <a:ext uri="{FF2B5EF4-FFF2-40B4-BE49-F238E27FC236}">
+                <a16:creationId xmlns:a16="http://schemas.microsoft.com/office/drawing/2014/main" id="{7B786209-1B0B-4CA9-9BDD-F7327066A84D}"/>
+              </a:ext>
+              <a:ext uri="{C183D7F6-B498-43B3-948B-1728B52AA6E4}">
+                <adec:decorative xmlns:adec="http://schemas.microsoft.com/office/drawing/2017/decorative" val="1"/>
+              </a:ext>
+            </a:extLst>
+          </p:cNvPr>
+          <p:cNvSpPr>
+            <a:spLocks noGrp="1" noRot="1" noChangeAspect="1" noMove="1" noResize="1" noEditPoints="1" noAdjustHandles="1" noChangeArrowheads="1" noChangeShapeType="1" noTextEdit="1"/>
+          </p:cNvSpPr>
+          <p:nvPr>
+            <p:extLst>
+              <p:ext uri="{386F3935-93C4-4BCD-93E2-E3B085C9AB24}">
+                <p16:designElem xmlns:p16="http://schemas.microsoft.com/office/powerpoint/2015/main" val="1"/>
+              </p:ext>
+            </p:extLst>
+          </p:nvPr>
+        </p:nvSpPr>
+        <p:spPr>
+          <a:xfrm flipH="1">
+            <a:off x="0" y="5835649"/>
+            <a:ext cx="1548180" cy="1022351"/>
+          </a:xfrm>
+          <a:custGeom>
+            <a:avLst/>
+            <a:gdLst>
+              <a:gd name="connsiteX0" fmla="*/ 61913 w 1548180"/>
+              <a:gd name="connsiteY0" fmla="*/ 0 h 1022351"/>
+              <a:gd name="connsiteX1" fmla="*/ 1548180 w 1548180"/>
+              <a:gd name="connsiteY1" fmla="*/ 0 h 1022351"/>
+              <a:gd name="connsiteX2" fmla="*/ 1548180 w 1548180"/>
+              <a:gd name="connsiteY2" fmla="*/ 123825 h 1022351"/>
+              <a:gd name="connsiteX3" fmla="*/ 123825 w 1548180"/>
+              <a:gd name="connsiteY3" fmla="*/ 123825 h 1022351"/>
+              <a:gd name="connsiteX4" fmla="*/ 123825 w 1548180"/>
+              <a:gd name="connsiteY4" fmla="*/ 1022351 h 1022351"/>
+              <a:gd name="connsiteX5" fmla="*/ 0 w 1548180"/>
+              <a:gd name="connsiteY5" fmla="*/ 1022351 h 1022351"/>
+              <a:gd name="connsiteX6" fmla="*/ 0 w 1548180"/>
+              <a:gd name="connsiteY6" fmla="*/ 61913 h 1022351"/>
+              <a:gd name="connsiteX7" fmla="*/ 61913 w 1548180"/>
+              <a:gd name="connsiteY7" fmla="*/ 0 h 1022351"/>
+            </a:gdLst>
+            <a:ahLst/>
+            <a:cxnLst>
+              <a:cxn ang="0">
+                <a:pos x="connsiteX0" y="connsiteY0"/>
+              </a:cxn>
+              <a:cxn ang="0">
+                <a:pos x="connsiteX1" y="connsiteY1"/>
+              </a:cxn>
+              <a:cxn ang="0">
+                <a:pos x="connsiteX2" y="connsiteY2"/>
+              </a:cxn>
+              <a:cxn ang="0">
+                <a:pos x="connsiteX3" y="connsiteY3"/>
+              </a:cxn>
+              <a:cxn ang="0">
+                <a:pos x="connsiteX4" y="connsiteY4"/>
+              </a:cxn>
+              <a:cxn ang="0">
+                <a:pos x="connsiteX5" y="connsiteY5"/>
+              </a:cxn>
+              <a:cxn ang="0">
+                <a:pos x="connsiteX6" y="connsiteY6"/>
+              </a:cxn>
+              <a:cxn ang="0">
+                <a:pos x="connsiteX7" y="connsiteY7"/>
+              </a:cxn>
+            </a:cxnLst>
+            <a:rect l="l" t="t" r="r" b="b"/>
+            <a:pathLst>
+              <a:path w="1548180" h="1022351">
+                <a:moveTo>
+                  <a:pt x="61913" y="0"/>
+                </a:moveTo>
+                <a:lnTo>
+                  <a:pt x="1548180" y="0"/>
+                </a:lnTo>
+                <a:lnTo>
+                  <a:pt x="1548180" y="123825"/>
+                </a:lnTo>
+                <a:lnTo>
+                  <a:pt x="123825" y="123825"/>
+                </a:lnTo>
+                <a:lnTo>
+                  <a:pt x="123825" y="1022351"/>
+                </a:lnTo>
+                <a:lnTo>
+                  <a:pt x="0" y="1022351"/>
+                </a:lnTo>
+                <a:lnTo>
+                  <a:pt x="0" y="61913"/>
+                </a:lnTo>
+                <a:cubicBezTo>
+                  <a:pt x="0" y="27719"/>
+                  <a:pt x="27719" y="0"/>
+                  <a:pt x="61913" y="0"/>
+                </a:cubicBezTo>
+                <a:close/>
+              </a:path>
+            </a:pathLst>
+          </a:custGeom>
+          <a:solidFill>
+            <a:schemeClr val="accent6"/>
+          </a:solidFill>
+          <a:ln w="9525" cap="flat">
+            <a:noFill/>
+            <a:prstDash val="solid"/>
+            <a:miter/>
+          </a:ln>
+        </p:spPr>
+        <p:txBody>
+          <a:bodyPr rtlCol="0" anchor="ctr"/>
+          <a:lstStyle/>
+          <a:p>
+            <a:pPr marL="0" marR="0" lvl="0" indent="0" algn="l" defTabSz="914400" rtl="0" eaLnBrk="1" fontAlgn="auto" latinLnBrk="0" hangingPunct="1">
+              <a:lnSpc>
+                <a:spcPct val="100000"/>
+              </a:lnSpc>
+              <a:spcBef>
+                <a:spcPts val="0"/>
+              </a:spcBef>
+              <a:spcAft>
+                <a:spcPts val="0"/>
+              </a:spcAft>
+              <a:buClrTx/>
+              <a:buSzTx/>
+              <a:buFontTx/>
+              <a:buNone/>
+              <a:tabLst/>
+              <a:defRPr/>
+            </a:pPr>
+            <a:endParaRPr kumimoji="0" lang="en-US" sz="1800" b="0" i="0" u="none" strike="noStrike" kern="1200" cap="none" spc="0" normalizeH="0" baseline="0" noProof="0">
+              <a:ln>
+                <a:noFill/>
+              </a:ln>
+              <a:solidFill>
+                <a:prstClr val="black"/>
+              </a:solidFill>
+              <a:effectLst/>
+              <a:uLnTx/>
+              <a:uFillTx/>
+              <a:latin typeface="Calibri" panose="020F0502020204030204"/>
+              <a:ea typeface="+mn-ea"/>
+              <a:cs typeface="+mn-cs"/>
+            </a:endParaRPr>
+          </a:p>
+        </p:txBody>
+      </p:sp>
+      <p:sp>
+        <p:nvSpPr>
+          <p:cNvPr id="38" name="Freeform: Shape 37">
+            <a:extLst>
+              <a:ext uri="{FF2B5EF4-FFF2-40B4-BE49-F238E27FC236}">
+                <a16:creationId xmlns:a16="http://schemas.microsoft.com/office/drawing/2014/main" id="{2D2964BB-484D-45AE-AD66-D407D0629652}"/>
+              </a:ext>
+              <a:ext uri="{C183D7F6-B498-43B3-948B-1728B52AA6E4}">
+                <adec:decorative xmlns:adec="http://schemas.microsoft.com/office/drawing/2017/decorative" val="1"/>
+              </a:ext>
+            </a:extLst>
+          </p:cNvPr>
+          <p:cNvSpPr>
+            <a:spLocks noGrp="1" noRot="1" noChangeAspect="1" noMove="1" noResize="1" noEditPoints="1" noAdjustHandles="1" noChangeArrowheads="1" noChangeShapeType="1" noTextEdit="1"/>
+          </p:cNvSpPr>
+          <p:nvPr>
+            <p:extLst>
+              <p:ext uri="{386F3935-93C4-4BCD-93E2-E3B085C9AB24}">
+                <p16:designElem xmlns:p16="http://schemas.microsoft.com/office/powerpoint/2015/main" val="1"/>
+              </p:ext>
+            </p:extLst>
+          </p:nvPr>
+        </p:nvSpPr>
+        <p:spPr>
+          <a:xfrm flipH="1">
+            <a:off x="3405056" y="5717905"/>
+            <a:ext cx="1771609" cy="1140095"/>
+          </a:xfrm>
+          <a:custGeom>
+            <a:avLst/>
+            <a:gdLst>
+              <a:gd name="connsiteX0" fmla="*/ 1561721 w 1771609"/>
+              <a:gd name="connsiteY0" fmla="*/ 763041 h 1140095"/>
+              <a:gd name="connsiteX1" fmla="*/ 1623024 w 1771609"/>
+              <a:gd name="connsiteY1" fmla="*/ 792810 h 1140095"/>
+              <a:gd name="connsiteX2" fmla="*/ 1711735 w 1771609"/>
+              <a:gd name="connsiteY2" fmla="*/ 970132 h 1140095"/>
+              <a:gd name="connsiteX3" fmla="*/ 1771609 w 1771609"/>
+              <a:gd name="connsiteY3" fmla="*/ 1140095 h 1140095"/>
+              <a:gd name="connsiteX4" fmla="*/ 1637225 w 1771609"/>
+              <a:gd name="connsiteY4" fmla="*/ 1140095 h 1140095"/>
+              <a:gd name="connsiteX5" fmla="*/ 1594820 w 1771609"/>
+              <a:gd name="connsiteY5" fmla="*/ 1019711 h 1140095"/>
+              <a:gd name="connsiteX6" fmla="*/ 1513200 w 1771609"/>
+              <a:gd name="connsiteY6" fmla="*/ 856627 h 1140095"/>
+              <a:gd name="connsiteX7" fmla="*/ 1538499 w 1771609"/>
+              <a:gd name="connsiteY7" fmla="*/ 770415 h 1140095"/>
+              <a:gd name="connsiteX8" fmla="*/ 1561721 w 1771609"/>
+              <a:gd name="connsiteY8" fmla="*/ 763041 h 1140095"/>
+              <a:gd name="connsiteX9" fmla="*/ 933455 w 1771609"/>
+              <a:gd name="connsiteY9" fmla="*/ 161309 h 1140095"/>
+              <a:gd name="connsiteX10" fmla="*/ 957797 w 1771609"/>
+              <a:gd name="connsiteY10" fmla="*/ 167970 h 1140095"/>
+              <a:gd name="connsiteX11" fmla="*/ 1286982 w 1771609"/>
+              <a:gd name="connsiteY11" fmla="*/ 387616 h 1140095"/>
+              <a:gd name="connsiteX12" fmla="*/ 1293725 w 1771609"/>
+              <a:gd name="connsiteY12" fmla="*/ 477075 h 1140095"/>
+              <a:gd name="connsiteX13" fmla="*/ 1245453 w 1771609"/>
+              <a:gd name="connsiteY13" fmla="*/ 499154 h 1140095"/>
+              <a:gd name="connsiteX14" fmla="*/ 1245167 w 1771609"/>
+              <a:gd name="connsiteY14" fmla="*/ 499154 h 1140095"/>
+              <a:gd name="connsiteX15" fmla="*/ 1203638 w 1771609"/>
+              <a:gd name="connsiteY15" fmla="*/ 484104 h 1140095"/>
+              <a:gd name="connsiteX16" fmla="*/ 900647 w 1771609"/>
+              <a:gd name="connsiteY16" fmla="*/ 281508 h 1140095"/>
+              <a:gd name="connsiteX17" fmla="*/ 872454 w 1771609"/>
+              <a:gd name="connsiteY17" fmla="*/ 196164 h 1140095"/>
+              <a:gd name="connsiteX18" fmla="*/ 933455 w 1771609"/>
+              <a:gd name="connsiteY18" fmla="*/ 161309 h 1140095"/>
+              <a:gd name="connsiteX19" fmla="*/ 256260 w 1771609"/>
+              <a:gd name="connsiteY19" fmla="*/ 29 h 1140095"/>
+              <a:gd name="connsiteX20" fmla="*/ 454020 w 1771609"/>
+              <a:gd name="connsiteY20" fmla="*/ 13474 h 1140095"/>
+              <a:gd name="connsiteX21" fmla="*/ 509236 w 1771609"/>
+              <a:gd name="connsiteY21" fmla="*/ 84182 h 1140095"/>
+              <a:gd name="connsiteX22" fmla="*/ 445829 w 1771609"/>
+              <a:gd name="connsiteY22" fmla="*/ 139871 h 1140095"/>
+              <a:gd name="connsiteX23" fmla="*/ 437447 w 1771609"/>
+              <a:gd name="connsiteY23" fmla="*/ 139395 h 1140095"/>
+              <a:gd name="connsiteX24" fmla="*/ 73211 w 1771609"/>
+              <a:gd name="connsiteY24" fmla="*/ 137204 h 1140095"/>
+              <a:gd name="connsiteX25" fmla="*/ 749 w 1771609"/>
+              <a:gd name="connsiteY25" fmla="*/ 84082 h 1140095"/>
+              <a:gd name="connsiteX26" fmla="*/ 53871 w 1771609"/>
+              <a:gd name="connsiteY26" fmla="*/ 11621 h 1140095"/>
+              <a:gd name="connsiteX27" fmla="*/ 58352 w 1771609"/>
+              <a:gd name="connsiteY27" fmla="*/ 11093 h 1140095"/>
+              <a:gd name="connsiteX28" fmla="*/ 256260 w 1771609"/>
+              <a:gd name="connsiteY28" fmla="*/ 29 h 1140095"/>
+            </a:gdLst>
+            <a:ahLst/>
+            <a:cxnLst>
+              <a:cxn ang="0">
+                <a:pos x="connsiteX0" y="connsiteY0"/>
+              </a:cxn>
+              <a:cxn ang="0">
+                <a:pos x="connsiteX1" y="connsiteY1"/>
+              </a:cxn>
+              <a:cxn ang="0">
+                <a:pos x="connsiteX2" y="connsiteY2"/>
+              </a:cxn>
+              <a:cxn ang="0">
+                <a:pos x="connsiteX3" y="connsiteY3"/>
+              </a:cxn>
+              <a:cxn ang="0">
+                <a:pos x="connsiteX4" y="connsiteY4"/>
+              </a:cxn>
+              <a:cxn ang="0">
+                <a:pos x="connsiteX5" y="connsiteY5"/>
+              </a:cxn>
+              <a:cxn ang="0">
+                <a:pos x="connsiteX6" y="connsiteY6"/>
+              </a:cxn>
+              <a:cxn ang="0">
+                <a:pos x="connsiteX7" y="connsiteY7"/>
+              </a:cxn>
+              <a:cxn ang="0">
+                <a:pos x="connsiteX8" y="connsiteY8"/>
+              </a:cxn>
+              <a:cxn ang="0">
+                <a:pos x="connsiteX9" y="connsiteY9"/>
+              </a:cxn>
+              <a:cxn ang="0">
+                <a:pos x="connsiteX10" y="connsiteY10"/>
+              </a:cxn>
+              <a:cxn ang="0">
+                <a:pos x="connsiteX11" y="connsiteY11"/>
+              </a:cxn>
+              <a:cxn ang="0">
+                <a:pos x="connsiteX12" y="connsiteY12"/>
+              </a:cxn>
+              <a:cxn ang="0">
+                <a:pos x="connsiteX13" y="connsiteY13"/>
+              </a:cxn>
+              <a:cxn ang="0">
+                <a:pos x="connsiteX14" y="connsiteY14"/>
+              </a:cxn>
+              <a:cxn ang="0">
+                <a:pos x="connsiteX15" y="connsiteY15"/>
+              </a:cxn>
+              <a:cxn ang="0">
+                <a:pos x="connsiteX16" y="connsiteY16"/>
+              </a:cxn>
+              <a:cxn ang="0">
+                <a:pos x="connsiteX17" y="connsiteY17"/>
+              </a:cxn>
+              <a:cxn ang="0">
+                <a:pos x="connsiteX18" y="connsiteY18"/>
+              </a:cxn>
+              <a:cxn ang="0">
+                <a:pos x="connsiteX19" y="connsiteY19"/>
+              </a:cxn>
+              <a:cxn ang="0">
+                <a:pos x="connsiteX20" y="connsiteY20"/>
+              </a:cxn>
+              <a:cxn ang="0">
+                <a:pos x="connsiteX21" y="connsiteY21"/>
+              </a:cxn>
+              <a:cxn ang="0">
+                <a:pos x="connsiteX22" y="connsiteY22"/>
+              </a:cxn>
+              <a:cxn ang="0">
+                <a:pos x="connsiteX23" y="connsiteY23"/>
+              </a:cxn>
+              <a:cxn ang="0">
+                <a:pos x="connsiteX24" y="connsiteY24"/>
+              </a:cxn>
+              <a:cxn ang="0">
+                <a:pos x="connsiteX25" y="connsiteY25"/>
+              </a:cxn>
+              <a:cxn ang="0">
+                <a:pos x="connsiteX26" y="connsiteY26"/>
+              </a:cxn>
+              <a:cxn ang="0">
+                <a:pos x="connsiteX27" y="connsiteY27"/>
+              </a:cxn>
+              <a:cxn ang="0">
+                <a:pos x="connsiteX28" y="connsiteY28"/>
+              </a:cxn>
+            </a:cxnLst>
+            <a:rect l="l" t="t" r="r" b="b"/>
+            <a:pathLst>
+              <a:path w="1771609" h="1140095">
+                <a:moveTo>
+                  <a:pt x="1561721" y="763041"/>
+                </a:moveTo>
+                <a:cubicBezTo>
+                  <a:pt x="1585506" y="760324"/>
+                  <a:pt x="1609722" y="771249"/>
+                  <a:pt x="1623024" y="792810"/>
+                </a:cubicBezTo>
+                <a:cubicBezTo>
+                  <a:pt x="1656300" y="850065"/>
+                  <a:pt x="1685920" y="909291"/>
+                  <a:pt x="1711735" y="970132"/>
+                </a:cubicBezTo>
+                <a:lnTo>
+                  <a:pt x="1771609" y="1140095"/>
+                </a:lnTo>
+                <a:lnTo>
+                  <a:pt x="1637225" y="1140095"/>
+                </a:lnTo>
+                <a:lnTo>
+                  <a:pt x="1594820" y="1019711"/>
+                </a:lnTo>
+                <a:cubicBezTo>
+                  <a:pt x="1571072" y="963753"/>
+                  <a:pt x="1543818" y="909282"/>
+                  <a:pt x="1513200" y="856627"/>
+                </a:cubicBezTo>
+                <a:cubicBezTo>
+                  <a:pt x="1496379" y="825834"/>
+                  <a:pt x="1507704" y="787236"/>
+                  <a:pt x="1538499" y="770415"/>
+                </a:cubicBezTo>
+                <a:cubicBezTo>
+                  <a:pt x="1545912" y="766367"/>
+                  <a:pt x="1553792" y="763946"/>
+                  <a:pt x="1561721" y="763041"/>
+                </a:cubicBezTo>
+                <a:close/>
+                <a:moveTo>
+                  <a:pt x="933455" y="161309"/>
+                </a:moveTo>
+                <a:cubicBezTo>
+                  <a:pt x="941693" y="161855"/>
+                  <a:pt x="949959" y="164025"/>
+                  <a:pt x="957797" y="167970"/>
+                </a:cubicBezTo>
+                <a:cubicBezTo>
+                  <a:pt x="1076184" y="227289"/>
+                  <a:pt x="1186759" y="301068"/>
+                  <a:pt x="1286982" y="387616"/>
+                </a:cubicBezTo>
+                <a:cubicBezTo>
+                  <a:pt x="1313547" y="410457"/>
+                  <a:pt x="1316566" y="450510"/>
+                  <a:pt x="1293725" y="477075"/>
+                </a:cubicBezTo>
+                <a:cubicBezTo>
+                  <a:pt x="1281638" y="491137"/>
+                  <a:pt x="1263998" y="499204"/>
+                  <a:pt x="1245453" y="499154"/>
+                </a:cubicBezTo>
+                <a:lnTo>
+                  <a:pt x="1245167" y="499154"/>
+                </a:lnTo>
+                <a:cubicBezTo>
+                  <a:pt x="1229965" y="499301"/>
+                  <a:pt x="1215220" y="493956"/>
+                  <a:pt x="1203638" y="484104"/>
+                </a:cubicBezTo>
+                <a:cubicBezTo>
+                  <a:pt x="1111407" y="404300"/>
+                  <a:pt x="1009633" y="336248"/>
+                  <a:pt x="900647" y="281508"/>
+                </a:cubicBezTo>
+                <a:cubicBezTo>
+                  <a:pt x="869295" y="265726"/>
+                  <a:pt x="856672" y="227516"/>
+                  <a:pt x="872454" y="196164"/>
+                </a:cubicBezTo>
+                <a:cubicBezTo>
+                  <a:pt x="884290" y="172650"/>
+                  <a:pt x="908742" y="159670"/>
+                  <a:pt x="933455" y="161309"/>
+                </a:cubicBezTo>
+                <a:close/>
+                <a:moveTo>
+                  <a:pt x="256260" y="29"/>
+                </a:moveTo>
+                <a:cubicBezTo>
+                  <a:pt x="322331" y="427"/>
+                  <a:pt x="388378" y="4909"/>
+                  <a:pt x="454020" y="13474"/>
+                </a:cubicBezTo>
+                <a:cubicBezTo>
+                  <a:pt x="488793" y="17752"/>
+                  <a:pt x="513514" y="49409"/>
+                  <a:pt x="509236" y="84182"/>
+                </a:cubicBezTo>
+                <a:cubicBezTo>
+                  <a:pt x="505303" y="116151"/>
+                  <a:pt x="478038" y="140098"/>
+                  <a:pt x="445829" y="139871"/>
+                </a:cubicBezTo>
+                <a:cubicBezTo>
+                  <a:pt x="443027" y="139899"/>
+                  <a:pt x="440227" y="139740"/>
+                  <a:pt x="437447" y="139395"/>
+                </a:cubicBezTo>
+                <a:cubicBezTo>
+                  <a:pt x="316592" y="123615"/>
+                  <a:pt x="194247" y="122878"/>
+                  <a:pt x="73211" y="137204"/>
+                </a:cubicBezTo>
+                <a:cubicBezTo>
+                  <a:pt x="38532" y="142545"/>
+                  <a:pt x="6090" y="118762"/>
+                  <a:pt x="749" y="84082"/>
+                </a:cubicBezTo>
+                <a:cubicBezTo>
+                  <a:pt x="-4591" y="49403"/>
+                  <a:pt x="19192" y="16961"/>
+                  <a:pt x="53871" y="11621"/>
+                </a:cubicBezTo>
+                <a:cubicBezTo>
+                  <a:pt x="55358" y="11392"/>
+                  <a:pt x="56852" y="11216"/>
+                  <a:pt x="58352" y="11093"/>
+                </a:cubicBezTo>
+                <a:cubicBezTo>
+                  <a:pt x="124093" y="3319"/>
+                  <a:pt x="190189" y="-369"/>
+                  <a:pt x="256260" y="29"/>
+                </a:cubicBezTo>
+                <a:close/>
+              </a:path>
+            </a:pathLst>
+          </a:custGeom>
+          <a:solidFill>
+            <a:schemeClr val="accent4"/>
+          </a:solidFill>
+          <a:ln w="9525" cap="flat">
+            <a:noFill/>
+            <a:prstDash val="solid"/>
+            <a:miter/>
+          </a:ln>
+        </p:spPr>
+        <p:txBody>
+          <a:bodyPr rtlCol="0" anchor="ctr"/>
+          <a:lstStyle/>
+          <a:p>
+            <a:pPr marL="0" marR="0" lvl="0" indent="0" algn="l" defTabSz="914400" rtl="0" eaLnBrk="1" fontAlgn="auto" latinLnBrk="0" hangingPunct="1">
+              <a:lnSpc>
+                <a:spcPct val="100000"/>
+              </a:lnSpc>
+              <a:spcBef>
+                <a:spcPts val="0"/>
+              </a:spcBef>
+              <a:spcAft>
+                <a:spcPts val="0"/>
+              </a:spcAft>
+              <a:buClrTx/>
+              <a:buSzTx/>
+              <a:buFontTx/>
+              <a:buNone/>
+              <a:tabLst/>
+              <a:defRPr/>
+            </a:pPr>
+            <a:endParaRPr kumimoji="0" lang="en-US" sz="1800" b="0" i="0" u="none" strike="noStrike" kern="1200" cap="none" spc="0" normalizeH="0" baseline="0" noProof="0">
+              <a:ln>
+                <a:noFill/>
+              </a:ln>
+              <a:solidFill>
+                <a:prstClr val="black"/>
+              </a:solidFill>
+              <a:effectLst/>
+              <a:uLnTx/>
+              <a:uFillTx/>
+              <a:latin typeface="Calibri" panose="020F0502020204030204"/>
+              <a:ea typeface="+mn-ea"/>
+              <a:cs typeface="+mn-cs"/>
+            </a:endParaRPr>
+          </a:p>
+        </p:txBody>
+      </p:sp>
+      <p:sp>
+        <p:nvSpPr>
+          <p:cNvPr id="40" name="Freeform: Shape 39">
+            <a:extLst>
+              <a:ext uri="{FF2B5EF4-FFF2-40B4-BE49-F238E27FC236}">
+                <a16:creationId xmlns:a16="http://schemas.microsoft.com/office/drawing/2014/main" id="{6691AC69-A76E-4DAB-B565-468B6B87ACF3}"/>
+              </a:ext>
+              <a:ext uri="{C183D7F6-B498-43B3-948B-1728B52AA6E4}">
+                <adec:decorative xmlns:adec="http://schemas.microsoft.com/office/drawing/2017/decorative" val="1"/>
+              </a:ext>
+            </a:extLst>
+          </p:cNvPr>
+          <p:cNvSpPr>
+            <a:spLocks noGrp="1" noRot="1" noChangeAspect="1" noMove="1" noResize="1" noEditPoints="1" noAdjustHandles="1" noChangeArrowheads="1" noChangeShapeType="1" noTextEdit="1"/>
+          </p:cNvSpPr>
+          <p:nvPr>
+            <p:extLst>
+              <p:ext uri="{386F3935-93C4-4BCD-93E2-E3B085C9AB24}">
+                <p16:designElem xmlns:p16="http://schemas.microsoft.com/office/powerpoint/2015/main" val="1"/>
+              </p:ext>
+            </p:extLst>
+          </p:nvPr>
+        </p:nvSpPr>
+        <p:spPr>
+          <a:xfrm flipH="1">
+            <a:off x="4132972" y="6258755"/>
+            <a:ext cx="1565940" cy="599245"/>
+          </a:xfrm>
+          <a:custGeom>
+            <a:avLst/>
+            <a:gdLst>
+              <a:gd name="connsiteX0" fmla="*/ 782970 w 1565940"/>
+              <a:gd name="connsiteY0" fmla="*/ 0 h 599245"/>
+              <a:gd name="connsiteX1" fmla="*/ 1528042 w 1565940"/>
+              <a:gd name="connsiteY1" fmla="*/ 480469 h 599245"/>
+              <a:gd name="connsiteX2" fmla="*/ 1565940 w 1565940"/>
+              <a:gd name="connsiteY2" fmla="*/ 599245 h 599245"/>
+              <a:gd name="connsiteX3" fmla="*/ 0 w 1565940"/>
+              <a:gd name="connsiteY3" fmla="*/ 599245 h 599245"/>
+              <a:gd name="connsiteX4" fmla="*/ 37898 w 1565940"/>
+              <a:gd name="connsiteY4" fmla="*/ 480469 h 599245"/>
+              <a:gd name="connsiteX5" fmla="*/ 782970 w 1565940"/>
+              <a:gd name="connsiteY5" fmla="*/ 0 h 599245"/>
+            </a:gdLst>
+            <a:ahLst/>
+            <a:cxnLst>
+              <a:cxn ang="0">
+                <a:pos x="connsiteX0" y="connsiteY0"/>
+              </a:cxn>
+              <a:cxn ang="0">
+                <a:pos x="connsiteX1" y="connsiteY1"/>
+              </a:cxn>
+              <a:cxn ang="0">
+                <a:pos x="connsiteX2" y="connsiteY2"/>
+              </a:cxn>
+              <a:cxn ang="0">
+                <a:pos x="connsiteX3" y="connsiteY3"/>
+              </a:cxn>
+              <a:cxn ang="0">
+                <a:pos x="connsiteX4" y="connsiteY4"/>
+              </a:cxn>
+              <a:cxn ang="0">
+                <a:pos x="connsiteX5" y="connsiteY5"/>
+              </a:cxn>
+            </a:cxnLst>
+            <a:rect l="l" t="t" r="r" b="b"/>
+            <a:pathLst>
+              <a:path w="1565940" h="599245">
+                <a:moveTo>
+                  <a:pt x="782970" y="0"/>
+                </a:moveTo>
+                <a:cubicBezTo>
+                  <a:pt x="1117910" y="0"/>
+                  <a:pt x="1405287" y="198118"/>
+                  <a:pt x="1528042" y="480469"/>
+                </a:cubicBezTo>
+                <a:lnTo>
+                  <a:pt x="1565940" y="599245"/>
+                </a:lnTo>
+                <a:lnTo>
+                  <a:pt x="0" y="599245"/>
+                </a:lnTo>
+                <a:lnTo>
+                  <a:pt x="37898" y="480469"/>
+                </a:lnTo>
+                <a:cubicBezTo>
+                  <a:pt x="160653" y="198118"/>
+                  <a:pt x="448030" y="0"/>
+                  <a:pt x="782970" y="0"/>
+                </a:cubicBezTo>
+                <a:close/>
+              </a:path>
+            </a:pathLst>
+          </a:custGeom>
+          <a:solidFill>
+            <a:schemeClr val="accent2"/>
+          </a:solidFill>
+          <a:ln>
+            <a:noFill/>
+          </a:ln>
+        </p:spPr>
+        <p:style>
+          <a:lnRef idx="2">
+            <a:schemeClr val="accent1">
+              <a:shade val="50000"/>
+            </a:schemeClr>
+          </a:lnRef>
+          <a:fillRef idx="1">
+            <a:schemeClr val="accent1"/>
+          </a:fillRef>
+          <a:effectRef idx="0">
+            <a:schemeClr val="accent1"/>
+          </a:effectRef>
+          <a:fontRef idx="minor">
+            <a:schemeClr val="lt1"/>
+          </a:fontRef>
+        </p:style>
+        <p:txBody>
+          <a:bodyPr wrap="square" rtlCol="0" anchor="ctr">
+            <a:noAutofit/>
+          </a:bodyPr>
+          <a:lstStyle/>
+          <a:p>
+            <a:pPr marL="0" marR="0" lvl="0" indent="0" algn="ctr" defTabSz="914400" rtl="0" eaLnBrk="1" fontAlgn="auto" latinLnBrk="0" hangingPunct="1">
+              <a:lnSpc>
+                <a:spcPct val="100000"/>
+              </a:lnSpc>
+              <a:spcBef>
+                <a:spcPts val="0"/>
+              </a:spcBef>
+              <a:spcAft>
+                <a:spcPts val="0"/>
+              </a:spcAft>
+              <a:buClrTx/>
+              <a:buSzTx/>
+              <a:buFontTx/>
+              <a:buNone/>
+              <a:tabLst/>
+              <a:defRPr/>
+            </a:pPr>
+            <a:endParaRPr kumimoji="0" lang="en-US" sz="1800" b="0" i="0" u="none" strike="noStrike" kern="1200" cap="none" spc="0" normalizeH="0" baseline="0" noProof="0" dirty="0">
+              <a:ln>
+                <a:noFill/>
+              </a:ln>
+              <a:solidFill>
+                <a:prstClr val="white"/>
+              </a:solidFill>
+              <a:effectLst/>
+              <a:uLnTx/>
+              <a:uFillTx/>
+              <a:latin typeface="Calibri" panose="020F0502020204030204"/>
+              <a:ea typeface="+mn-ea"/>
+              <a:cs typeface="+mn-cs"/>
+            </a:endParaRPr>
+          </a:p>
+        </p:txBody>
+      </p:sp>
+    </p:spTree>
+    <p:extLst>
+      <p:ext uri="{BB962C8B-B14F-4D97-AF65-F5344CB8AC3E}">
+        <p14:creationId xmlns:p14="http://schemas.microsoft.com/office/powerpoint/2010/main" val="1829574252"/>
+      </p:ext>
+    </p:extLst>
+  </p:cSld>
+  <p:clrMapOvr>
+    <a:masterClrMapping/>
+  </p:clrMapOvr>
+</p:sld>
+</file>
+
+<file path=ppt/slides/slide4.xml><?xml version="1.0" encoding="utf-8"?>
+<p:sld xmlns:a="http://schemas.openxmlformats.org/drawingml/2006/main" xmlns:r="http://schemas.openxmlformats.org/officeDocument/2006/relationships" xmlns:p="http://schemas.openxmlformats.org/presentationml/2006/main">
+  <p:cSld>
+    <p:bg>
+      <p:bgPr>
+        <a:solidFill>
+          <a:schemeClr val="bg1"/>
+        </a:solidFill>
+        <a:effectLst/>
+      </p:bgPr>
+    </p:bg>
+    <p:spTree>
+      <p:nvGrpSpPr>
+        <p:cNvPr id="1" name=""/>
+        <p:cNvGrpSpPr/>
+        <p:nvPr/>
+      </p:nvGrpSpPr>
+      <p:grpSpPr>
+        <a:xfrm>
+          <a:off x="0" y="0"/>
+          <a:ext cx="0" cy="0"/>
+          <a:chOff x="0" y="0"/>
+          <a:chExt cx="0" cy="0"/>
+        </a:xfrm>
+      </p:grpSpPr>
+      <p:sp useBgFill="1">
+        <p:nvSpPr>
+          <p:cNvPr id="18" name="Rectangle 17">
+            <a:extLst>
+              <a:ext uri="{FF2B5EF4-FFF2-40B4-BE49-F238E27FC236}">
+                <a16:creationId xmlns:a16="http://schemas.microsoft.com/office/drawing/2014/main" id="{545D489D-16E1-484D-867B-144368D74B83}"/>
+              </a:ext>
+              <a:ext uri="{C183D7F6-B498-43B3-948B-1728B52AA6E4}">
+                <adec:decorative xmlns:adec="http://schemas.microsoft.com/office/drawing/2017/decorative" val="1"/>
+              </a:ext>
+            </a:extLst>
+          </p:cNvPr>
+          <p:cNvSpPr>
+            <a:spLocks noGrp="1" noRot="1" noChangeAspect="1" noMove="1" noResize="1" noEditPoints="1" noAdjustHandles="1" noChangeArrowheads="1" noChangeShapeType="1" noTextEdit="1"/>
+          </p:cNvSpPr>
+          <p:nvPr>
+            <p:extLst>
+              <p:ext uri="{386F3935-93C4-4BCD-93E2-E3B085C9AB24}">
+                <p16:designElem xmlns:p16="http://schemas.microsoft.com/office/powerpoint/2015/main" val="1"/>
+              </p:ext>
+            </p:extLst>
+          </p:nvPr>
+        </p:nvSpPr>
+        <p:spPr>
+          <a:xfrm>
+            <a:off x="0" y="0"/>
+            <a:ext cx="12188952" cy="6858000"/>
+          </a:xfrm>
+          <a:prstGeom prst="rect">
+            <a:avLst/>
+          </a:prstGeom>
+          <a:ln>
+            <a:noFill/>
+          </a:ln>
+        </p:spPr>
+        <p:style>
+          <a:lnRef idx="2">
+            <a:schemeClr val="accent1">
+              <a:shade val="50000"/>
+            </a:schemeClr>
+          </a:lnRef>
+          <a:fillRef idx="1">
+            <a:schemeClr val="accent1"/>
+          </a:fillRef>
+          <a:effectRef idx="0">
+            <a:schemeClr val="accent1"/>
+          </a:effectRef>
+          <a:fontRef idx="minor">
+            <a:schemeClr val="lt1"/>
+          </a:fontRef>
+        </p:style>
+        <p:txBody>
+          <a:bodyPr rtlCol="0" anchor="ctr"/>
+          <a:lstStyle/>
+          <a:p>
+            <a:pPr marL="0" marR="0" lvl="0" indent="0" algn="ctr" defTabSz="914400" rtl="0" eaLnBrk="1" fontAlgn="auto" latinLnBrk="0" hangingPunct="1">
+              <a:lnSpc>
+                <a:spcPct val="100000"/>
+              </a:lnSpc>
+              <a:spcBef>
+                <a:spcPts val="0"/>
+              </a:spcBef>
+              <a:spcAft>
+                <a:spcPts val="0"/>
+              </a:spcAft>
+              <a:buClrTx/>
+              <a:buSzTx/>
+              <a:buFontTx/>
+              <a:buNone/>
+              <a:tabLst/>
+              <a:defRPr/>
+            </a:pPr>
+            <a:endParaRPr kumimoji="0" lang="en-US" sz="1800" b="0" i="0" u="none" strike="noStrike" kern="1200" cap="none" spc="0" normalizeH="0" baseline="0" noProof="0">
+              <a:ln>
+                <a:noFill/>
+              </a:ln>
+              <a:solidFill>
+                <a:prstClr val="white"/>
+              </a:solidFill>
+              <a:effectLst/>
+              <a:uLnTx/>
+              <a:uFillTx/>
+              <a:latin typeface="Calibri" panose="020F0502020204030204"/>
+              <a:ea typeface="+mn-ea"/>
+              <a:cs typeface="+mn-cs"/>
+            </a:endParaRPr>
+          </a:p>
+        </p:txBody>
+      </p:sp>
+      <p:sp>
+        <p:nvSpPr>
+          <p:cNvPr id="20" name="Rectangle 19">
+            <a:extLst>
+              <a:ext uri="{FF2B5EF4-FFF2-40B4-BE49-F238E27FC236}">
+                <a16:creationId xmlns:a16="http://schemas.microsoft.com/office/drawing/2014/main" id="{49A496F5-B01E-4BF8-9D1E-C4E53B6F9652}"/>
+              </a:ext>
+              <a:ext uri="{C183D7F6-B498-43B3-948B-1728B52AA6E4}">
+                <adec:decorative xmlns:adec="http://schemas.microsoft.com/office/drawing/2017/decorative" val="1"/>
+              </a:ext>
+            </a:extLst>
+          </p:cNvPr>
+          <p:cNvSpPr>
+            <a:spLocks noGrp="1" noRot="1" noChangeAspect="1" noMove="1" noResize="1" noEditPoints="1" noAdjustHandles="1" noChangeArrowheads="1" noChangeShapeType="1" noTextEdit="1"/>
+          </p:cNvSpPr>
+          <p:nvPr>
+            <p:extLst>
+              <p:ext uri="{386F3935-93C4-4BCD-93E2-E3B085C9AB24}">
+                <p16:designElem xmlns:p16="http://schemas.microsoft.com/office/powerpoint/2015/main" val="1"/>
+              </p:ext>
+            </p:extLst>
+          </p:nvPr>
+        </p:nvSpPr>
+        <p:spPr>
+          <a:xfrm>
+            <a:off x="0" y="0"/>
+            <a:ext cx="4522573" cy="6858000"/>
+          </a:xfrm>
+          <a:prstGeom prst="rect">
+            <a:avLst/>
+          </a:prstGeom>
+          <a:solidFill>
+            <a:schemeClr val="accent2"/>
+          </a:solidFill>
+          <a:ln>
+            <a:noFill/>
+          </a:ln>
+        </p:spPr>
+        <p:style>
+          <a:lnRef idx="2">
+            <a:schemeClr val="accent1">
+              <a:shade val="50000"/>
+            </a:schemeClr>
+          </a:lnRef>
+          <a:fillRef idx="1">
+            <a:schemeClr val="accent1"/>
+          </a:fillRef>
+          <a:effectRef idx="0">
+            <a:schemeClr val="accent1"/>
+          </a:effectRef>
+          <a:fontRef idx="minor">
+            <a:schemeClr val="lt1"/>
+          </a:fontRef>
+        </p:style>
+        <p:txBody>
+          <a:bodyPr rtlCol="0" anchor="ctr"/>
+          <a:lstStyle/>
+          <a:p>
+            <a:pPr marL="0" marR="0" lvl="0" indent="0" algn="ctr" defTabSz="914400" rtl="0" eaLnBrk="1" fontAlgn="auto" latinLnBrk="0" hangingPunct="1">
+              <a:lnSpc>
+                <a:spcPct val="100000"/>
+              </a:lnSpc>
+              <a:spcBef>
+                <a:spcPts val="0"/>
+              </a:spcBef>
+              <a:spcAft>
+                <a:spcPts val="0"/>
+              </a:spcAft>
+              <a:buClrTx/>
+              <a:buSzTx/>
+              <a:buFontTx/>
+              <a:buNone/>
+              <a:tabLst/>
+              <a:defRPr/>
+            </a:pPr>
+            <a:endParaRPr kumimoji="0" lang="en-US" sz="1800" b="0" i="0" u="none" strike="noStrike" kern="1200" cap="none" spc="0" normalizeH="0" baseline="0" noProof="0">
+              <a:ln>
+                <a:noFill/>
+              </a:ln>
+              <a:solidFill>
+                <a:prstClr val="white"/>
+              </a:solidFill>
+              <a:effectLst/>
+              <a:uLnTx/>
+              <a:uFillTx/>
+              <a:latin typeface="Calibri" panose="020F0502020204030204"/>
+              <a:ea typeface="+mn-ea"/>
+              <a:cs typeface="+mn-cs"/>
+            </a:endParaRPr>
+          </a:p>
+        </p:txBody>
+      </p:sp>
+      <p:sp>
+        <p:nvSpPr>
+          <p:cNvPr id="22" name="Arc 21">
+            <a:extLst>
+              <a:ext uri="{FF2B5EF4-FFF2-40B4-BE49-F238E27FC236}">
+                <a16:creationId xmlns:a16="http://schemas.microsoft.com/office/drawing/2014/main" id="{6E895C8D-1379-40B8-8B1B-B6F5AEAF0A6C}"/>
+              </a:ext>
+              <a:ext uri="{C183D7F6-B498-43B3-948B-1728B52AA6E4}">
+                <adec:decorative xmlns:adec="http://schemas.microsoft.com/office/drawing/2017/decorative" val="1"/>
+              </a:ext>
+            </a:extLst>
+          </p:cNvPr>
+          <p:cNvSpPr>
+            <a:spLocks noGrp="1" noRot="1" noChangeAspect="1" noMove="1" noResize="1" noEditPoints="1" noAdjustHandles="1" noChangeArrowheads="1" noChangeShapeType="1" noTextEdit="1"/>
+          </p:cNvSpPr>
+          <p:nvPr>
+            <p:extLst>
+              <p:ext uri="{386F3935-93C4-4BCD-93E2-E3B085C9AB24}">
+                <p16:designElem xmlns:p16="http://schemas.microsoft.com/office/powerpoint/2015/main" val="1"/>
+              </p:ext>
+            </p:extLst>
+          </p:nvPr>
+        </p:nvSpPr>
+        <p:spPr>
+          <a:xfrm rot="20746107">
+            <a:off x="2906963" y="1348064"/>
+            <a:ext cx="2987899" cy="2987899"/>
+          </a:xfrm>
+          <a:prstGeom prst="arc">
+            <a:avLst>
+              <a:gd name="adj1" fmla="val 14612914"/>
+              <a:gd name="adj2" fmla="val 0"/>
+            </a:avLst>
+          </a:prstGeom>
+          <a:ln w="127000" cap="rnd">
+            <a:solidFill>
+              <a:schemeClr val="accent2">
+                <a:lumMod val="75000"/>
+              </a:schemeClr>
+            </a:solidFill>
+            <a:prstDash val="dash"/>
+          </a:ln>
+        </p:spPr>
+        <p:style>
+          <a:lnRef idx="1">
+            <a:schemeClr val="accent1"/>
+          </a:lnRef>
+          <a:fillRef idx="0">
+            <a:schemeClr val="accent1"/>
+          </a:fillRef>
+          <a:effectRef idx="0">
+            <a:schemeClr val="accent1"/>
+          </a:effectRef>
+          <a:fontRef idx="minor">
+            <a:schemeClr val="tx1"/>
+          </a:fontRef>
+        </p:style>
+        <p:txBody>
+          <a:bodyPr rtlCol="0" anchor="ctr"/>
+          <a:lstStyle/>
+          <a:p>
+            <a:pPr marL="0" marR="0" lvl="0" indent="0" algn="ctr" defTabSz="914400" rtl="0" eaLnBrk="1" fontAlgn="auto" latinLnBrk="0" hangingPunct="1">
+              <a:lnSpc>
+                <a:spcPct val="100000"/>
+              </a:lnSpc>
+              <a:spcBef>
+                <a:spcPts val="0"/>
+              </a:spcBef>
+              <a:spcAft>
+                <a:spcPts val="0"/>
+              </a:spcAft>
+              <a:buClrTx/>
+              <a:buSzTx/>
+              <a:buFontTx/>
+              <a:buNone/>
+              <a:tabLst/>
+              <a:defRPr/>
+            </a:pPr>
+            <a:endParaRPr kumimoji="0" lang="en-US" sz="1800" b="0" i="0" u="none" strike="noStrike" kern="1200" cap="none" spc="0" normalizeH="0" baseline="0" noProof="0">
+              <a:ln>
+                <a:noFill/>
+              </a:ln>
+              <a:solidFill>
+                <a:srgbClr val="000000"/>
+              </a:solidFill>
+              <a:effectLst/>
+              <a:uLnTx/>
+              <a:uFillTx/>
+              <a:latin typeface="Calibri" panose="020F0502020204030204"/>
+              <a:ea typeface="+mn-ea"/>
+              <a:cs typeface="+mn-cs"/>
+            </a:endParaRPr>
+          </a:p>
+        </p:txBody>
+      </p:sp>
+      <p:sp>
+        <p:nvSpPr>
+          <p:cNvPr id="2" name="Title 1">
+            <a:extLst>
+              <a:ext uri="{FF2B5EF4-FFF2-40B4-BE49-F238E27FC236}">
+                <a16:creationId xmlns:a16="http://schemas.microsoft.com/office/drawing/2014/main" id="{7D646DE9-7E0C-5D42-AA87-E8347CF98AAD}"/>
+              </a:ext>
+            </a:extLst>
+          </p:cNvPr>
+          <p:cNvSpPr>
+            <a:spLocks noGrp="1"/>
+          </p:cNvSpPr>
+          <p:nvPr>
+            <p:ph type="title"/>
+          </p:nvPr>
+        </p:nvSpPr>
+        <p:spPr>
+          <a:xfrm>
+            <a:off x="838200" y="643467"/>
+            <a:ext cx="2951205" cy="5571066"/>
+          </a:xfrm>
+        </p:spPr>
+        <p:txBody>
+          <a:bodyPr>
+            <a:normAutofit/>
+          </a:bodyPr>
+          <a:lstStyle/>
+          <a:p>
+            <a:r>
+              <a:rPr lang="en-SA" sz="4100">
+                <a:solidFill>
+                  <a:srgbClr val="FFFFFF"/>
+                </a:solidFill>
+              </a:rPr>
+              <a:t>Methodology </a:t>
+            </a:r>
+          </a:p>
+        </p:txBody>
+      </p:sp>
+      <p:graphicFrame>
+        <p:nvGraphicFramePr>
+          <p:cNvPr id="14" name="Content Placeholder 2">
+            <a:extLst>
+              <a:ext uri="{FF2B5EF4-FFF2-40B4-BE49-F238E27FC236}">
+                <a16:creationId xmlns:a16="http://schemas.microsoft.com/office/drawing/2014/main" id="{EAC0627B-FFED-4EFB-9A7A-73F58E0AB61E}"/>
+              </a:ext>
+            </a:extLst>
+          </p:cNvPr>
+          <p:cNvGraphicFramePr>
+            <a:graphicFrameLocks noGrp="1"/>
+          </p:cNvGraphicFramePr>
+          <p:nvPr>
+            <p:ph idx="1"/>
+            <p:extLst>
+              <p:ext uri="{D42A27DB-BD31-4B8C-83A1-F6EECF244321}">
+                <p14:modId xmlns:p14="http://schemas.microsoft.com/office/powerpoint/2010/main" val="4118199031"/>
+              </p:ext>
+            </p:extLst>
+          </p:nvPr>
+        </p:nvGraphicFramePr>
+        <p:xfrm>
+          <a:off x="5237018" y="653693"/>
+          <a:ext cx="6303729" cy="5560839"/>
+        </p:xfrm>
+        <a:graphic>
+          <a:graphicData uri="http://schemas.openxmlformats.org/drawingml/2006/diagram">
+            <dgm:relIds xmlns:dgm="http://schemas.openxmlformats.org/drawingml/2006/diagram" xmlns:r="http://schemas.openxmlformats.org/officeDocument/2006/relationships" r:dm="rId2" r:lo="rId3" r:qs="rId4" r:cs="rId5"/>
+          </a:graphicData>
+        </a:graphic>
+      </p:graphicFrame>
+    </p:spTree>
+    <p:extLst>
+      <p:ext uri="{BB962C8B-B14F-4D97-AF65-F5344CB8AC3E}">
+        <p14:creationId xmlns:p14="http://schemas.microsoft.com/office/powerpoint/2010/main" val="1171068391"/>
+      </p:ext>
+    </p:extLst>
+  </p:cSld>
+  <p:clrMapOvr>
+    <a:masterClrMapping/>
+  </p:clrMapOvr>
+</p:sld>
+</file>
+
+<file path=ppt/slides/slide5.xml><?xml version="1.0" encoding="utf-8"?>
+<p:sld xmlns:a="http://schemas.openxmlformats.org/drawingml/2006/main" xmlns:r="http://schemas.openxmlformats.org/officeDocument/2006/relationships" xmlns:p="http://schemas.openxmlformats.org/presentationml/2006/main">
+  <p:cSld>
+    <p:bg>
+      <p:bgPr>
+        <a:solidFill>
+          <a:schemeClr val="bg1"/>
+        </a:solidFill>
+        <a:effectLst/>
+      </p:bgPr>
+    </p:bg>
+    <p:spTree>
+      <p:nvGrpSpPr>
+        <p:cNvPr id="1" name=""/>
+        <p:cNvGrpSpPr/>
+        <p:nvPr/>
+      </p:nvGrpSpPr>
+      <p:grpSpPr>
+        <a:xfrm>
+          <a:off x="0" y="0"/>
+          <a:ext cx="0" cy="0"/>
+          <a:chOff x="0" y="0"/>
+          <a:chExt cx="0" cy="0"/>
+        </a:xfrm>
+      </p:grpSpPr>
+      <p:sp useBgFill="1">
+        <p:nvSpPr>
+          <p:cNvPr id="16" name="Rectangle 10">
+            <a:extLst>
+              <a:ext uri="{FF2B5EF4-FFF2-40B4-BE49-F238E27FC236}">
+                <a16:creationId xmlns:a16="http://schemas.microsoft.com/office/drawing/2014/main" id="{4F7EBAE4-9945-4473-9E34-B2C66EA0F03D}"/>
+              </a:ext>
+              <a:ext uri="{C183D7F6-B498-43B3-948B-1728B52AA6E4}">
+                <adec:decorative xmlns:adec="http://schemas.microsoft.com/office/drawing/2017/decorative" val="1"/>
+              </a:ext>
+            </a:extLst>
+          </p:cNvPr>
+          <p:cNvSpPr>
+            <a:spLocks noGrp="1" noRot="1" noChangeAspect="1" noMove="1" noResize="1" noEditPoints="1" noAdjustHandles="1" noChangeArrowheads="1" noChangeShapeType="1" noTextEdit="1"/>
+          </p:cNvSpPr>
+          <p:nvPr>
+            <p:extLst>
+              <p:ext uri="{386F3935-93C4-4BCD-93E2-E3B085C9AB24}">
+                <p16:designElem xmlns:p16="http://schemas.microsoft.com/office/powerpoint/2015/main" val="1"/>
+              </p:ext>
+            </p:extLst>
+          </p:nvPr>
+        </p:nvSpPr>
+        <p:spPr bwMode="white">
+          <a:xfrm>
+            <a:off x="0" y="0"/>
+            <a:ext cx="12192000" cy="6858000"/>
+          </a:xfrm>
+          <a:prstGeom prst="rect">
+            <a:avLst/>
+          </a:prstGeom>
+          <a:ln>
+            <a:noFill/>
+          </a:ln>
+        </p:spPr>
+        <p:style>
+          <a:lnRef idx="2">
+            <a:schemeClr val="accent1">
+              <a:shade val="50000"/>
+            </a:schemeClr>
+          </a:lnRef>
+          <a:fillRef idx="1">
+            <a:schemeClr val="accent1"/>
+          </a:fillRef>
+          <a:effectRef idx="0">
+            <a:schemeClr val="accent1"/>
+          </a:effectRef>
+          <a:fontRef idx="minor">
+            <a:schemeClr val="lt1"/>
+          </a:fontRef>
+        </p:style>
+        <p:txBody>
+          <a:bodyPr rtlCol="0" anchor="ctr"/>
+          <a:lstStyle>
+            <a:defPPr>
+              <a:defRPr lang="en-US"/>
+            </a:defPPr>
+            <a:lvl1pPr marL="0" algn="l" defTabSz="914400" rtl="0" eaLnBrk="1" latinLnBrk="0" hangingPunct="1">
+              <a:defRPr sz="1800" kern="1200">
+                <a:solidFill>
+                  <a:schemeClr val="lt1"/>
+                </a:solidFill>
+                <a:latin typeface="+mn-lt"/>
+                <a:ea typeface="+mn-ea"/>
+                <a:cs typeface="+mn-cs"/>
+              </a:defRPr>
+            </a:lvl1pPr>
+            <a:lvl2pPr marL="457200" algn="l" defTabSz="914400" rtl="0" eaLnBrk="1" latinLnBrk="0" hangingPunct="1">
+              <a:defRPr sz="1800" kern="1200">
+                <a:solidFill>
+                  <a:schemeClr val="lt1"/>
+                </a:solidFill>
+                <a:latin typeface="+mn-lt"/>
+                <a:ea typeface="+mn-ea"/>
+                <a:cs typeface="+mn-cs"/>
+              </a:defRPr>
+            </a:lvl2pPr>
+            <a:lvl3pPr marL="914400" algn="l" defTabSz="914400" rtl="0" eaLnBrk="1" latinLnBrk="0" hangingPunct="1">
+              <a:defRPr sz="1800" kern="1200">
+                <a:solidFill>
+                  <a:schemeClr val="lt1"/>
+                </a:solidFill>
+                <a:latin typeface="+mn-lt"/>
+                <a:ea typeface="+mn-ea"/>
+                <a:cs typeface="+mn-cs"/>
+              </a:defRPr>
+            </a:lvl3pPr>
+            <a:lvl4pPr marL="1371600" algn="l" defTabSz="914400" rtl="0" eaLnBrk="1" latinLnBrk="0" hangingPunct="1">
+              <a:defRPr sz="1800" kern="1200">
+                <a:solidFill>
+                  <a:schemeClr val="lt1"/>
+                </a:solidFill>
+                <a:latin typeface="+mn-lt"/>
+                <a:ea typeface="+mn-ea"/>
+                <a:cs typeface="+mn-cs"/>
+              </a:defRPr>
+            </a:lvl4pPr>
+            <a:lvl5pPr marL="1828800" algn="l" defTabSz="914400" rtl="0" eaLnBrk="1" latinLnBrk="0" hangingPunct="1">
+              <a:defRPr sz="1800" kern="1200">
+                <a:solidFill>
+                  <a:schemeClr val="lt1"/>
+                </a:solidFill>
+                <a:latin typeface="+mn-lt"/>
+                <a:ea typeface="+mn-ea"/>
+                <a:cs typeface="+mn-cs"/>
+              </a:defRPr>
+            </a:lvl5pPr>
+            <a:lvl6pPr marL="2286000" algn="l" defTabSz="914400" rtl="0" eaLnBrk="1" latinLnBrk="0" hangingPunct="1">
+              <a:defRPr sz="1800" kern="1200">
+                <a:solidFill>
+                  <a:schemeClr val="lt1"/>
+                </a:solidFill>
+                <a:latin typeface="+mn-lt"/>
+                <a:ea typeface="+mn-ea"/>
+                <a:cs typeface="+mn-cs"/>
+              </a:defRPr>
+            </a:lvl6pPr>
+            <a:lvl7pPr marL="2743200" algn="l" defTabSz="914400" rtl="0" eaLnBrk="1" latinLnBrk="0" hangingPunct="1">
+              <a:defRPr sz="1800" kern="1200">
+                <a:solidFill>
+                  <a:schemeClr val="lt1"/>
+                </a:solidFill>
+                <a:latin typeface="+mn-lt"/>
+                <a:ea typeface="+mn-ea"/>
+                <a:cs typeface="+mn-cs"/>
+              </a:defRPr>
+            </a:lvl7pPr>
+            <a:lvl8pPr marL="3200400" algn="l" defTabSz="914400" rtl="0" eaLnBrk="1" latinLnBrk="0" hangingPunct="1">
+              <a:defRPr sz="1800" kern="1200">
+                <a:solidFill>
+                  <a:schemeClr val="lt1"/>
+                </a:solidFill>
+                <a:latin typeface="+mn-lt"/>
+                <a:ea typeface="+mn-ea"/>
+                <a:cs typeface="+mn-cs"/>
+              </a:defRPr>
+            </a:lvl8pPr>
+            <a:lvl9pPr marL="3657600" algn="l" defTabSz="914400" rtl="0" eaLnBrk="1" latinLnBrk="0" hangingPunct="1">
+              <a:defRPr sz="1800" kern="1200">
+                <a:solidFill>
+                  <a:schemeClr val="lt1"/>
+                </a:solidFill>
+                <a:latin typeface="+mn-lt"/>
+                <a:ea typeface="+mn-ea"/>
+                <a:cs typeface="+mn-cs"/>
+              </a:defRPr>
+            </a:lvl9pPr>
+          </a:lstStyle>
+          <a:p>
+            <a:pPr marL="0" marR="0" lvl="0" indent="0" algn="ctr" defTabSz="914400" rtl="0" eaLnBrk="1" fontAlgn="auto" latinLnBrk="0" hangingPunct="1">
+              <a:lnSpc>
+                <a:spcPct val="100000"/>
+              </a:lnSpc>
+              <a:spcBef>
+                <a:spcPts val="0"/>
+              </a:spcBef>
+              <a:spcAft>
+                <a:spcPts val="0"/>
+              </a:spcAft>
+              <a:buClrTx/>
+              <a:buSzTx/>
+              <a:buFontTx/>
+              <a:buNone/>
+              <a:tabLst/>
+              <a:defRPr/>
+            </a:pPr>
+            <a:endParaRPr kumimoji="0" lang="en-US" sz="1800" b="0" i="0" u="none" strike="noStrike" kern="1200" cap="none" spc="0" normalizeH="0" baseline="0" noProof="0">
+              <a:ln>
+                <a:noFill/>
+              </a:ln>
+              <a:solidFill>
+                <a:prstClr val="white"/>
+              </a:solidFill>
+              <a:effectLst/>
+              <a:uLnTx/>
+              <a:uFillTx/>
+              <a:latin typeface="Calibri" panose="020F0502020204030204"/>
+              <a:ea typeface="+mn-ea"/>
+              <a:cs typeface="+mn-cs"/>
+            </a:endParaRPr>
+          </a:p>
+        </p:txBody>
+      </p:sp>
+      <p:sp>
+        <p:nvSpPr>
+          <p:cNvPr id="2" name="Title 1">
+            <a:extLst>
+              <a:ext uri="{FF2B5EF4-FFF2-40B4-BE49-F238E27FC236}">
+                <a16:creationId xmlns:a16="http://schemas.microsoft.com/office/drawing/2014/main" id="{D5EA2A34-F2A2-BB4E-A039-BE9D94A31C8B}"/>
+              </a:ext>
+            </a:extLst>
+          </p:cNvPr>
+          <p:cNvSpPr>
+            <a:spLocks noGrp="1"/>
+          </p:cNvSpPr>
+          <p:nvPr>
+            <p:ph type="title"/>
+          </p:nvPr>
+        </p:nvSpPr>
+        <p:spPr>
+          <a:xfrm>
+            <a:off x="838200" y="365125"/>
+            <a:ext cx="5393361" cy="1325563"/>
+          </a:xfrm>
+        </p:spPr>
+        <p:txBody>
+          <a:bodyPr>
+            <a:normAutofit/>
+          </a:bodyPr>
+          <a:lstStyle/>
+          <a:p>
+            <a:r>
+              <a:rPr lang="en-SA"/>
+              <a:t>Results </a:t>
+            </a:r>
+            <a:endParaRPr lang="en-SA" dirty="0"/>
+          </a:p>
+        </p:txBody>
+      </p:sp>
+      <p:sp>
+        <p:nvSpPr>
+          <p:cNvPr id="3" name="Content Placeholder 2">
+            <a:extLst>
+              <a:ext uri="{FF2B5EF4-FFF2-40B4-BE49-F238E27FC236}">
+                <a16:creationId xmlns:a16="http://schemas.microsoft.com/office/drawing/2014/main" id="{C2D3350E-5FDC-514B-9919-98498345C110}"/>
+              </a:ext>
+            </a:extLst>
+          </p:cNvPr>
+          <p:cNvSpPr>
+            <a:spLocks noGrp="1"/>
+          </p:cNvSpPr>
+          <p:nvPr>
+            <p:ph idx="1"/>
+          </p:nvPr>
+        </p:nvSpPr>
+        <p:spPr>
+          <a:xfrm>
+            <a:off x="838200" y="1825625"/>
+            <a:ext cx="5393361" cy="4351338"/>
+          </a:xfrm>
+        </p:spPr>
+        <p:txBody>
+          <a:bodyPr>
+            <a:normAutofit/>
+          </a:bodyPr>
+          <a:lstStyle/>
+          <a:p>
+            <a:pPr marL="0" indent="0">
+              <a:buNone/>
+            </a:pPr>
+            <a:r>
+              <a:rPr lang="en-SA" sz="2000" dirty="0"/>
+              <a:t>Categorize the neighborhoods into 3 clusters based on the frequency of occurrence for “Art Museum”:</a:t>
+            </a:r>
+          </a:p>
+          <a:p>
+            <a:r>
+              <a:rPr lang="en-SA" sz="2000" b="1" dirty="0"/>
+              <a:t>Cluster 0:</a:t>
+            </a:r>
+          </a:p>
+          <a:p>
+            <a:pPr marL="0" indent="0">
+              <a:buNone/>
+            </a:pPr>
+            <a:r>
+              <a:rPr lang="en-SA" sz="2000" dirty="0"/>
+              <a:t>Neighborhoods with moderate number of art museums</a:t>
+            </a:r>
+          </a:p>
+          <a:p>
+            <a:r>
+              <a:rPr lang="en-SA" sz="2000" b="1" dirty="0"/>
+              <a:t>Cluster 1:</a:t>
+            </a:r>
+          </a:p>
+          <a:p>
+            <a:pPr marL="0" indent="0">
+              <a:buNone/>
+            </a:pPr>
+            <a:r>
+              <a:rPr lang="en-SA" sz="2000" dirty="0"/>
+              <a:t>Neighborhoods with low number of art museums</a:t>
+            </a:r>
+          </a:p>
+          <a:p>
+            <a:r>
+              <a:rPr lang="en-SA" sz="2000" b="1" dirty="0"/>
+              <a:t>Cluster 2: </a:t>
+            </a:r>
+          </a:p>
+          <a:p>
+            <a:pPr marL="0" indent="0">
+              <a:buNone/>
+            </a:pPr>
+            <a:r>
+              <a:rPr lang="en-SA" sz="2000" dirty="0"/>
+              <a:t>Neighborhoods with hig number of art museums</a:t>
+            </a:r>
+          </a:p>
+          <a:p>
+            <a:pPr marL="0" indent="0">
+              <a:buNone/>
+            </a:pPr>
+            <a:endParaRPr lang="en-SA" sz="2000" dirty="0"/>
+          </a:p>
+          <a:p>
+            <a:pPr marL="0" indent="0">
+              <a:buNone/>
+            </a:pPr>
+            <a:endParaRPr lang="en-SA" sz="2000" dirty="0"/>
+          </a:p>
+          <a:p>
+            <a:endParaRPr lang="en-SA" sz="2000" dirty="0"/>
+          </a:p>
+          <a:p>
+            <a:endParaRPr lang="en-SA" sz="2000" dirty="0"/>
+          </a:p>
+        </p:txBody>
+      </p:sp>
+      <p:pic>
+        <p:nvPicPr>
+          <p:cNvPr id="6" name="Picture 5">
+            <a:extLst>
+              <a:ext uri="{FF2B5EF4-FFF2-40B4-BE49-F238E27FC236}">
+                <a16:creationId xmlns:a16="http://schemas.microsoft.com/office/drawing/2014/main" id="{504976AF-165B-FD4F-B179-6B0894426C83}"/>
+              </a:ext>
+            </a:extLst>
+          </p:cNvPr>
+          <p:cNvPicPr>
+            <a:picLocks noChangeAspect="1"/>
+          </p:cNvPicPr>
+          <p:nvPr/>
+        </p:nvPicPr>
+        <p:blipFill rotWithShape="1">
+          <a:blip r:embed="rId2"/>
+          <a:srcRect l="16661" r="23340" b="2"/>
+          <a:stretch/>
+        </p:blipFill>
+        <p:spPr>
+          <a:xfrm>
+            <a:off x="6374920" y="758514"/>
+            <a:ext cx="5122238" cy="5122238"/>
+          </a:xfrm>
+          <a:custGeom>
+            <a:avLst/>
+            <a:gdLst/>
+            <a:ahLst/>
+            <a:cxnLst/>
+            <a:rect l="l" t="t" r="r" b="b"/>
+            <a:pathLst>
+              <a:path w="2663168" h="2663168">
+                <a:moveTo>
+                  <a:pt x="1331584" y="0"/>
+                </a:moveTo>
+                <a:cubicBezTo>
+                  <a:pt x="2066998" y="0"/>
+                  <a:pt x="2663168" y="596170"/>
+                  <a:pt x="2663168" y="1331584"/>
+                </a:cubicBezTo>
+                <a:cubicBezTo>
+                  <a:pt x="2663168" y="2066998"/>
+                  <a:pt x="2066998" y="2663168"/>
+                  <a:pt x="1331584" y="2663168"/>
+                </a:cubicBezTo>
+                <a:cubicBezTo>
+                  <a:pt x="596170" y="2663168"/>
+                  <a:pt x="0" y="2066998"/>
+                  <a:pt x="0" y="1331584"/>
+                </a:cubicBezTo>
+                <a:cubicBezTo>
+                  <a:pt x="0" y="596170"/>
+                  <a:pt x="596170" y="0"/>
+                  <a:pt x="1331584" y="0"/>
+                </a:cubicBezTo>
+                <a:close/>
+              </a:path>
+            </a:pathLst>
+          </a:custGeom>
+        </p:spPr>
+      </p:pic>
+      <p:sp>
+        <p:nvSpPr>
+          <p:cNvPr id="17" name="Arc 12">
+            <a:extLst>
+              <a:ext uri="{FF2B5EF4-FFF2-40B4-BE49-F238E27FC236}">
+                <a16:creationId xmlns:a16="http://schemas.microsoft.com/office/drawing/2014/main" id="{70BEB1E7-2F88-40BC-B73D-42E5B6F80BFC}"/>
+              </a:ext>
+              <a:ext uri="{C183D7F6-B498-43B3-948B-1728B52AA6E4}">
+                <adec:decorative xmlns:adec="http://schemas.microsoft.com/office/drawing/2017/decorative" val="1"/>
+              </a:ext>
+            </a:extLst>
+          </p:cNvPr>
+          <p:cNvSpPr>
+            <a:spLocks noGrp="1" noRot="1" noChangeAspect="1" noMove="1" noResize="1" noEditPoints="1" noAdjustHandles="1" noChangeArrowheads="1" noChangeShapeType="1" noTextEdit="1"/>
+          </p:cNvSpPr>
+          <p:nvPr>
+            <p:extLst>
+              <p:ext uri="{386F3935-93C4-4BCD-93E2-E3B085C9AB24}">
+                <p16:designElem xmlns:p16="http://schemas.microsoft.com/office/powerpoint/2015/main" val="1"/>
+              </p:ext>
+            </p:extLst>
+          </p:nvPr>
+        </p:nvSpPr>
+        <p:spPr>
+          <a:xfrm rot="21189197" flipV="1">
+            <a:off x="6261882" y="687822"/>
+            <a:ext cx="5471147" cy="5471147"/>
+          </a:xfrm>
+          <a:prstGeom prst="arc">
+            <a:avLst>
+              <a:gd name="adj1" fmla="val 16200000"/>
+              <a:gd name="adj2" fmla="val 20093138"/>
+            </a:avLst>
+          </a:prstGeom>
+          <a:ln w="127000" cap="rnd">
+            <a:solidFill>
+              <a:schemeClr val="accent4">
+                <a:alpha val="95000"/>
+              </a:schemeClr>
+            </a:solidFill>
+            <a:prstDash val="dash"/>
+          </a:ln>
+        </p:spPr>
+        <p:style>
+          <a:lnRef idx="1">
+            <a:schemeClr val="accent1"/>
+          </a:lnRef>
+          <a:fillRef idx="0">
+            <a:schemeClr val="accent1"/>
+          </a:fillRef>
+          <a:effectRef idx="0">
+            <a:schemeClr val="accent1"/>
+          </a:effectRef>
+          <a:fontRef idx="minor">
+            <a:schemeClr val="tx1"/>
+          </a:fontRef>
+        </p:style>
+        <p:txBody>
+          <a:bodyPr rtlCol="0" anchor="ctr"/>
+          <a:lstStyle/>
+          <a:p>
+            <a:pPr marL="0" marR="0" lvl="0" indent="0" algn="ctr" defTabSz="914400" rtl="0" eaLnBrk="1" fontAlgn="auto" latinLnBrk="0" hangingPunct="1">
+              <a:lnSpc>
+                <a:spcPct val="100000"/>
+              </a:lnSpc>
+              <a:spcBef>
+                <a:spcPts val="0"/>
+              </a:spcBef>
+              <a:spcAft>
+                <a:spcPts val="0"/>
+              </a:spcAft>
+              <a:buClrTx/>
+              <a:buSzTx/>
+              <a:buFontTx/>
+              <a:buNone/>
+              <a:tabLst/>
+              <a:defRPr/>
+            </a:pPr>
+            <a:endParaRPr kumimoji="0" lang="en-US" sz="1800" b="0" i="0" u="none" strike="noStrike" kern="1200" cap="none" spc="0" normalizeH="0" baseline="0" noProof="0" dirty="0">
+              <a:ln>
+                <a:noFill/>
+              </a:ln>
+              <a:solidFill>
+                <a:prstClr val="black"/>
+              </a:solidFill>
+              <a:effectLst/>
+              <a:uLnTx/>
+              <a:uFillTx/>
+              <a:latin typeface="Calibri" panose="020F0502020204030204"/>
+              <a:ea typeface="+mn-ea"/>
+              <a:cs typeface="+mn-cs"/>
+            </a:endParaRPr>
+          </a:p>
+        </p:txBody>
+      </p:sp>
+      <p:sp>
+        <p:nvSpPr>
+          <p:cNvPr id="15" name="Oval 14">
+            <a:extLst>
+              <a:ext uri="{FF2B5EF4-FFF2-40B4-BE49-F238E27FC236}">
+                <a16:creationId xmlns:a16="http://schemas.microsoft.com/office/drawing/2014/main" id="{A7B99495-F43F-4D80-A44F-2CB4764EB90B}"/>
+              </a:ext>
+              <a:ext uri="{C183D7F6-B498-43B3-948B-1728B52AA6E4}">
+                <adec:decorative xmlns:adec="http://schemas.microsoft.com/office/drawing/2017/decorative" val="1"/>
+              </a:ext>
+            </a:extLst>
+          </p:cNvPr>
+          <p:cNvSpPr>
+            <a:spLocks noGrp="1" noRot="1" noChangeAspect="1" noMove="1" noResize="1" noEditPoints="1" noAdjustHandles="1" noChangeArrowheads="1" noChangeShapeType="1" noTextEdit="1"/>
+          </p:cNvSpPr>
+          <p:nvPr>
+            <p:extLst>
+              <p:ext uri="{386F3935-93C4-4BCD-93E2-E3B085C9AB24}">
+                <p16:designElem xmlns:p16="http://schemas.microsoft.com/office/powerpoint/2015/main" val="1"/>
+              </p:ext>
+            </p:extLst>
+          </p:nvPr>
+        </p:nvSpPr>
+        <p:spPr>
+          <a:xfrm>
+            <a:off x="10248561" y="921125"/>
+            <a:ext cx="791021" cy="769563"/>
+          </a:xfrm>
+          <a:prstGeom prst="ellipse">
+            <a:avLst/>
+          </a:prstGeom>
+          <a:solidFill>
+            <a:schemeClr val="accent2"/>
+          </a:solidFill>
+          <a:ln>
+            <a:noFill/>
+          </a:ln>
+        </p:spPr>
+        <p:style>
+          <a:lnRef idx="2">
+            <a:schemeClr val="accent1">
+              <a:shade val="50000"/>
+            </a:schemeClr>
+          </a:lnRef>
+          <a:fillRef idx="1">
+            <a:schemeClr val="accent1"/>
+          </a:fillRef>
+          <a:effectRef idx="0">
+            <a:schemeClr val="accent1"/>
+          </a:effectRef>
+          <a:fontRef idx="minor">
+            <a:schemeClr val="lt1"/>
+          </a:fontRef>
+        </p:style>
+        <p:txBody>
+          <a:bodyPr rtlCol="0" anchor="ctr"/>
+          <a:lstStyle/>
+          <a:p>
+            <a:pPr marL="0" marR="0" lvl="0" indent="0" algn="ctr" defTabSz="914400" rtl="0" eaLnBrk="1" fontAlgn="auto" latinLnBrk="0" hangingPunct="1">
+              <a:lnSpc>
+                <a:spcPct val="100000"/>
+              </a:lnSpc>
+              <a:spcBef>
+                <a:spcPts val="0"/>
+              </a:spcBef>
+              <a:spcAft>
+                <a:spcPts val="0"/>
+              </a:spcAft>
+              <a:buClrTx/>
+              <a:buSzTx/>
+              <a:buFontTx/>
+              <a:buNone/>
+              <a:tabLst/>
+              <a:defRPr/>
+            </a:pPr>
+            <a:endParaRPr kumimoji="0" lang="en-US" sz="1800" b="0" i="0" u="none" strike="noStrike" kern="1200" cap="none" spc="0" normalizeH="0" baseline="0" noProof="0">
+              <a:ln>
+                <a:noFill/>
+              </a:ln>
+              <a:solidFill>
+                <a:srgbClr val="FFFFFF"/>
+              </a:solidFill>
+              <a:effectLst/>
+              <a:uLnTx/>
+              <a:uFillTx/>
+              <a:latin typeface="Calibri" panose="020F0502020204030204"/>
+              <a:ea typeface="+mn-ea"/>
+              <a:cs typeface="+mn-cs"/>
+            </a:endParaRPr>
+          </a:p>
+        </p:txBody>
+      </p:sp>
+    </p:spTree>
+    <p:extLst>
+      <p:ext uri="{BB962C8B-B14F-4D97-AF65-F5344CB8AC3E}">
+        <p14:creationId xmlns:p14="http://schemas.microsoft.com/office/powerpoint/2010/main" val="1862195779"/>
+      </p:ext>
+    </p:extLst>
+  </p:cSld>
+  <p:clrMapOvr>
+    <a:masterClrMapping/>
+  </p:clrMapOvr>
+</p:sld>
+</file>
+
+<file path=ppt/slides/slide6.xml><?xml version="1.0" encoding="utf-8"?>
+<p:sld xmlns:a="http://schemas.openxmlformats.org/drawingml/2006/main" xmlns:r="http://schemas.openxmlformats.org/officeDocument/2006/relationships" xmlns:p="http://schemas.openxmlformats.org/presentationml/2006/main">
+  <p:cSld>
+    <p:bg>
+      <p:bgPr>
+        <a:solidFill>
+          <a:schemeClr val="bg1"/>
+        </a:solidFill>
+        <a:effectLst/>
+      </p:bgPr>
+    </p:bg>
+    <p:spTree>
+      <p:nvGrpSpPr>
+        <p:cNvPr id="1" name=""/>
+        <p:cNvGrpSpPr/>
+        <p:nvPr/>
+      </p:nvGrpSpPr>
+      <p:grpSpPr>
+        <a:xfrm>
+          <a:off x="0" y="0"/>
+          <a:ext cx="0" cy="0"/>
+          <a:chOff x="0" y="0"/>
+          <a:chExt cx="0" cy="0"/>
+        </a:xfrm>
+      </p:grpSpPr>
+      <p:sp useBgFill="1">
+        <p:nvSpPr>
+          <p:cNvPr id="8" name="Rectangle 7">
+            <a:extLst>
+              <a:ext uri="{FF2B5EF4-FFF2-40B4-BE49-F238E27FC236}">
+                <a16:creationId xmlns:a16="http://schemas.microsoft.com/office/drawing/2014/main" id="{F837543A-6020-4505-A233-C9DB4BF74011}"/>
+              </a:ext>
+              <a:ext uri="{C183D7F6-B498-43B3-948B-1728B52AA6E4}">
+                <adec:decorative xmlns:adec="http://schemas.microsoft.com/office/drawing/2017/decorative" val="1"/>
+              </a:ext>
+            </a:extLst>
+          </p:cNvPr>
+          <p:cNvSpPr>
+            <a:spLocks noGrp="1" noRot="1" noChangeAspect="1" noMove="1" noResize="1" noEditPoints="1" noAdjustHandles="1" noChangeArrowheads="1" noChangeShapeType="1" noTextEdit="1"/>
+          </p:cNvSpPr>
+          <p:nvPr>
+            <p:extLst>
+              <p:ext uri="{386F3935-93C4-4BCD-93E2-E3B085C9AB24}">
+                <p16:designElem xmlns:p16="http://schemas.microsoft.com/office/powerpoint/2015/main" val="1"/>
+              </p:ext>
+            </p:extLst>
+          </p:nvPr>
+        </p:nvSpPr>
+        <p:spPr>
+          <a:xfrm>
+            <a:off x="3048" y="0"/>
+            <a:ext cx="12188952" cy="6858000"/>
+          </a:xfrm>
+          <a:prstGeom prst="rect">
+            <a:avLst/>
+          </a:prstGeom>
+          <a:ln>
+            <a:noFill/>
+          </a:ln>
+        </p:spPr>
+        <p:style>
+          <a:lnRef idx="2">
+            <a:schemeClr val="accent1">
+              <a:shade val="50000"/>
+            </a:schemeClr>
+          </a:lnRef>
+          <a:fillRef idx="1">
+            <a:schemeClr val="accent1"/>
+          </a:fillRef>
+          <a:effectRef idx="0">
+            <a:schemeClr val="accent1"/>
+          </a:effectRef>
+          <a:fontRef idx="minor">
+            <a:schemeClr val="lt1"/>
+          </a:fontRef>
+        </p:style>
+        <p:txBody>
+          <a:bodyPr rtlCol="0" anchor="ctr"/>
+          <a:lstStyle/>
+          <a:p>
+            <a:pPr marL="0" marR="0" lvl="0" indent="0" algn="ctr" defTabSz="914400" rtl="0" eaLnBrk="1" fontAlgn="auto" latinLnBrk="0" hangingPunct="1">
+              <a:lnSpc>
+                <a:spcPct val="100000"/>
+              </a:lnSpc>
+              <a:spcBef>
+                <a:spcPts val="0"/>
+              </a:spcBef>
+              <a:spcAft>
+                <a:spcPts val="0"/>
+              </a:spcAft>
+              <a:buClrTx/>
+              <a:buSzTx/>
+              <a:buFontTx/>
+              <a:buNone/>
+              <a:tabLst/>
+              <a:defRPr/>
+            </a:pPr>
+            <a:endParaRPr kumimoji="0" lang="en-US" sz="1800" b="0" i="0" u="none" strike="noStrike" kern="1200" cap="none" spc="0" normalizeH="0" baseline="0" noProof="0">
+              <a:ln>
+                <a:noFill/>
+              </a:ln>
+              <a:solidFill>
+                <a:prstClr val="white"/>
+              </a:solidFill>
+              <a:effectLst/>
+              <a:uLnTx/>
+              <a:uFillTx/>
+              <a:latin typeface="Calibri" panose="020F0502020204030204"/>
+              <a:ea typeface="+mn-ea"/>
+              <a:cs typeface="+mn-cs"/>
+            </a:endParaRPr>
+          </a:p>
+        </p:txBody>
+      </p:sp>
+      <p:sp>
+        <p:nvSpPr>
+          <p:cNvPr id="2" name="Title 1">
+            <a:extLst>
+              <a:ext uri="{FF2B5EF4-FFF2-40B4-BE49-F238E27FC236}">
+                <a16:creationId xmlns:a16="http://schemas.microsoft.com/office/drawing/2014/main" id="{67B18898-DE99-3845-BC74-FA35E0609741}"/>
+              </a:ext>
+            </a:extLst>
+          </p:cNvPr>
+          <p:cNvSpPr>
+            <a:spLocks noGrp="1"/>
+          </p:cNvSpPr>
+          <p:nvPr>
+            <p:ph type="title"/>
+          </p:nvPr>
+        </p:nvSpPr>
+        <p:spPr>
+          <a:xfrm>
+            <a:off x="838200" y="365125"/>
+            <a:ext cx="5558489" cy="1325563"/>
+          </a:xfrm>
+        </p:spPr>
+        <p:txBody>
+          <a:bodyPr>
+            <a:normAutofit/>
+          </a:bodyPr>
+          <a:lstStyle/>
+          <a:p>
+            <a:r>
+              <a:rPr lang="en-SA" dirty="0"/>
+              <a:t>Discussion </a:t>
+            </a:r>
+          </a:p>
+        </p:txBody>
+      </p:sp>
+      <p:sp>
+        <p:nvSpPr>
+          <p:cNvPr id="10" name="Freeform: Shape 9">
+            <a:extLst>
+              <a:ext uri="{FF2B5EF4-FFF2-40B4-BE49-F238E27FC236}">
+                <a16:creationId xmlns:a16="http://schemas.microsoft.com/office/drawing/2014/main" id="{35B16301-FB18-48BA-A6DD-C37CAF6F9A18}"/>
+              </a:ext>
+              <a:ext uri="{C183D7F6-B498-43B3-948B-1728B52AA6E4}">
+                <adec:decorative xmlns:adec="http://schemas.microsoft.com/office/drawing/2017/decorative" val="1"/>
+              </a:ext>
+            </a:extLst>
+          </p:cNvPr>
+          <p:cNvSpPr>
+            <a:spLocks noGrp="1" noRot="1" noChangeAspect="1" noMove="1" noResize="1" noEditPoints="1" noAdjustHandles="1" noChangeArrowheads="1" noChangeShapeType="1" noTextEdit="1"/>
+          </p:cNvSpPr>
+          <p:nvPr>
+            <p:extLst>
+              <p:ext uri="{386F3935-93C4-4BCD-93E2-E3B085C9AB24}">
+                <p16:designElem xmlns:p16="http://schemas.microsoft.com/office/powerpoint/2015/main" val="1"/>
+              </p:ext>
+            </p:extLst>
+          </p:nvPr>
+        </p:nvSpPr>
+        <p:spPr>
+          <a:xfrm>
+            <a:off x="10208695" y="1"/>
+            <a:ext cx="1135066" cy="477997"/>
+          </a:xfrm>
+          <a:custGeom>
+            <a:avLst/>
+            <a:gdLst>
+              <a:gd name="connsiteX0" fmla="*/ 0 w 1135066"/>
+              <a:gd name="connsiteY0" fmla="*/ 0 h 477997"/>
+              <a:gd name="connsiteX1" fmla="*/ 1135066 w 1135066"/>
+              <a:gd name="connsiteY1" fmla="*/ 0 h 477997"/>
+              <a:gd name="connsiteX2" fmla="*/ 1133370 w 1135066"/>
+              <a:gd name="connsiteY2" fmla="*/ 16827 h 477997"/>
+              <a:gd name="connsiteX3" fmla="*/ 567533 w 1135066"/>
+              <a:gd name="connsiteY3" fmla="*/ 477997 h 477997"/>
+              <a:gd name="connsiteX4" fmla="*/ 1696 w 1135066"/>
+              <a:gd name="connsiteY4" fmla="*/ 16827 h 477997"/>
+            </a:gdLst>
+            <a:ahLst/>
+            <a:cxnLst>
+              <a:cxn ang="0">
+                <a:pos x="connsiteX0" y="connsiteY0"/>
+              </a:cxn>
+              <a:cxn ang="0">
+                <a:pos x="connsiteX1" y="connsiteY1"/>
+              </a:cxn>
+              <a:cxn ang="0">
+                <a:pos x="connsiteX2" y="connsiteY2"/>
+              </a:cxn>
+              <a:cxn ang="0">
+                <a:pos x="connsiteX3" y="connsiteY3"/>
+              </a:cxn>
+              <a:cxn ang="0">
+                <a:pos x="connsiteX4" y="connsiteY4"/>
+              </a:cxn>
+            </a:cxnLst>
+            <a:rect l="l" t="t" r="r" b="b"/>
+            <a:pathLst>
+              <a:path w="1135066" h="477997">
+                <a:moveTo>
+                  <a:pt x="0" y="0"/>
+                </a:moveTo>
+                <a:lnTo>
+                  <a:pt x="1135066" y="0"/>
+                </a:lnTo>
+                <a:lnTo>
+                  <a:pt x="1133370" y="16827"/>
+                </a:lnTo>
+                <a:cubicBezTo>
+                  <a:pt x="1079514" y="280016"/>
+                  <a:pt x="846644" y="477997"/>
+                  <a:pt x="567533" y="477997"/>
+                </a:cubicBezTo>
+                <a:cubicBezTo>
+                  <a:pt x="288422" y="477997"/>
+                  <a:pt x="55552" y="280016"/>
+                  <a:pt x="1696" y="16827"/>
+                </a:cubicBezTo>
+                <a:close/>
+              </a:path>
+            </a:pathLst>
+          </a:custGeom>
+          <a:solidFill>
+            <a:schemeClr val="accent5"/>
+          </a:solidFill>
+          <a:ln>
+            <a:noFill/>
+          </a:ln>
+        </p:spPr>
+        <p:style>
+          <a:lnRef idx="2">
+            <a:schemeClr val="accent1">
+              <a:shade val="50000"/>
+            </a:schemeClr>
+          </a:lnRef>
+          <a:fillRef idx="1">
+            <a:schemeClr val="accent1"/>
+          </a:fillRef>
+          <a:effectRef idx="0">
+            <a:schemeClr val="accent1"/>
+          </a:effectRef>
+          <a:fontRef idx="minor">
+            <a:schemeClr val="lt1"/>
+          </a:fontRef>
+        </p:style>
+        <p:txBody>
+          <a:bodyPr wrap="square" rtlCol="0" anchor="ctr">
+            <a:noAutofit/>
+          </a:bodyPr>
+          <a:lstStyle/>
+          <a:p>
+            <a:pPr marL="0" marR="0" lvl="0" indent="0" algn="ctr" defTabSz="914400" rtl="0" eaLnBrk="1" fontAlgn="auto" latinLnBrk="0" hangingPunct="1">
+              <a:lnSpc>
+                <a:spcPct val="100000"/>
+              </a:lnSpc>
+              <a:spcBef>
+                <a:spcPts val="0"/>
+              </a:spcBef>
+              <a:spcAft>
+                <a:spcPts val="0"/>
+              </a:spcAft>
+              <a:buClrTx/>
+              <a:buSzTx/>
+              <a:buFontTx/>
+              <a:buNone/>
+              <a:tabLst/>
+              <a:defRPr/>
+            </a:pPr>
+            <a:endParaRPr kumimoji="0" lang="en-US" sz="1800" b="0" i="0" u="none" strike="noStrike" kern="1200" cap="none" spc="0" normalizeH="0" baseline="0" noProof="0">
+              <a:ln>
+                <a:noFill/>
+              </a:ln>
+              <a:solidFill>
+                <a:prstClr val="white"/>
+              </a:solidFill>
+              <a:effectLst/>
+              <a:uLnTx/>
+              <a:uFillTx/>
+              <a:latin typeface="Calibri" panose="020F0502020204030204"/>
+              <a:ea typeface="+mn-ea"/>
+              <a:cs typeface="+mn-cs"/>
+            </a:endParaRPr>
+          </a:p>
+        </p:txBody>
+      </p:sp>
+      <p:sp>
+        <p:nvSpPr>
+          <p:cNvPr id="3" name="Content Placeholder 2">
+            <a:extLst>
+              <a:ext uri="{FF2B5EF4-FFF2-40B4-BE49-F238E27FC236}">
+                <a16:creationId xmlns:a16="http://schemas.microsoft.com/office/drawing/2014/main" id="{0D24675A-7963-F74D-B876-3D6A0FF174C0}"/>
+              </a:ext>
+            </a:extLst>
+          </p:cNvPr>
+          <p:cNvSpPr>
+            <a:spLocks noGrp="1"/>
+          </p:cNvSpPr>
+          <p:nvPr>
+            <p:ph idx="1"/>
+          </p:nvPr>
+        </p:nvSpPr>
+        <p:spPr>
+          <a:xfrm>
+            <a:off x="838200" y="1825625"/>
+            <a:ext cx="5558489" cy="4351338"/>
+          </a:xfrm>
+        </p:spPr>
+        <p:txBody>
+          <a:bodyPr>
+            <a:normAutofit/>
+          </a:bodyPr>
+          <a:lstStyle/>
+          <a:p>
+            <a:pPr marL="0" indent="0">
+              <a:buNone/>
+            </a:pPr>
+            <a:r>
+              <a:rPr lang="en-SA" dirty="0"/>
+              <a:t>The highest number of art museums are in cluster 2 and moderate number in cluster 0. On the other hand, cluster 1 has very low number to no art museums in the neighborhoods.</a:t>
+            </a:r>
+          </a:p>
+          <a:p>
+            <a:pPr marL="0" indent="0">
+              <a:buNone/>
+            </a:pPr>
+            <a:endParaRPr lang="en-SA" dirty="0"/>
+          </a:p>
+        </p:txBody>
+      </p:sp>
+      <p:sp>
+        <p:nvSpPr>
+          <p:cNvPr id="12" name="Oval 11">
+            <a:extLst>
+              <a:ext uri="{FF2B5EF4-FFF2-40B4-BE49-F238E27FC236}">
+                <a16:creationId xmlns:a16="http://schemas.microsoft.com/office/drawing/2014/main" id="{C3C0D90E-074A-4F52-9B11-B52BEF4BCBE5}"/>
+              </a:ext>
+              <a:ext uri="{C183D7F6-B498-43B3-948B-1728B52AA6E4}">
+                <adec:decorative xmlns:adec="http://schemas.microsoft.com/office/drawing/2017/decorative" val="1"/>
+              </a:ext>
+            </a:extLst>
+          </p:cNvPr>
+          <p:cNvSpPr>
+            <a:spLocks noGrp="1" noRot="1" noChangeAspect="1" noMove="1" noResize="1" noEditPoints="1" noAdjustHandles="1" noChangeArrowheads="1" noChangeShapeType="1" noTextEdit="1"/>
+          </p:cNvSpPr>
+          <p:nvPr>
+            <p:extLst>
+              <p:ext uri="{386F3935-93C4-4BCD-93E2-E3B085C9AB24}">
+                <p16:designElem xmlns:p16="http://schemas.microsoft.com/office/powerpoint/2015/main" val="1"/>
+              </p:ext>
+            </p:extLst>
+          </p:nvPr>
+        </p:nvSpPr>
+        <p:spPr>
+          <a:xfrm>
+            <a:off x="6821310" y="2624479"/>
+            <a:ext cx="812427" cy="812427"/>
+          </a:xfrm>
+          <a:prstGeom prst="ellipse">
+            <a:avLst/>
+          </a:prstGeom>
+          <a:noFill/>
+          <a:ln w="127000">
+            <a:solidFill>
+              <a:schemeClr val="accent5"/>
+            </a:solidFill>
+          </a:ln>
+        </p:spPr>
+        <p:style>
+          <a:lnRef idx="2">
+            <a:schemeClr val="accent1">
+              <a:shade val="50000"/>
+            </a:schemeClr>
+          </a:lnRef>
+          <a:fillRef idx="1">
+            <a:schemeClr val="accent1"/>
+          </a:fillRef>
+          <a:effectRef idx="0">
+            <a:schemeClr val="accent1"/>
+          </a:effectRef>
+          <a:fontRef idx="minor">
+            <a:schemeClr val="lt1"/>
+          </a:fontRef>
+        </p:style>
+        <p:txBody>
+          <a:bodyPr rtlCol="0" anchor="ctr"/>
+          <a:lstStyle/>
+          <a:p>
+            <a:pPr marL="0" marR="0" lvl="0" indent="0" algn="ctr" defTabSz="914400" rtl="0" eaLnBrk="1" fontAlgn="auto" latinLnBrk="0" hangingPunct="1">
+              <a:lnSpc>
+                <a:spcPct val="100000"/>
+              </a:lnSpc>
+              <a:spcBef>
+                <a:spcPts val="0"/>
+              </a:spcBef>
+              <a:spcAft>
+                <a:spcPts val="0"/>
+              </a:spcAft>
+              <a:buClrTx/>
+              <a:buSzTx/>
+              <a:buFontTx/>
+              <a:buNone/>
+              <a:tabLst/>
+              <a:defRPr/>
+            </a:pPr>
+            <a:endParaRPr kumimoji="0" lang="en-US" sz="1800" b="0" i="0" u="none" strike="noStrike" kern="1200" cap="none" spc="0" normalizeH="0" baseline="0" noProof="0" dirty="0">
+              <a:ln>
+                <a:noFill/>
+              </a:ln>
+              <a:solidFill>
+                <a:prstClr val="white"/>
+              </a:solidFill>
+              <a:effectLst/>
+              <a:uLnTx/>
+              <a:uFillTx/>
+              <a:latin typeface="Calibri" panose="020F0502020204030204"/>
+              <a:ea typeface="+mn-ea"/>
+              <a:cs typeface="+mn-cs"/>
+            </a:endParaRPr>
+          </a:p>
+        </p:txBody>
+      </p:sp>
+      <p:sp>
+        <p:nvSpPr>
+          <p:cNvPr id="14" name="Block Arc 13">
+            <a:extLst>
+              <a:ext uri="{FF2B5EF4-FFF2-40B4-BE49-F238E27FC236}">
+                <a16:creationId xmlns:a16="http://schemas.microsoft.com/office/drawing/2014/main" id="{CABBD4C1-E6F8-46F6-8152-A8A97490BF4D}"/>
+              </a:ext>
+              <a:ext uri="{C183D7F6-B498-43B3-948B-1728B52AA6E4}">
+                <adec:decorative xmlns:adec="http://schemas.microsoft.com/office/drawing/2017/decorative" val="1"/>
+              </a:ext>
+            </a:extLst>
+          </p:cNvPr>
+          <p:cNvSpPr>
+            <a:spLocks noGrp="1" noRot="1" noChangeAspect="1" noMove="1" noResize="1" noEditPoints="1" noAdjustHandles="1" noChangeArrowheads="1" noChangeShapeType="1" noTextEdit="1"/>
+          </p:cNvSpPr>
+          <p:nvPr>
+            <p:extLst>
+              <p:ext uri="{386F3935-93C4-4BCD-93E2-E3B085C9AB24}">
+                <p16:designElem xmlns:p16="http://schemas.microsoft.com/office/powerpoint/2015/main" val="1"/>
+              </p:ext>
+            </p:extLst>
+          </p:nvPr>
+        </p:nvSpPr>
+        <p:spPr>
+          <a:xfrm rot="16200000">
+            <a:off x="8912417" y="1218531"/>
+            <a:ext cx="2387600" cy="2387600"/>
+          </a:xfrm>
+          <a:prstGeom prst="blockArc">
+            <a:avLst/>
+          </a:prstGeom>
+          <a:solidFill>
+            <a:schemeClr val="accent2"/>
+          </a:solidFill>
+          <a:ln>
+            <a:noFill/>
+          </a:ln>
+        </p:spPr>
+        <p:style>
+          <a:lnRef idx="2">
+            <a:schemeClr val="accent1">
+              <a:shade val="50000"/>
+            </a:schemeClr>
+          </a:lnRef>
+          <a:fillRef idx="1">
+            <a:schemeClr val="accent1"/>
+          </a:fillRef>
+          <a:effectRef idx="0">
+            <a:schemeClr val="accent1"/>
+          </a:effectRef>
+          <a:fontRef idx="minor">
+            <a:schemeClr val="lt1"/>
+          </a:fontRef>
+        </p:style>
+        <p:txBody>
+          <a:bodyPr rtlCol="0" anchor="ctr"/>
+          <a:lstStyle/>
+          <a:p>
+            <a:pPr marL="0" marR="0" lvl="0" indent="0" algn="ctr" defTabSz="914400" rtl="0" eaLnBrk="1" fontAlgn="auto" latinLnBrk="0" hangingPunct="1">
+              <a:lnSpc>
+                <a:spcPct val="100000"/>
+              </a:lnSpc>
+              <a:spcBef>
+                <a:spcPts val="0"/>
+              </a:spcBef>
+              <a:spcAft>
+                <a:spcPts val="0"/>
+              </a:spcAft>
+              <a:buClrTx/>
+              <a:buSzTx/>
+              <a:buFontTx/>
+              <a:buNone/>
+              <a:tabLst/>
+              <a:defRPr/>
+            </a:pPr>
+            <a:endParaRPr kumimoji="0" lang="en-US" sz="1800" b="0" i="0" u="none" strike="noStrike" kern="1200" cap="none" spc="0" normalizeH="0" baseline="0" noProof="0">
+              <a:ln>
+                <a:noFill/>
+              </a:ln>
+              <a:solidFill>
+                <a:prstClr val="black"/>
+              </a:solidFill>
+              <a:effectLst/>
+              <a:uLnTx/>
+              <a:uFillTx/>
+              <a:latin typeface="Calibri" panose="020F0502020204030204"/>
+              <a:ea typeface="+mn-ea"/>
+              <a:cs typeface="+mn-cs"/>
+            </a:endParaRPr>
+          </a:p>
+        </p:txBody>
+      </p:sp>
+      <p:sp>
+        <p:nvSpPr>
+          <p:cNvPr id="16" name="Freeform: Shape 15">
+            <a:extLst>
+              <a:ext uri="{FF2B5EF4-FFF2-40B4-BE49-F238E27FC236}">
+                <a16:creationId xmlns:a16="http://schemas.microsoft.com/office/drawing/2014/main" id="{83BA5EF5-1FE9-4BF9-83BB-269BCDDF6156}"/>
+              </a:ext>
+              <a:ext uri="{C183D7F6-B498-43B3-948B-1728B52AA6E4}">
+                <adec:decorative xmlns:adec="http://schemas.microsoft.com/office/drawing/2017/decorative" val="1"/>
+              </a:ext>
+            </a:extLst>
+          </p:cNvPr>
+          <p:cNvSpPr>
+            <a:spLocks noGrp="1" noRot="1" noChangeAspect="1" noMove="1" noResize="1" noEditPoints="1" noAdjustHandles="1" noChangeArrowheads="1" noChangeShapeType="1" noTextEdit="1"/>
+          </p:cNvSpPr>
+          <p:nvPr>
+            <p:extLst>
+              <p:ext uri="{386F3935-93C4-4BCD-93E2-E3B085C9AB24}">
+                <p16:designElem xmlns:p16="http://schemas.microsoft.com/office/powerpoint/2015/main" val="1"/>
+              </p:ext>
+            </p:extLst>
+          </p:nvPr>
+        </p:nvSpPr>
+        <p:spPr>
+          <a:xfrm>
+            <a:off x="6821310" y="0"/>
+            <a:ext cx="2315251" cy="1550992"/>
+          </a:xfrm>
+          <a:custGeom>
+            <a:avLst/>
+            <a:gdLst>
+              <a:gd name="connsiteX0" fmla="*/ 0 w 2315251"/>
+              <a:gd name="connsiteY0" fmla="*/ 0 h 1550992"/>
+              <a:gd name="connsiteX1" fmla="*/ 138700 w 2315251"/>
+              <a:gd name="connsiteY1" fmla="*/ 0 h 1550992"/>
+              <a:gd name="connsiteX2" fmla="*/ 138700 w 2315251"/>
+              <a:gd name="connsiteY2" fmla="*/ 1361400 h 1550992"/>
+              <a:gd name="connsiteX3" fmla="*/ 2107387 w 2315251"/>
+              <a:gd name="connsiteY3" fmla="*/ 222673 h 1550992"/>
+              <a:gd name="connsiteX4" fmla="*/ 1722420 w 2315251"/>
+              <a:gd name="connsiteY4" fmla="*/ 0 h 1550992"/>
+              <a:gd name="connsiteX5" fmla="*/ 1999436 w 2315251"/>
+              <a:gd name="connsiteY5" fmla="*/ 0 h 1550992"/>
+              <a:gd name="connsiteX6" fmla="*/ 2280549 w 2315251"/>
+              <a:gd name="connsiteY6" fmla="*/ 162605 h 1550992"/>
+              <a:gd name="connsiteX7" fmla="*/ 2305953 w 2315251"/>
+              <a:gd name="connsiteY7" fmla="*/ 257336 h 1550992"/>
+              <a:gd name="connsiteX8" fmla="*/ 2280549 w 2315251"/>
+              <a:gd name="connsiteY8" fmla="*/ 282740 h 1550992"/>
+              <a:gd name="connsiteX9" fmla="*/ 104026 w 2315251"/>
+              <a:gd name="connsiteY9" fmla="*/ 1541710 h 1550992"/>
+              <a:gd name="connsiteX10" fmla="*/ 69351 w 2315251"/>
+              <a:gd name="connsiteY10" fmla="*/ 1550992 h 1550992"/>
+              <a:gd name="connsiteX11" fmla="*/ 0 w 2315251"/>
+              <a:gd name="connsiteY11" fmla="*/ 1481643 h 1550992"/>
+            </a:gdLst>
+            <a:ahLst/>
+            <a:cxnLst>
+              <a:cxn ang="0">
+                <a:pos x="connsiteX0" y="connsiteY0"/>
+              </a:cxn>
+              <a:cxn ang="0">
+                <a:pos x="connsiteX1" y="connsiteY1"/>
+              </a:cxn>
+              <a:cxn ang="0">
+                <a:pos x="connsiteX2" y="connsiteY2"/>
+              </a:cxn>
+              <a:cxn ang="0">
+                <a:pos x="connsiteX3" y="connsiteY3"/>
+              </a:cxn>
+              <a:cxn ang="0">
+                <a:pos x="connsiteX4" y="connsiteY4"/>
+              </a:cxn>
+              <a:cxn ang="0">
+                <a:pos x="connsiteX5" y="connsiteY5"/>
+              </a:cxn>
+              <a:cxn ang="0">
+                <a:pos x="connsiteX6" y="connsiteY6"/>
+              </a:cxn>
+              <a:cxn ang="0">
+                <a:pos x="connsiteX7" y="connsiteY7"/>
+              </a:cxn>
+              <a:cxn ang="0">
+                <a:pos x="connsiteX8" y="connsiteY8"/>
+              </a:cxn>
+              <a:cxn ang="0">
+                <a:pos x="connsiteX9" y="connsiteY9"/>
+              </a:cxn>
+              <a:cxn ang="0">
+                <a:pos x="connsiteX10" y="connsiteY10"/>
+              </a:cxn>
+              <a:cxn ang="0">
+                <a:pos x="connsiteX11" y="connsiteY11"/>
+              </a:cxn>
+            </a:cxnLst>
+            <a:rect l="l" t="t" r="r" b="b"/>
+            <a:pathLst>
+              <a:path w="2315251" h="1550992">
+                <a:moveTo>
+                  <a:pt x="0" y="0"/>
+                </a:moveTo>
+                <a:lnTo>
+                  <a:pt x="138700" y="0"/>
+                </a:lnTo>
+                <a:lnTo>
+                  <a:pt x="138700" y="1361400"/>
+                </a:lnTo>
+                <a:lnTo>
+                  <a:pt x="2107387" y="222673"/>
+                </a:lnTo>
+                <a:lnTo>
+                  <a:pt x="1722420" y="0"/>
+                </a:lnTo>
+                <a:lnTo>
+                  <a:pt x="1999436" y="0"/>
+                </a:lnTo>
+                <a:lnTo>
+                  <a:pt x="2280549" y="162605"/>
+                </a:lnTo>
+                <a:cubicBezTo>
+                  <a:pt x="2313720" y="181745"/>
+                  <a:pt x="2325104" y="224155"/>
+                  <a:pt x="2305953" y="257336"/>
+                </a:cubicBezTo>
+                <a:cubicBezTo>
+                  <a:pt x="2299872" y="267889"/>
+                  <a:pt x="2291101" y="276648"/>
+                  <a:pt x="2280549" y="282740"/>
+                </a:cubicBezTo>
+                <a:lnTo>
+                  <a:pt x="104026" y="1541710"/>
+                </a:lnTo>
+                <a:cubicBezTo>
+                  <a:pt x="93484" y="1547802"/>
+                  <a:pt x="81523" y="1551003"/>
+                  <a:pt x="69351" y="1550992"/>
+                </a:cubicBezTo>
+                <a:cubicBezTo>
+                  <a:pt x="31049" y="1550992"/>
+                  <a:pt x="0" y="1519944"/>
+                  <a:pt x="0" y="1481643"/>
+                </a:cubicBezTo>
+                <a:close/>
+              </a:path>
+            </a:pathLst>
+          </a:custGeom>
+          <a:solidFill>
+            <a:schemeClr val="accent6"/>
+          </a:solidFill>
+          <a:ln w="9525" cap="flat">
+            <a:noFill/>
+            <a:prstDash val="solid"/>
+            <a:miter/>
+          </a:ln>
+        </p:spPr>
+        <p:txBody>
+          <a:bodyPr rtlCol="0" anchor="ctr"/>
+          <a:lstStyle/>
+          <a:p>
+            <a:pPr marL="0" marR="0" lvl="0" indent="0" algn="l" defTabSz="914400" rtl="0" eaLnBrk="1" fontAlgn="auto" latinLnBrk="0" hangingPunct="1">
+              <a:lnSpc>
+                <a:spcPct val="100000"/>
+              </a:lnSpc>
+              <a:spcBef>
+                <a:spcPts val="0"/>
+              </a:spcBef>
+              <a:spcAft>
+                <a:spcPts val="0"/>
+              </a:spcAft>
+              <a:buClrTx/>
+              <a:buSzTx/>
+              <a:buFontTx/>
+              <a:buNone/>
+              <a:tabLst/>
+              <a:defRPr/>
+            </a:pPr>
+            <a:endParaRPr kumimoji="0" lang="en-US" sz="1800" b="0" i="0" u="none" strike="noStrike" kern="1200" cap="none" spc="0" normalizeH="0" baseline="0" noProof="0" dirty="0">
+              <a:ln>
+                <a:noFill/>
+              </a:ln>
+              <a:solidFill>
+                <a:prstClr val="black"/>
+              </a:solidFill>
+              <a:effectLst/>
+              <a:uLnTx/>
+              <a:uFillTx/>
+              <a:latin typeface="Calibri" panose="020F0502020204030204"/>
+              <a:ea typeface="+mn-ea"/>
+              <a:cs typeface="+mn-cs"/>
+            </a:endParaRPr>
+          </a:p>
+        </p:txBody>
+      </p:sp>
+      <p:cxnSp>
+        <p:nvCxnSpPr>
+          <p:cNvPr id="18" name="Straight Connector 17">
+            <a:extLst>
+              <a:ext uri="{FF2B5EF4-FFF2-40B4-BE49-F238E27FC236}">
+                <a16:creationId xmlns:a16="http://schemas.microsoft.com/office/drawing/2014/main" id="{4B3BCACB-5880-460B-9606-8C433A9AF99D}"/>
+              </a:ext>
+              <a:ext uri="{C183D7F6-B498-43B3-948B-1728B52AA6E4}">
+                <adec:decorative xmlns:adec="http://schemas.microsoft.com/office/drawing/2017/decorative" val="1"/>
+              </a:ext>
+            </a:extLst>
+          </p:cNvPr>
+          <p:cNvCxnSpPr>
+            <a:cxnSpLocks noGrp="1" noRot="1" noChangeAspect="1" noMove="1" noResize="1" noEditPoints="1" noAdjustHandles="1" noChangeArrowheads="1" noChangeShapeType="1"/>
+          </p:cNvCxnSpPr>
+          <p:nvPr>
+            <p:extLst>
+              <p:ext uri="{386F3935-93C4-4BCD-93E2-E3B085C9AB24}">
+                <p16:designElem xmlns:p16="http://schemas.microsoft.com/office/powerpoint/2015/main" val="1"/>
+              </p:ext>
+            </p:extLst>
+          </p:nvPr>
+        </p:nvCxnSpPr>
+        <p:spPr>
+          <a:xfrm>
+            <a:off x="11724638" y="1331572"/>
+            <a:ext cx="0" cy="1597708"/>
+          </a:xfrm>
+          <a:prstGeom prst="line">
+            <a:avLst/>
+          </a:prstGeom>
+          <a:ln w="127000" cap="rnd">
+            <a:solidFill>
+              <a:schemeClr val="accent4"/>
+            </a:solidFill>
+            <a:prstDash val="dash"/>
+          </a:ln>
+        </p:spPr>
+        <p:style>
+          <a:lnRef idx="1">
+            <a:schemeClr val="accent1"/>
+          </a:lnRef>
+          <a:fillRef idx="0">
+            <a:schemeClr val="accent1"/>
+          </a:fillRef>
+          <a:effectRef idx="0">
+            <a:schemeClr val="accent1"/>
+          </a:effectRef>
+          <a:fontRef idx="minor">
+            <a:schemeClr val="tx1"/>
+          </a:fontRef>
+        </p:style>
+      </p:cxnSp>
+      <p:sp>
+        <p:nvSpPr>
+          <p:cNvPr id="20" name="Freeform: Shape 19">
+            <a:extLst>
+              <a:ext uri="{FF2B5EF4-FFF2-40B4-BE49-F238E27FC236}">
+                <a16:creationId xmlns:a16="http://schemas.microsoft.com/office/drawing/2014/main" id="{88853921-7BC9-4BDE-ACAB-133C683C82D6}"/>
+              </a:ext>
+              <a:ext uri="{C183D7F6-B498-43B3-948B-1728B52AA6E4}">
+                <adec:decorative xmlns:adec="http://schemas.microsoft.com/office/drawing/2017/decorative" val="1"/>
+              </a:ext>
+            </a:extLst>
+          </p:cNvPr>
+          <p:cNvSpPr>
+            <a:spLocks noGrp="1" noRot="1" noChangeAspect="1" noMove="1" noResize="1" noEditPoints="1" noAdjustHandles="1" noChangeArrowheads="1" noChangeShapeType="1" noTextEdit="1"/>
+          </p:cNvSpPr>
+          <p:nvPr>
+            <p:extLst>
+              <p:ext uri="{386F3935-93C4-4BCD-93E2-E3B085C9AB24}">
+                <p16:designElem xmlns:p16="http://schemas.microsoft.com/office/powerpoint/2015/main" val="1"/>
+              </p:ext>
+            </p:extLst>
+          </p:nvPr>
+        </p:nvSpPr>
+        <p:spPr>
+          <a:xfrm>
+            <a:off x="11005550" y="4112081"/>
+            <a:ext cx="1186451" cy="1771650"/>
+          </a:xfrm>
+          <a:custGeom>
+            <a:avLst/>
+            <a:gdLst>
+              <a:gd name="connsiteX0" fmla="*/ 61913 w 1186451"/>
+              <a:gd name="connsiteY0" fmla="*/ 0 h 1771650"/>
+              <a:gd name="connsiteX1" fmla="*/ 1186451 w 1186451"/>
+              <a:gd name="connsiteY1" fmla="*/ 0 h 1771650"/>
+              <a:gd name="connsiteX2" fmla="*/ 1186451 w 1186451"/>
+              <a:gd name="connsiteY2" fmla="*/ 123825 h 1771650"/>
+              <a:gd name="connsiteX3" fmla="*/ 123825 w 1186451"/>
+              <a:gd name="connsiteY3" fmla="*/ 123825 h 1771650"/>
+              <a:gd name="connsiteX4" fmla="*/ 123825 w 1186451"/>
+              <a:gd name="connsiteY4" fmla="*/ 1647825 h 1771650"/>
+              <a:gd name="connsiteX5" fmla="*/ 1186451 w 1186451"/>
+              <a:gd name="connsiteY5" fmla="*/ 1647825 h 1771650"/>
+              <a:gd name="connsiteX6" fmla="*/ 1186451 w 1186451"/>
+              <a:gd name="connsiteY6" fmla="*/ 1771650 h 1771650"/>
+              <a:gd name="connsiteX7" fmla="*/ 61913 w 1186451"/>
+              <a:gd name="connsiteY7" fmla="*/ 1771650 h 1771650"/>
+              <a:gd name="connsiteX8" fmla="*/ 0 w 1186451"/>
+              <a:gd name="connsiteY8" fmla="*/ 1709738 h 1771650"/>
+              <a:gd name="connsiteX9" fmla="*/ 0 w 1186451"/>
+              <a:gd name="connsiteY9" fmla="*/ 61913 h 1771650"/>
+              <a:gd name="connsiteX10" fmla="*/ 61913 w 1186451"/>
+              <a:gd name="connsiteY10" fmla="*/ 0 h 1771650"/>
+            </a:gdLst>
+            <a:ahLst/>
+            <a:cxnLst>
+              <a:cxn ang="0">
+                <a:pos x="connsiteX0" y="connsiteY0"/>
+              </a:cxn>
+              <a:cxn ang="0">
+                <a:pos x="connsiteX1" y="connsiteY1"/>
+              </a:cxn>
+              <a:cxn ang="0">
+                <a:pos x="connsiteX2" y="connsiteY2"/>
+              </a:cxn>
+              <a:cxn ang="0">
+                <a:pos x="connsiteX3" y="connsiteY3"/>
+              </a:cxn>
+              <a:cxn ang="0">
+                <a:pos x="connsiteX4" y="connsiteY4"/>
+              </a:cxn>
+              <a:cxn ang="0">
+                <a:pos x="connsiteX5" y="connsiteY5"/>
+              </a:cxn>
+              <a:cxn ang="0">
+                <a:pos x="connsiteX6" y="connsiteY6"/>
+              </a:cxn>
+              <a:cxn ang="0">
+                <a:pos x="connsiteX7" y="connsiteY7"/>
+              </a:cxn>
+              <a:cxn ang="0">
+                <a:pos x="connsiteX8" y="connsiteY8"/>
+              </a:cxn>
+              <a:cxn ang="0">
+                <a:pos x="connsiteX9" y="connsiteY9"/>
+              </a:cxn>
+              <a:cxn ang="0">
+                <a:pos x="connsiteX10" y="connsiteY10"/>
+              </a:cxn>
+            </a:cxnLst>
+            <a:rect l="l" t="t" r="r" b="b"/>
+            <a:pathLst>
+              <a:path w="1186451" h="1771650">
+                <a:moveTo>
+                  <a:pt x="61913" y="0"/>
+                </a:moveTo>
+                <a:lnTo>
+                  <a:pt x="1186451" y="0"/>
+                </a:lnTo>
+                <a:lnTo>
+                  <a:pt x="1186451" y="123825"/>
+                </a:lnTo>
+                <a:lnTo>
+                  <a:pt x="123825" y="123825"/>
+                </a:lnTo>
+                <a:lnTo>
+                  <a:pt x="123825" y="1647825"/>
+                </a:lnTo>
+                <a:lnTo>
+                  <a:pt x="1186451" y="1647825"/>
+                </a:lnTo>
+                <a:lnTo>
+                  <a:pt x="1186451" y="1771650"/>
+                </a:lnTo>
+                <a:lnTo>
+                  <a:pt x="61913" y="1771650"/>
+                </a:lnTo>
+                <a:cubicBezTo>
+                  <a:pt x="27719" y="1771650"/>
+                  <a:pt x="0" y="1743932"/>
+                  <a:pt x="0" y="1709738"/>
+                </a:cubicBezTo>
+                <a:lnTo>
+                  <a:pt x="0" y="61913"/>
+                </a:lnTo>
+                <a:cubicBezTo>
+                  <a:pt x="0" y="27719"/>
+                  <a:pt x="27719" y="0"/>
+                  <a:pt x="61913" y="0"/>
+                </a:cubicBezTo>
+                <a:close/>
+              </a:path>
+            </a:pathLst>
+          </a:custGeom>
+          <a:solidFill>
+            <a:schemeClr val="accent6"/>
+          </a:solidFill>
+          <a:ln w="9525" cap="flat">
+            <a:noFill/>
+            <a:prstDash val="solid"/>
+            <a:miter/>
+          </a:ln>
+        </p:spPr>
+        <p:txBody>
+          <a:bodyPr rtlCol="0" anchor="ctr"/>
+          <a:lstStyle/>
+          <a:p>
+            <a:pPr marL="0" marR="0" lvl="0" indent="0" algn="l" defTabSz="914400" rtl="0" eaLnBrk="1" fontAlgn="auto" latinLnBrk="0" hangingPunct="1">
+              <a:lnSpc>
+                <a:spcPct val="100000"/>
+              </a:lnSpc>
+              <a:spcBef>
+                <a:spcPts val="0"/>
+              </a:spcBef>
+              <a:spcAft>
+                <a:spcPts val="0"/>
+              </a:spcAft>
+              <a:buClrTx/>
+              <a:buSzTx/>
+              <a:buFontTx/>
+              <a:buNone/>
+              <a:tabLst/>
+              <a:defRPr/>
+            </a:pPr>
+            <a:endParaRPr kumimoji="0" lang="en-US" sz="1800" b="0" i="0" u="none" strike="noStrike" kern="1200" cap="none" spc="0" normalizeH="0" baseline="0" noProof="0">
+              <a:ln>
+                <a:noFill/>
+              </a:ln>
+              <a:solidFill>
+                <a:prstClr val="black"/>
+              </a:solidFill>
+              <a:effectLst/>
+              <a:uLnTx/>
+              <a:uFillTx/>
+              <a:latin typeface="Calibri" panose="020F0502020204030204"/>
+              <a:ea typeface="+mn-ea"/>
+              <a:cs typeface="+mn-cs"/>
+            </a:endParaRPr>
+          </a:p>
+        </p:txBody>
+      </p:sp>
+      <p:sp>
+        <p:nvSpPr>
+          <p:cNvPr id="22" name="Arc 21">
+            <a:extLst>
+              <a:ext uri="{FF2B5EF4-FFF2-40B4-BE49-F238E27FC236}">
+                <a16:creationId xmlns:a16="http://schemas.microsoft.com/office/drawing/2014/main" id="{09192968-3AE7-4470-A61C-97294BB92731}"/>
+              </a:ext>
+              <a:ext uri="{C183D7F6-B498-43B3-948B-1728B52AA6E4}">
+                <adec:decorative xmlns:adec="http://schemas.microsoft.com/office/drawing/2017/decorative" val="1"/>
+              </a:ext>
+            </a:extLst>
+          </p:cNvPr>
+          <p:cNvSpPr>
+            <a:spLocks noGrp="1" noRot="1" noChangeAspect="1" noMove="1" noResize="1" noEditPoints="1" noAdjustHandles="1" noChangeArrowheads="1" noChangeShapeType="1" noTextEdit="1"/>
+          </p:cNvSpPr>
+          <p:nvPr>
+            <p:extLst>
+              <p:ext uri="{386F3935-93C4-4BCD-93E2-E3B085C9AB24}">
+                <p16:designElem xmlns:p16="http://schemas.microsoft.com/office/powerpoint/2015/main" val="1"/>
+              </p:ext>
+            </p:extLst>
+          </p:nvPr>
+        </p:nvSpPr>
+        <p:spPr>
+          <a:xfrm rot="20992895">
+            <a:off x="6086940" y="4145122"/>
+            <a:ext cx="4083433" cy="4083433"/>
+          </a:xfrm>
+          <a:prstGeom prst="arc">
+            <a:avLst/>
+          </a:prstGeom>
+          <a:ln w="127000" cap="rnd">
+            <a:solidFill>
+              <a:schemeClr val="accent4"/>
+            </a:solidFill>
+            <a:prstDash val="dash"/>
+          </a:ln>
+        </p:spPr>
+        <p:style>
+          <a:lnRef idx="1">
+            <a:schemeClr val="accent1"/>
+          </a:lnRef>
+          <a:fillRef idx="0">
+            <a:schemeClr val="accent1"/>
+          </a:fillRef>
+          <a:effectRef idx="0">
+            <a:schemeClr val="accent1"/>
+          </a:effectRef>
+          <a:fontRef idx="minor">
+            <a:schemeClr val="tx1"/>
+          </a:fontRef>
+        </p:style>
+        <p:txBody>
+          <a:bodyPr rtlCol="0" anchor="ctr"/>
+          <a:lstStyle/>
+          <a:p>
+            <a:pPr marL="0" marR="0" lvl="0" indent="0" algn="ctr" defTabSz="914400" rtl="0" eaLnBrk="1" fontAlgn="auto" latinLnBrk="0" hangingPunct="1">
+              <a:lnSpc>
+                <a:spcPct val="100000"/>
+              </a:lnSpc>
+              <a:spcBef>
+                <a:spcPts val="0"/>
+              </a:spcBef>
+              <a:spcAft>
+                <a:spcPts val="0"/>
+              </a:spcAft>
+              <a:buClrTx/>
+              <a:buSzTx/>
+              <a:buFontTx/>
+              <a:buNone/>
+              <a:tabLst/>
+              <a:defRPr/>
+            </a:pPr>
+            <a:endParaRPr kumimoji="0" lang="en-US" sz="1800" b="0" i="0" u="none" strike="noStrike" kern="1200" cap="none" spc="0" normalizeH="0" baseline="0" noProof="0" dirty="0">
+              <a:ln>
+                <a:noFill/>
+              </a:ln>
+              <a:solidFill>
+                <a:prstClr val="black"/>
+              </a:solidFill>
+              <a:effectLst/>
+              <a:uLnTx/>
+              <a:uFillTx/>
+              <a:latin typeface="Calibri" panose="020F0502020204030204"/>
+              <a:ea typeface="+mn-ea"/>
+              <a:cs typeface="+mn-cs"/>
+            </a:endParaRPr>
+          </a:p>
+        </p:txBody>
+      </p:sp>
+      <p:sp>
+        <p:nvSpPr>
+          <p:cNvPr id="24" name="Freeform: Shape 23">
+            <a:extLst>
+              <a:ext uri="{FF2B5EF4-FFF2-40B4-BE49-F238E27FC236}">
+                <a16:creationId xmlns:a16="http://schemas.microsoft.com/office/drawing/2014/main" id="{3AB72E55-43E4-4356-BFE8-E2102CB0B505}"/>
+              </a:ext>
+              <a:ext uri="{C183D7F6-B498-43B3-948B-1728B52AA6E4}">
+                <adec:decorative xmlns:adec="http://schemas.microsoft.com/office/drawing/2017/decorative" val="1"/>
+              </a:ext>
+            </a:extLst>
+          </p:cNvPr>
+          <p:cNvSpPr>
+            <a:spLocks noGrp="1" noRot="1" noChangeAspect="1" noMove="1" noResize="1" noEditPoints="1" noAdjustHandles="1" noChangeArrowheads="1" noChangeShapeType="1" noTextEdit="1"/>
+          </p:cNvSpPr>
+          <p:nvPr>
+            <p:extLst>
+              <p:ext uri="{386F3935-93C4-4BCD-93E2-E3B085C9AB24}">
+                <p16:designElem xmlns:p16="http://schemas.microsoft.com/office/powerpoint/2015/main" val="1"/>
+              </p:ext>
+            </p:extLst>
+          </p:nvPr>
+        </p:nvSpPr>
+        <p:spPr>
+          <a:xfrm>
+            <a:off x="6821310" y="4962670"/>
+            <a:ext cx="2643352" cy="1895331"/>
+          </a:xfrm>
+          <a:custGeom>
+            <a:avLst/>
+            <a:gdLst>
+              <a:gd name="connsiteX0" fmla="*/ 1321676 w 2643352"/>
+              <a:gd name="connsiteY0" fmla="*/ 0 h 1895331"/>
+              <a:gd name="connsiteX1" fmla="*/ 2643352 w 2643352"/>
+              <a:gd name="connsiteY1" fmla="*/ 1321676 h 1895331"/>
+              <a:gd name="connsiteX2" fmla="*/ 2539488 w 2643352"/>
+              <a:gd name="connsiteY2" fmla="*/ 1836132 h 1895331"/>
+              <a:gd name="connsiteX3" fmla="*/ 2510970 w 2643352"/>
+              <a:gd name="connsiteY3" fmla="*/ 1895331 h 1895331"/>
+              <a:gd name="connsiteX4" fmla="*/ 132382 w 2643352"/>
+              <a:gd name="connsiteY4" fmla="*/ 1895331 h 1895331"/>
+              <a:gd name="connsiteX5" fmla="*/ 103864 w 2643352"/>
+              <a:gd name="connsiteY5" fmla="*/ 1836132 h 1895331"/>
+              <a:gd name="connsiteX6" fmla="*/ 0 w 2643352"/>
+              <a:gd name="connsiteY6" fmla="*/ 1321676 h 1895331"/>
+              <a:gd name="connsiteX7" fmla="*/ 1321676 w 2643352"/>
+              <a:gd name="connsiteY7" fmla="*/ 0 h 1895331"/>
+            </a:gdLst>
+            <a:ahLst/>
+            <a:cxnLst>
+              <a:cxn ang="0">
+                <a:pos x="connsiteX0" y="connsiteY0"/>
+              </a:cxn>
+              <a:cxn ang="0">
+                <a:pos x="connsiteX1" y="connsiteY1"/>
+              </a:cxn>
+              <a:cxn ang="0">
+                <a:pos x="connsiteX2" y="connsiteY2"/>
+              </a:cxn>
+              <a:cxn ang="0">
+                <a:pos x="connsiteX3" y="connsiteY3"/>
+              </a:cxn>
+              <a:cxn ang="0">
+                <a:pos x="connsiteX4" y="connsiteY4"/>
+              </a:cxn>
+              <a:cxn ang="0">
+                <a:pos x="connsiteX5" y="connsiteY5"/>
+              </a:cxn>
+              <a:cxn ang="0">
+                <a:pos x="connsiteX6" y="connsiteY6"/>
+              </a:cxn>
+              <a:cxn ang="0">
+                <a:pos x="connsiteX7" y="connsiteY7"/>
+              </a:cxn>
+            </a:cxnLst>
+            <a:rect l="l" t="t" r="r" b="b"/>
+            <a:pathLst>
+              <a:path w="2643352" h="1895331">
+                <a:moveTo>
+                  <a:pt x="1321676" y="0"/>
+                </a:moveTo>
+                <a:cubicBezTo>
+                  <a:pt x="2051617" y="0"/>
+                  <a:pt x="2643352" y="591735"/>
+                  <a:pt x="2643352" y="1321676"/>
+                </a:cubicBezTo>
+                <a:cubicBezTo>
+                  <a:pt x="2643352" y="1504161"/>
+                  <a:pt x="2606369" y="1678009"/>
+                  <a:pt x="2539488" y="1836132"/>
+                </a:cubicBezTo>
+                <a:lnTo>
+                  <a:pt x="2510970" y="1895331"/>
+                </a:lnTo>
+                <a:lnTo>
+                  <a:pt x="132382" y="1895331"/>
+                </a:lnTo>
+                <a:lnTo>
+                  <a:pt x="103864" y="1836132"/>
+                </a:lnTo>
+                <a:cubicBezTo>
+                  <a:pt x="36984" y="1678009"/>
+                  <a:pt x="0" y="1504161"/>
+                  <a:pt x="0" y="1321676"/>
+                </a:cubicBezTo>
+                <a:cubicBezTo>
+                  <a:pt x="0" y="591735"/>
+                  <a:pt x="591735" y="0"/>
+                  <a:pt x="1321676" y="0"/>
+                </a:cubicBezTo>
+                <a:close/>
+              </a:path>
+            </a:pathLst>
+          </a:custGeom>
+          <a:solidFill>
+            <a:schemeClr val="accent2"/>
+          </a:solidFill>
+          <a:ln>
+            <a:noFill/>
+          </a:ln>
+        </p:spPr>
+        <p:style>
+          <a:lnRef idx="2">
+            <a:schemeClr val="accent1">
+              <a:shade val="50000"/>
+            </a:schemeClr>
+          </a:lnRef>
+          <a:fillRef idx="1">
+            <a:schemeClr val="accent1"/>
+          </a:fillRef>
+          <a:effectRef idx="0">
+            <a:schemeClr val="accent1"/>
+          </a:effectRef>
+          <a:fontRef idx="minor">
+            <a:schemeClr val="lt1"/>
+          </a:fontRef>
+        </p:style>
+        <p:txBody>
+          <a:bodyPr rtlCol="0" anchor="ctr"/>
+          <a:lstStyle/>
+          <a:p>
+            <a:pPr marL="0" marR="0" lvl="0" indent="0" algn="ctr" defTabSz="914400" rtl="0" eaLnBrk="1" fontAlgn="auto" latinLnBrk="0" hangingPunct="1">
+              <a:lnSpc>
+                <a:spcPct val="100000"/>
+              </a:lnSpc>
+              <a:spcBef>
+                <a:spcPts val="0"/>
+              </a:spcBef>
+              <a:spcAft>
+                <a:spcPts val="0"/>
+              </a:spcAft>
+              <a:buClrTx/>
+              <a:buSzTx/>
+              <a:buFontTx/>
+              <a:buNone/>
+              <a:tabLst/>
+              <a:defRPr/>
+            </a:pPr>
+            <a:endParaRPr kumimoji="0" lang="en-US" sz="1800" b="0" i="0" u="none" strike="noStrike" kern="1200" cap="none" spc="0" normalizeH="0" baseline="0" noProof="0">
+              <a:ln>
+                <a:noFill/>
+              </a:ln>
+              <a:solidFill>
+                <a:prstClr val="white"/>
+              </a:solidFill>
+              <a:effectLst/>
+              <a:uLnTx/>
+              <a:uFillTx/>
+              <a:latin typeface="Calibri" panose="020F0502020204030204"/>
+              <a:ea typeface="+mn-ea"/>
+              <a:cs typeface="+mn-cs"/>
+            </a:endParaRPr>
+          </a:p>
+        </p:txBody>
+      </p:sp>
+    </p:spTree>
+    <p:extLst>
+      <p:ext uri="{BB962C8B-B14F-4D97-AF65-F5344CB8AC3E}">
+        <p14:creationId xmlns:p14="http://schemas.microsoft.com/office/powerpoint/2010/main" val="3685516804"/>
+      </p:ext>
+    </p:extLst>
+  </p:cSld>
+  <p:clrMapOvr>
+    <a:masterClrMapping/>
+  </p:clrMapOvr>
+</p:sld>
+</file>
+
+<file path=ppt/slides/slide7.xml><?xml version="1.0" encoding="utf-8"?>
+<p:sld xmlns:a="http://schemas.openxmlformats.org/drawingml/2006/main" xmlns:r="http://schemas.openxmlformats.org/officeDocument/2006/relationships" xmlns:p="http://schemas.openxmlformats.org/presentationml/2006/main">
+  <p:cSld>
+    <p:bg>
+      <p:bgPr>
+        <a:solidFill>
+          <a:schemeClr val="bg1"/>
+        </a:solidFill>
+        <a:effectLst/>
+      </p:bgPr>
+    </p:bg>
+    <p:spTree>
+      <p:nvGrpSpPr>
+        <p:cNvPr id="1" name=""/>
+        <p:cNvGrpSpPr/>
+        <p:nvPr/>
+      </p:nvGrpSpPr>
+      <p:grpSpPr>
+        <a:xfrm>
+          <a:off x="0" y="0"/>
+          <a:ext cx="0" cy="0"/>
+          <a:chOff x="0" y="0"/>
+          <a:chExt cx="0" cy="0"/>
+        </a:xfrm>
+      </p:grpSpPr>
+      <p:sp useBgFill="1">
+        <p:nvSpPr>
           <p:cNvPr id="8" name="Rectangle 7">
             <a:extLst>
               <a:ext uri="{FF2B5EF4-FFF2-40B4-BE49-F238E27FC236}">
@@ -7801,7 +14944,7 @@
           <p:cNvPr id="2" name="Title 1">
             <a:extLst>
               <a:ext uri="{FF2B5EF4-FFF2-40B4-BE49-F238E27FC236}">
-                <a16:creationId xmlns:a16="http://schemas.microsoft.com/office/drawing/2014/main" id="{ADAA6BD9-D484-904F-A29A-BB6C6D1F12ED}"/>
+                <a16:creationId xmlns:a16="http://schemas.microsoft.com/office/drawing/2014/main" id="{6CA2D67C-E895-7743-9EA4-7FF4218E9822}"/>
               </a:ext>
             </a:extLst>
           </p:cNvPr>
@@ -7825,18 +14968,13 @@
           <a:lstStyle/>
           <a:p>
             <a:r>
-              <a:rPr lang="en-SA" sz="5400" dirty="0">
+              <a:rPr lang="en-SA">
                 <a:solidFill>
                   <a:srgbClr val="FFFFFF"/>
                 </a:solidFill>
               </a:rPr>
-              <a:t>Data</a:t>
+              <a:t>Conclusion </a:t>
             </a:r>
-            <a:endParaRPr lang="en-SA" sz="5400" b="1" dirty="0">
-              <a:solidFill>
-                <a:srgbClr val="FFFFFF"/>
-              </a:solidFill>
-            </a:endParaRPr>
           </a:p>
         </p:txBody>
       </p:sp>
@@ -7845,7 +14983,7 @@
           <p:cNvPr id="3" name="Content Placeholder 2">
             <a:extLst>
               <a:ext uri="{FF2B5EF4-FFF2-40B4-BE49-F238E27FC236}">
-                <a16:creationId xmlns:a16="http://schemas.microsoft.com/office/drawing/2014/main" id="{A3CF7B54-AD13-9A4B-B8B6-E738C774DB8A}"/>
+                <a16:creationId xmlns:a16="http://schemas.microsoft.com/office/drawing/2014/main" id="{16A0181F-8F82-3444-96A9-D0166267AEBE}"/>
               </a:ext>
             </a:extLst>
           </p:cNvPr>
@@ -7864,7 +15002,7 @@
         </p:spPr>
         <p:txBody>
           <a:bodyPr anchor="ctr">
-            <a:normAutofit fontScale="92500" lnSpcReduction="10000"/>
+            <a:normAutofit/>
           </a:bodyPr>
           <a:lstStyle/>
           <a:p>
@@ -7872,67 +15010,9 @@
               <a:buNone/>
             </a:pPr>
             <a:r>
-              <a:rPr lang="en-SA" b="1" dirty="0"/>
-              <a:t>Data required:</a:t>
+              <a:rPr lang="en-SA" dirty="0"/>
+              <a:t>Neighborhoods in cluster 1 are the most preferred locations to open a new art museum.</a:t>
             </a:r>
-          </a:p>
-          <a:p>
-            <a:r>
-              <a:rPr lang="en-SA" dirty="0"/>
-              <a:t>List of neighborhoods in Paris, France</a:t>
-            </a:r>
-          </a:p>
-          <a:p>
-            <a:r>
-              <a:rPr lang="en-SA" dirty="0"/>
-              <a:t>Latitude and longitude coordinates of those neighborhoods</a:t>
-            </a:r>
-          </a:p>
-          <a:p>
-            <a:r>
-              <a:rPr lang="en-SA" dirty="0"/>
-              <a:t>Venue data, data realted to art museum</a:t>
-            </a:r>
-          </a:p>
-          <a:p>
-            <a:pPr marL="0" indent="0">
-              <a:buNone/>
-            </a:pPr>
-            <a:r>
-              <a:rPr lang="en-SA" b="1" dirty="0"/>
-              <a:t>Data sourced:</a:t>
-            </a:r>
-          </a:p>
-          <a:p>
-            <a:r>
-              <a:rPr lang="en-SA" dirty="0"/>
-              <a:t>Wikipedia page (</a:t>
-            </a:r>
-            <a:r>
-              <a:rPr lang="en-US" dirty="0">
-                <a:hlinkClick r:id="rId2"/>
-              </a:rPr>
-              <a:t>https://en.wikipedia.org/wiki/Category:Districts_of_Paris</a:t>
-            </a:r>
-            <a:r>
-              <a:rPr lang="en-US" dirty="0"/>
-              <a:t>) which contains lists of neighborhoods in Paris, France.</a:t>
-            </a:r>
-          </a:p>
-          <a:p>
-            <a:r>
-              <a:rPr lang="en-US" dirty="0"/>
-              <a:t>Python Geocoder package for latitude and longitude of the neighborhoods.</a:t>
-            </a:r>
-          </a:p>
-          <a:p>
-            <a:r>
-              <a:rPr lang="en-US" dirty="0"/>
-              <a:t>Foursquare API to get venue data for those neighborhoods.</a:t>
-            </a:r>
-          </a:p>
-          <a:p>
-            <a:endParaRPr lang="en-SA" dirty="0"/>
           </a:p>
         </p:txBody>
       </p:sp>
@@ -8029,7 +15109,7 @@
     </p:spTree>
     <p:extLst>
       <p:ext uri="{BB962C8B-B14F-4D97-AF65-F5344CB8AC3E}">
-        <p14:creationId xmlns:p14="http://schemas.microsoft.com/office/powerpoint/2010/main" val="1829574252"/>
+        <p14:creationId xmlns:p14="http://schemas.microsoft.com/office/powerpoint/2010/main" val="3167646782"/>
       </p:ext>
     </p:extLst>
   </p:cSld>
